--- a/Arete.pptx
+++ b/Arete.pptx
@@ -5,10 +5,19 @@
     <p:sldMasterId id="2147483648" r:id="rId1"/>
   </p:sldMasterIdLst>
   <p:notesMasterIdLst>
-    <p:notesMasterId r:id="rId3"/>
+    <p:notesMasterId r:id="rId12"/>
   </p:notesMasterIdLst>
   <p:sldIdLst>
     <p:sldId id="257" r:id="rId2"/>
+    <p:sldId id="265" r:id="rId3"/>
+    <p:sldId id="266" r:id="rId4"/>
+    <p:sldId id="267" r:id="rId5"/>
+    <p:sldId id="258" r:id="rId6"/>
+    <p:sldId id="260" r:id="rId7"/>
+    <p:sldId id="263" r:id="rId8"/>
+    <p:sldId id="264" r:id="rId9"/>
+    <p:sldId id="262" r:id="rId10"/>
+    <p:sldId id="268" r:id="rId11"/>
   </p:sldIdLst>
   <p:sldSz cx="12192000" cy="6858000"/>
   <p:notesSz cx="6858000" cy="9144000"/>
@@ -115,8 +124,26 @@
             <p14:sldId id="257"/>
           </p14:sldIdLst>
         </p14:section>
-        <p14:section name="Motion Planning with Convex Optimization" id="{A531270D-22C5-6A47-9ACB-FC3658D30E11}">
-          <p14:sldIdLst/>
+        <p14:section name="Visibility Graphs" id="{A531270D-22C5-6A47-9ACB-FC3658D30E11}">
+          <p14:sldIdLst>
+            <p14:sldId id="265"/>
+            <p14:sldId id="266"/>
+            <p14:sldId id="267"/>
+          </p14:sldIdLst>
+        </p14:section>
+        <p14:section name="Object Detection" id="{BBD2977C-F303-3E40-8167-E8DD4F83279E}">
+          <p14:sldIdLst>
+            <p14:sldId id="258"/>
+            <p14:sldId id="260"/>
+          </p14:sldIdLst>
+        </p14:section>
+        <p14:section name="Network Architecture" id="{A16A4BE8-9652-5146-A5F1-23229F9DD3FD}">
+          <p14:sldIdLst>
+            <p14:sldId id="263"/>
+            <p14:sldId id="264"/>
+            <p14:sldId id="262"/>
+            <p14:sldId id="268"/>
+          </p14:sldIdLst>
         </p14:section>
       </p14:sectionLst>
     </p:ext>
@@ -208,7 +235,7 @@
           </a:lstStyle>
           <a:p>
             <a:fld id="{57EC4DBB-E748-DD4C-819B-7D5966EDC451}" type="datetimeFigureOut">
-              <a:t>11/25/24</a:t>
+              <a:t>12/2/24</a:t>
             </a:fld>
             <a:endParaRPr lang="en-US"/>
           </a:p>
@@ -557,6 +584,93 @@
 </p:notes>
 </file>
 
+<file path=ppt/notesSlides/notesSlide2.xml><?xml version="1.0" encoding="utf-8"?>
+<p:notes xmlns:a="http://schemas.openxmlformats.org/drawingml/2006/main" xmlns:r="http://schemas.openxmlformats.org/officeDocument/2006/relationships" xmlns:p="http://schemas.openxmlformats.org/presentationml/2006/main">
+  <p:cSld>
+    <p:spTree>
+      <p:nvGrpSpPr>
+        <p:cNvPr id="1" name=""/>
+        <p:cNvGrpSpPr/>
+        <p:nvPr/>
+      </p:nvGrpSpPr>
+      <p:grpSpPr>
+        <a:xfrm>
+          <a:off x="0" y="0"/>
+          <a:ext cx="0" cy="0"/>
+          <a:chOff x="0" y="0"/>
+          <a:chExt cx="0" cy="0"/>
+        </a:xfrm>
+      </p:grpSpPr>
+      <p:sp>
+        <p:nvSpPr>
+          <p:cNvPr id="2" name="Slide Image Placeholder 1"/>
+          <p:cNvSpPr>
+            <a:spLocks noGrp="1" noRot="1" noChangeAspect="1"/>
+          </p:cNvSpPr>
+          <p:nvPr>
+            <p:ph type="sldImg"/>
+          </p:nvPr>
+        </p:nvSpPr>
+        <p:spPr/>
+      </p:sp>
+      <p:sp>
+        <p:nvSpPr>
+          <p:cNvPr id="3" name="Notes Placeholder 2"/>
+          <p:cNvSpPr>
+            <a:spLocks noGrp="1"/>
+          </p:cNvSpPr>
+          <p:nvPr>
+            <p:ph type="body" idx="1"/>
+          </p:nvPr>
+        </p:nvSpPr>
+        <p:spPr/>
+        <p:txBody>
+          <a:bodyPr/>
+          <a:lstStyle/>
+          <a:p>
+            <a:r>
+              <a:rPr lang="en-US"/>
+              <a:t>A bit of technical writing</a:t>
+            </a:r>
+          </a:p>
+        </p:txBody>
+      </p:sp>
+      <p:sp>
+        <p:nvSpPr>
+          <p:cNvPr id="4" name="Slide Number Placeholder 3"/>
+          <p:cNvSpPr>
+            <a:spLocks noGrp="1"/>
+          </p:cNvSpPr>
+          <p:nvPr>
+            <p:ph type="sldNum" sz="quarter" idx="5"/>
+          </p:nvPr>
+        </p:nvSpPr>
+        <p:spPr/>
+        <p:txBody>
+          <a:bodyPr/>
+          <a:lstStyle/>
+          <a:p>
+            <a:fld id="{998D93A4-07E9-624F-AC71-12259DE33806}" type="slidenum">
+              <a:rPr lang="en-US"/>
+              <a:t>6</a:t>
+            </a:fld>
+            <a:endParaRPr lang="en-US"/>
+          </a:p>
+        </p:txBody>
+      </p:sp>
+    </p:spTree>
+    <p:extLst>
+      <p:ext uri="{BB962C8B-B14F-4D97-AF65-F5344CB8AC3E}">
+        <p14:creationId xmlns:p14="http://schemas.microsoft.com/office/powerpoint/2010/main" val="592614467"/>
+      </p:ext>
+    </p:extLst>
+  </p:cSld>
+  <p:clrMapOvr>
+    <a:masterClrMapping/>
+  </p:clrMapOvr>
+</p:notes>
+</file>
+
 <file path=ppt/slideLayouts/slideLayout1.xml><?xml version="1.0" encoding="utf-8"?>
 <p:sldLayout xmlns:a="http://schemas.openxmlformats.org/drawingml/2006/main" xmlns:r="http://schemas.openxmlformats.org/officeDocument/2006/relationships" xmlns:p="http://schemas.openxmlformats.org/presentationml/2006/main" type="title" preserve="1">
   <p:cSld name="Title Slide">
@@ -703,7 +817,7 @@
           <a:lstStyle/>
           <a:p>
             <a:fld id="{B70BB86D-EC77-5A41-946D-4EF223B166ED}" type="datetimeFigureOut">
-              <a:t>11/25/24</a:t>
+              <a:t>12/2/24</a:t>
             </a:fld>
             <a:endParaRPr lang="en-US"/>
           </a:p>
@@ -899,7 +1013,7 @@
           <a:lstStyle/>
           <a:p>
             <a:fld id="{B70BB86D-EC77-5A41-946D-4EF223B166ED}" type="datetimeFigureOut">
-              <a:t>11/25/24</a:t>
+              <a:t>12/2/24</a:t>
             </a:fld>
             <a:endParaRPr lang="en-US"/>
           </a:p>
@@ -1105,7 +1219,7 @@
           <a:lstStyle/>
           <a:p>
             <a:fld id="{B70BB86D-EC77-5A41-946D-4EF223B166ED}" type="datetimeFigureOut">
-              <a:t>11/25/24</a:t>
+              <a:t>12/2/24</a:t>
             </a:fld>
             <a:endParaRPr lang="en-US"/>
           </a:p>
@@ -1301,7 +1415,7 @@
           <a:lstStyle/>
           <a:p>
             <a:fld id="{B70BB86D-EC77-5A41-946D-4EF223B166ED}" type="datetimeFigureOut">
-              <a:t>11/25/24</a:t>
+              <a:t>12/2/24</a:t>
             </a:fld>
             <a:endParaRPr lang="en-US"/>
           </a:p>
@@ -1574,7 +1688,7 @@
           <a:lstStyle/>
           <a:p>
             <a:fld id="{B70BB86D-EC77-5A41-946D-4EF223B166ED}" type="datetimeFigureOut">
-              <a:t>11/25/24</a:t>
+              <a:t>12/2/24</a:t>
             </a:fld>
             <a:endParaRPr lang="en-US"/>
           </a:p>
@@ -1837,7 +1951,7 @@
           <a:lstStyle/>
           <a:p>
             <a:fld id="{B70BB86D-EC77-5A41-946D-4EF223B166ED}" type="datetimeFigureOut">
-              <a:t>11/25/24</a:t>
+              <a:t>12/2/24</a:t>
             </a:fld>
             <a:endParaRPr lang="en-US"/>
           </a:p>
@@ -2247,7 +2361,7 @@
           <a:lstStyle/>
           <a:p>
             <a:fld id="{B70BB86D-EC77-5A41-946D-4EF223B166ED}" type="datetimeFigureOut">
-              <a:t>11/25/24</a:t>
+              <a:t>12/2/24</a:t>
             </a:fld>
             <a:endParaRPr lang="en-US"/>
           </a:p>
@@ -2386,7 +2500,7 @@
           <a:lstStyle/>
           <a:p>
             <a:fld id="{B70BB86D-EC77-5A41-946D-4EF223B166ED}" type="datetimeFigureOut">
-              <a:t>11/25/24</a:t>
+              <a:t>12/2/24</a:t>
             </a:fld>
             <a:endParaRPr lang="en-US"/>
           </a:p>
@@ -2497,7 +2611,7 @@
           <a:lstStyle/>
           <a:p>
             <a:fld id="{B70BB86D-EC77-5A41-946D-4EF223B166ED}" type="datetimeFigureOut">
-              <a:t>11/25/24</a:t>
+              <a:t>12/2/24</a:t>
             </a:fld>
             <a:endParaRPr lang="en-US"/>
           </a:p>
@@ -2806,7 +2920,7 @@
           <a:lstStyle/>
           <a:p>
             <a:fld id="{B70BB86D-EC77-5A41-946D-4EF223B166ED}" type="datetimeFigureOut">
-              <a:t>11/25/24</a:t>
+              <a:t>12/2/24</a:t>
             </a:fld>
             <a:endParaRPr lang="en-US"/>
           </a:p>
@@ -3092,7 +3206,7 @@
           <a:lstStyle/>
           <a:p>
             <a:fld id="{B70BB86D-EC77-5A41-946D-4EF223B166ED}" type="datetimeFigureOut">
-              <a:t>11/25/24</a:t>
+              <a:t>12/2/24</a:t>
             </a:fld>
             <a:endParaRPr lang="en-US"/>
           </a:p>
@@ -3331,7 +3445,7 @@
           </a:lstStyle>
           <a:p>
             <a:fld id="{B70BB86D-EC77-5A41-946D-4EF223B166ED}" type="datetimeFigureOut">
-              <a:t>11/25/24</a:t>
+              <a:t>12/2/24</a:t>
             </a:fld>
             <a:endParaRPr lang="en-US"/>
           </a:p>
@@ -3793,76 +3907,73 @@
         </p:nvSpPr>
         <p:spPr/>
         <p:txBody>
-          <a:bodyPr/>
-          <a:lstStyle/>
-          <a:p>
-            <a:r>
-              <a:rPr lang="en-US"/>
-              <a:t>Motion Planning with Convex Optimization</a:t>
-            </a:r>
-          </a:p>
-          <a:p>
-            <a:r>
-              <a:rPr lang="en-US"/>
-              <a:t>Hyper Efficient CNNs in Low SWaP environments</a:t>
-            </a:r>
-          </a:p>
-          <a:p>
-            <a:r>
-              <a:rPr lang="en-US"/>
-              <a:t>Detection Transformers</a:t>
-            </a:r>
-          </a:p>
-          <a:p>
-            <a:r>
-              <a:rPr lang="en-US"/>
-              <a:t>Small Projects</a:t>
+          <a:bodyPr>
+            <a:normAutofit/>
+          </a:bodyPr>
+          <a:lstStyle/>
+          <a:p>
+            <a:r>
+              <a:rPr lang="en-US"/>
+              <a:t>Path Planning</a:t>
             </a:r>
           </a:p>
           <a:p>
             <a:pPr lvl="1"/>
             <a:r>
               <a:rPr lang="en-US"/>
-              <a:t>Image Registration &amp; Discrete Cosine Transform</a:t>
+              <a:t>Visibility Graphs</a:t>
             </a:r>
           </a:p>
           <a:p>
             <a:pPr lvl="1"/>
             <a:r>
               <a:rPr lang="en-US"/>
-              <a:t>Kalman Filters and Multiple-Hypothesis-Tracking</a:t>
+              <a:t>Latency Graphs</a:t>
             </a:r>
           </a:p>
           <a:p>
             <a:pPr lvl="1"/>
             <a:r>
               <a:rPr lang="en-US"/>
-              <a:t>Global Path Planning</a:t>
-            </a:r>
-          </a:p>
-          <a:p>
-            <a:r>
-              <a:rPr lang="en-US" i="1">
-                <a:solidFill>
-                  <a:schemeClr val="bg2">
-                    <a:lumMod val="50000"/>
-                  </a:schemeClr>
-                </a:solidFill>
-              </a:rPr>
-              <a:t>A Rabbit Hole into the Stock Market</a:t>
-            </a:r>
-          </a:p>
-          <a:p>
-            <a:r>
-              <a:rPr lang="en-US" i="1">
-                <a:solidFill>
-                  <a:schemeClr val="bg2">
-                    <a:lumMod val="50000"/>
-                  </a:schemeClr>
-                </a:solidFill>
-              </a:rPr>
-              <a:t>A Rabbit Hole into Weather Forecasting</a:t>
-            </a:r>
+              <a:t>Motion Planning</a:t>
+            </a:r>
+          </a:p>
+          <a:p>
+            <a:r>
+              <a:rPr lang="en-US"/>
+              <a:t>Automated Target Recognition</a:t>
+            </a:r>
+          </a:p>
+          <a:p>
+            <a:pPr lvl="1"/>
+            <a:r>
+              <a:rPr lang="en-US"/>
+              <a:t>SSD</a:t>
+            </a:r>
+          </a:p>
+          <a:p>
+            <a:pPr lvl="1"/>
+            <a:r>
+              <a:rPr lang="en-US"/>
+              <a:t>RTDETR</a:t>
+            </a:r>
+          </a:p>
+          <a:p>
+            <a:r>
+              <a:rPr lang="en-US"/>
+              <a:t>Smaller Projects</a:t>
+            </a:r>
+          </a:p>
+          <a:p>
+            <a:pPr lvl="1"/>
+            <a:r>
+              <a:rPr lang="en-US"/>
+              <a:t>Kalman Filter, Image Registration, Image Projection</a:t>
+            </a:r>
+            <a:br>
+              <a:rPr lang="en-US"/>
+            </a:br>
+            <a:endParaRPr lang="en-US"/>
           </a:p>
         </p:txBody>
       </p:sp>
@@ -3870,6 +3981,944 @@
     <p:extLst>
       <p:ext uri="{BB962C8B-B14F-4D97-AF65-F5344CB8AC3E}">
         <p14:creationId xmlns:p14="http://schemas.microsoft.com/office/powerpoint/2010/main" val="1811106839"/>
+      </p:ext>
+    </p:extLst>
+  </p:cSld>
+  <p:clrMapOvr>
+    <a:masterClrMapping/>
+  </p:clrMapOvr>
+</p:sld>
+</file>
+
+<file path=ppt/slides/slide10.xml><?xml version="1.0" encoding="utf-8"?>
+<p:sld xmlns:a="http://schemas.openxmlformats.org/drawingml/2006/main" xmlns:r="http://schemas.openxmlformats.org/officeDocument/2006/relationships" xmlns:p="http://schemas.openxmlformats.org/presentationml/2006/main">
+  <p:cSld>
+    <p:spTree>
+      <p:nvGrpSpPr>
+        <p:cNvPr id="1" name=""/>
+        <p:cNvGrpSpPr/>
+        <p:nvPr/>
+      </p:nvGrpSpPr>
+      <p:grpSpPr>
+        <a:xfrm>
+          <a:off x="0" y="0"/>
+          <a:ext cx="0" cy="0"/>
+          <a:chOff x="0" y="0"/>
+          <a:chExt cx="0" cy="0"/>
+        </a:xfrm>
+      </p:grpSpPr>
+      <p:sp>
+        <p:nvSpPr>
+          <p:cNvPr id="2" name="Title 1">
+            <a:extLst>
+              <a:ext uri="{FF2B5EF4-FFF2-40B4-BE49-F238E27FC236}">
+                <a16:creationId xmlns:a16="http://schemas.microsoft.com/office/drawing/2014/main" id="{397CC22D-03C4-A6D5-5B58-5CF9F1F4AC98}"/>
+              </a:ext>
+            </a:extLst>
+          </p:cNvPr>
+          <p:cNvSpPr>
+            <a:spLocks noGrp="1"/>
+          </p:cNvSpPr>
+          <p:nvPr>
+            <p:ph type="title"/>
+          </p:nvPr>
+        </p:nvSpPr>
+        <p:spPr/>
+        <p:txBody>
+          <a:bodyPr/>
+          <a:lstStyle/>
+          <a:p>
+            <a:endParaRPr lang="en-US"/>
+          </a:p>
+        </p:txBody>
+      </p:sp>
+      <p:sp>
+        <p:nvSpPr>
+          <p:cNvPr id="3" name="Content Placeholder 2">
+            <a:extLst>
+              <a:ext uri="{FF2B5EF4-FFF2-40B4-BE49-F238E27FC236}">
+                <a16:creationId xmlns:a16="http://schemas.microsoft.com/office/drawing/2014/main" id="{C3DB232A-B0FE-DCA6-C502-A8BB8756E5EA}"/>
+              </a:ext>
+            </a:extLst>
+          </p:cNvPr>
+          <p:cNvSpPr>
+            <a:spLocks noGrp="1"/>
+          </p:cNvSpPr>
+          <p:nvPr>
+            <p:ph idx="1"/>
+          </p:nvPr>
+        </p:nvSpPr>
+        <p:spPr/>
+        <p:txBody>
+          <a:bodyPr/>
+          <a:lstStyle/>
+          <a:p>
+            <a:endParaRPr lang="en-US"/>
+          </a:p>
+        </p:txBody>
+      </p:sp>
+    </p:spTree>
+    <p:extLst>
+      <p:ext uri="{BB962C8B-B14F-4D97-AF65-F5344CB8AC3E}">
+        <p14:creationId xmlns:p14="http://schemas.microsoft.com/office/powerpoint/2010/main" val="3984749438"/>
+      </p:ext>
+    </p:extLst>
+  </p:cSld>
+  <p:clrMapOvr>
+    <a:masterClrMapping/>
+  </p:clrMapOvr>
+</p:sld>
+</file>
+
+<file path=ppt/slides/slide2.xml><?xml version="1.0" encoding="utf-8"?>
+<p:sld xmlns:a="http://schemas.openxmlformats.org/drawingml/2006/main" xmlns:r="http://schemas.openxmlformats.org/officeDocument/2006/relationships" xmlns:p="http://schemas.openxmlformats.org/presentationml/2006/main">
+  <p:cSld>
+    <p:spTree>
+      <p:nvGrpSpPr>
+        <p:cNvPr id="1" name=""/>
+        <p:cNvGrpSpPr/>
+        <p:nvPr/>
+      </p:nvGrpSpPr>
+      <p:grpSpPr>
+        <a:xfrm>
+          <a:off x="0" y="0"/>
+          <a:ext cx="0" cy="0"/>
+          <a:chOff x="0" y="0"/>
+          <a:chExt cx="0" cy="0"/>
+        </a:xfrm>
+      </p:grpSpPr>
+      <p:sp>
+        <p:nvSpPr>
+          <p:cNvPr id="2" name="Title 1">
+            <a:extLst>
+              <a:ext uri="{FF2B5EF4-FFF2-40B4-BE49-F238E27FC236}">
+                <a16:creationId xmlns:a16="http://schemas.microsoft.com/office/drawing/2014/main" id="{BBFACA97-ACA9-C663-D29B-190238D6FB88}"/>
+              </a:ext>
+            </a:extLst>
+          </p:cNvPr>
+          <p:cNvSpPr>
+            <a:spLocks noGrp="1"/>
+          </p:cNvSpPr>
+          <p:nvPr>
+            <p:ph type="title"/>
+          </p:nvPr>
+        </p:nvSpPr>
+        <p:spPr/>
+        <p:txBody>
+          <a:bodyPr/>
+          <a:lstStyle/>
+          <a:p>
+            <a:r>
+              <a:rPr lang="en-US"/>
+              <a:t>Path Navigation</a:t>
+            </a:r>
+          </a:p>
+        </p:txBody>
+      </p:sp>
+      <p:sp>
+        <p:nvSpPr>
+          <p:cNvPr id="3" name="Content Placeholder 2">
+            <a:extLst>
+              <a:ext uri="{FF2B5EF4-FFF2-40B4-BE49-F238E27FC236}">
+                <a16:creationId xmlns:a16="http://schemas.microsoft.com/office/drawing/2014/main" id="{BF7884AA-1CF5-28AA-1471-A05089BA4A0B}"/>
+              </a:ext>
+            </a:extLst>
+          </p:cNvPr>
+          <p:cNvSpPr>
+            <a:spLocks noGrp="1"/>
+          </p:cNvSpPr>
+          <p:nvPr>
+            <p:ph idx="1"/>
+          </p:nvPr>
+        </p:nvSpPr>
+        <p:spPr/>
+        <p:txBody>
+          <a:bodyPr/>
+          <a:lstStyle/>
+          <a:p>
+            <a:endParaRPr lang="en-US"/>
+          </a:p>
+        </p:txBody>
+      </p:sp>
+    </p:spTree>
+    <p:extLst>
+      <p:ext uri="{BB962C8B-B14F-4D97-AF65-F5344CB8AC3E}">
+        <p14:creationId xmlns:p14="http://schemas.microsoft.com/office/powerpoint/2010/main" val="3747270026"/>
+      </p:ext>
+    </p:extLst>
+  </p:cSld>
+  <p:clrMapOvr>
+    <a:masterClrMapping/>
+  </p:clrMapOvr>
+</p:sld>
+</file>
+
+<file path=ppt/slides/slide3.xml><?xml version="1.0" encoding="utf-8"?>
+<p:sld xmlns:a="http://schemas.openxmlformats.org/drawingml/2006/main" xmlns:r="http://schemas.openxmlformats.org/officeDocument/2006/relationships" xmlns:p="http://schemas.openxmlformats.org/presentationml/2006/main">
+  <p:cSld>
+    <p:spTree>
+      <p:nvGrpSpPr>
+        <p:cNvPr id="1" name=""/>
+        <p:cNvGrpSpPr/>
+        <p:nvPr/>
+      </p:nvGrpSpPr>
+      <p:grpSpPr>
+        <a:xfrm>
+          <a:off x="0" y="0"/>
+          <a:ext cx="0" cy="0"/>
+          <a:chOff x="0" y="0"/>
+          <a:chExt cx="0" cy="0"/>
+        </a:xfrm>
+      </p:grpSpPr>
+      <p:sp>
+        <p:nvSpPr>
+          <p:cNvPr id="2" name="Title 1">
+            <a:extLst>
+              <a:ext uri="{FF2B5EF4-FFF2-40B4-BE49-F238E27FC236}">
+                <a16:creationId xmlns:a16="http://schemas.microsoft.com/office/drawing/2014/main" id="{FE5AB1FA-F254-FB3B-61AC-B6796C528CA5}"/>
+              </a:ext>
+            </a:extLst>
+          </p:cNvPr>
+          <p:cNvSpPr>
+            <a:spLocks noGrp="1"/>
+          </p:cNvSpPr>
+          <p:nvPr>
+            <p:ph type="title"/>
+          </p:nvPr>
+        </p:nvSpPr>
+        <p:spPr/>
+        <p:txBody>
+          <a:bodyPr/>
+          <a:lstStyle/>
+          <a:p>
+            <a:r>
+              <a:rPr lang="en-US"/>
+              <a:t>Surveillance</a:t>
+            </a:r>
+          </a:p>
+        </p:txBody>
+      </p:sp>
+      <p:sp>
+        <p:nvSpPr>
+          <p:cNvPr id="3" name="Content Placeholder 2">
+            <a:extLst>
+              <a:ext uri="{FF2B5EF4-FFF2-40B4-BE49-F238E27FC236}">
+                <a16:creationId xmlns:a16="http://schemas.microsoft.com/office/drawing/2014/main" id="{1B961BD4-8805-B148-3007-DC607B6CB0CC}"/>
+              </a:ext>
+            </a:extLst>
+          </p:cNvPr>
+          <p:cNvSpPr>
+            <a:spLocks noGrp="1"/>
+          </p:cNvSpPr>
+          <p:nvPr>
+            <p:ph idx="1"/>
+          </p:nvPr>
+        </p:nvSpPr>
+        <p:spPr/>
+        <p:txBody>
+          <a:bodyPr/>
+          <a:lstStyle/>
+          <a:p>
+            <a:endParaRPr lang="en-US"/>
+          </a:p>
+        </p:txBody>
+      </p:sp>
+    </p:spTree>
+    <p:extLst>
+      <p:ext uri="{BB962C8B-B14F-4D97-AF65-F5344CB8AC3E}">
+        <p14:creationId xmlns:p14="http://schemas.microsoft.com/office/powerpoint/2010/main" val="2229688747"/>
+      </p:ext>
+    </p:extLst>
+  </p:cSld>
+  <p:clrMapOvr>
+    <a:masterClrMapping/>
+  </p:clrMapOvr>
+</p:sld>
+</file>
+
+<file path=ppt/slides/slide4.xml><?xml version="1.0" encoding="utf-8"?>
+<p:sld xmlns:a="http://schemas.openxmlformats.org/drawingml/2006/main" xmlns:r="http://schemas.openxmlformats.org/officeDocument/2006/relationships" xmlns:p="http://schemas.openxmlformats.org/presentationml/2006/main">
+  <p:cSld>
+    <p:spTree>
+      <p:nvGrpSpPr>
+        <p:cNvPr id="1" name=""/>
+        <p:cNvGrpSpPr/>
+        <p:nvPr/>
+      </p:nvGrpSpPr>
+      <p:grpSpPr>
+        <a:xfrm>
+          <a:off x="0" y="0"/>
+          <a:ext cx="0" cy="0"/>
+          <a:chOff x="0" y="0"/>
+          <a:chExt cx="0" cy="0"/>
+        </a:xfrm>
+      </p:grpSpPr>
+      <p:sp>
+        <p:nvSpPr>
+          <p:cNvPr id="2" name="Title 1">
+            <a:extLst>
+              <a:ext uri="{FF2B5EF4-FFF2-40B4-BE49-F238E27FC236}">
+                <a16:creationId xmlns:a16="http://schemas.microsoft.com/office/drawing/2014/main" id="{201D5570-C76C-1B64-C4FF-985506EDEB00}"/>
+              </a:ext>
+            </a:extLst>
+          </p:cNvPr>
+          <p:cNvSpPr>
+            <a:spLocks noGrp="1"/>
+          </p:cNvSpPr>
+          <p:nvPr>
+            <p:ph type="title"/>
+          </p:nvPr>
+        </p:nvSpPr>
+        <p:spPr/>
+        <p:txBody>
+          <a:bodyPr/>
+          <a:lstStyle/>
+          <a:p>
+            <a:r>
+              <a:rPr lang="en-US"/>
+              <a:t>Motion Planning with Convex Optimization</a:t>
+            </a:r>
+          </a:p>
+        </p:txBody>
+      </p:sp>
+      <p:sp>
+        <p:nvSpPr>
+          <p:cNvPr id="3" name="Content Placeholder 2">
+            <a:extLst>
+              <a:ext uri="{FF2B5EF4-FFF2-40B4-BE49-F238E27FC236}">
+                <a16:creationId xmlns:a16="http://schemas.microsoft.com/office/drawing/2014/main" id="{A3478F51-43EF-1A57-0276-F223B7D905FD}"/>
+              </a:ext>
+            </a:extLst>
+          </p:cNvPr>
+          <p:cNvSpPr>
+            <a:spLocks noGrp="1"/>
+          </p:cNvSpPr>
+          <p:nvPr>
+            <p:ph idx="1"/>
+          </p:nvPr>
+        </p:nvSpPr>
+        <p:spPr/>
+        <p:txBody>
+          <a:bodyPr/>
+          <a:lstStyle/>
+          <a:p>
+            <a:endParaRPr lang="en-US"/>
+          </a:p>
+        </p:txBody>
+      </p:sp>
+    </p:spTree>
+    <p:extLst>
+      <p:ext uri="{BB962C8B-B14F-4D97-AF65-F5344CB8AC3E}">
+        <p14:creationId xmlns:p14="http://schemas.microsoft.com/office/powerpoint/2010/main" val="1371077474"/>
+      </p:ext>
+    </p:extLst>
+  </p:cSld>
+  <p:clrMapOvr>
+    <a:masterClrMapping/>
+  </p:clrMapOvr>
+</p:sld>
+</file>
+
+<file path=ppt/slides/slide5.xml><?xml version="1.0" encoding="utf-8"?>
+<p:sld xmlns:a="http://schemas.openxmlformats.org/drawingml/2006/main" xmlns:r="http://schemas.openxmlformats.org/officeDocument/2006/relationships" xmlns:p="http://schemas.openxmlformats.org/presentationml/2006/main">
+  <p:cSld>
+    <p:spTree>
+      <p:nvGrpSpPr>
+        <p:cNvPr id="1" name=""/>
+        <p:cNvGrpSpPr/>
+        <p:nvPr/>
+      </p:nvGrpSpPr>
+      <p:grpSpPr>
+        <a:xfrm>
+          <a:off x="0" y="0"/>
+          <a:ext cx="0" cy="0"/>
+          <a:chOff x="0" y="0"/>
+          <a:chExt cx="0" cy="0"/>
+        </a:xfrm>
+      </p:grpSpPr>
+      <p:sp>
+        <p:nvSpPr>
+          <p:cNvPr id="5" name="Title 4">
+            <a:extLst>
+              <a:ext uri="{FF2B5EF4-FFF2-40B4-BE49-F238E27FC236}">
+                <a16:creationId xmlns:a16="http://schemas.microsoft.com/office/drawing/2014/main" id="{17E3BA22-A16D-7253-5059-D6634ACCEC1E}"/>
+              </a:ext>
+            </a:extLst>
+          </p:cNvPr>
+          <p:cNvSpPr>
+            <a:spLocks noGrp="1"/>
+          </p:cNvSpPr>
+          <p:nvPr>
+            <p:ph type="ctrTitle"/>
+          </p:nvPr>
+        </p:nvSpPr>
+        <p:spPr>
+          <a:xfrm>
+            <a:off x="-1" y="0"/>
+            <a:ext cx="9524011" cy="1063646"/>
+          </a:xfrm>
+          <a:ln>
+            <a:solidFill>
+              <a:schemeClr val="tx1"/>
+            </a:solidFill>
+          </a:ln>
+        </p:spPr>
+        <p:txBody>
+          <a:bodyPr>
+            <a:normAutofit/>
+          </a:bodyPr>
+          <a:lstStyle/>
+          <a:p>
+            <a:r>
+              <a:rPr lang="en-US"/>
+              <a:t>Automated Target Recognition </a:t>
+            </a:r>
+          </a:p>
+        </p:txBody>
+      </p:sp>
+      <p:pic>
+        <p:nvPicPr>
+          <p:cNvPr id="11" name="Graphic 10">
+            <a:extLst>
+              <a:ext uri="{FF2B5EF4-FFF2-40B4-BE49-F238E27FC236}">
+                <a16:creationId xmlns:a16="http://schemas.microsoft.com/office/drawing/2014/main" id="{762C3326-EF55-F4EF-2768-3A5895AB62EE}"/>
+              </a:ext>
+            </a:extLst>
+          </p:cNvPr>
+          <p:cNvPicPr>
+            <a:picLocks noChangeAspect="1"/>
+          </p:cNvPicPr>
+          <p:nvPr/>
+        </p:nvPicPr>
+        <p:blipFill>
+          <a:blip r:embed="rId2">
+            <a:extLst>
+              <a:ext uri="{96DAC541-7B7A-43D3-8B79-37D633B846F1}">
+                <asvg:svgBlip xmlns:asvg="http://schemas.microsoft.com/office/drawing/2016/SVG/main" r:embed="rId3"/>
+              </a:ext>
+            </a:extLst>
+          </a:blip>
+          <a:stretch>
+            <a:fillRect/>
+          </a:stretch>
+        </p:blipFill>
+        <p:spPr>
+          <a:xfrm>
+            <a:off x="7104660" y="1063646"/>
+            <a:ext cx="4838700" cy="5778500"/>
+          </a:xfrm>
+          <a:prstGeom prst="rect">
+            <a:avLst/>
+          </a:prstGeom>
+        </p:spPr>
+      </p:pic>
+      <p:sp>
+        <p:nvSpPr>
+          <p:cNvPr id="12" name="TextBox 11">
+            <a:extLst>
+              <a:ext uri="{FF2B5EF4-FFF2-40B4-BE49-F238E27FC236}">
+                <a16:creationId xmlns:a16="http://schemas.microsoft.com/office/drawing/2014/main" id="{A425E91F-1E0E-9B6F-63FF-01F09B1B13D6}"/>
+              </a:ext>
+            </a:extLst>
+          </p:cNvPr>
+          <p:cNvSpPr txBox="1"/>
+          <p:nvPr/>
+        </p:nvSpPr>
+        <p:spPr>
+          <a:xfrm>
+            <a:off x="356260" y="1448790"/>
+            <a:ext cx="6543304" cy="3108543"/>
+          </a:xfrm>
+          <a:prstGeom prst="rect">
+            <a:avLst/>
+          </a:prstGeom>
+          <a:noFill/>
+        </p:spPr>
+        <p:txBody>
+          <a:bodyPr wrap="square" rtlCol="0">
+            <a:spAutoFit/>
+          </a:bodyPr>
+          <a:lstStyle/>
+          <a:p>
+            <a:pPr marL="285750" indent="-285750">
+              <a:buFont typeface="Arial" panose="020B0604020202020204" pitchFamily="34" charset="0"/>
+              <a:buChar char="•"/>
+            </a:pPr>
+            <a:r>
+              <a:rPr lang="en-US" sz="2800"/>
+              <a:t>Data Preparation</a:t>
+            </a:r>
+          </a:p>
+          <a:p>
+            <a:pPr marL="742950" lvl="1" indent="-285750">
+              <a:buFont typeface="Arial" panose="020B0604020202020204" pitchFamily="34" charset="0"/>
+              <a:buChar char="•"/>
+            </a:pPr>
+            <a:r>
+              <a:rPr lang="en-US" sz="2800"/>
+              <a:t>Generation</a:t>
+            </a:r>
+          </a:p>
+          <a:p>
+            <a:pPr marL="742950" lvl="1" indent="-285750">
+              <a:buFont typeface="Arial" panose="020B0604020202020204" pitchFamily="34" charset="0"/>
+              <a:buChar char="•"/>
+            </a:pPr>
+            <a:r>
+              <a:rPr lang="en-US" sz="2800"/>
+              <a:t>Augmentation</a:t>
+            </a:r>
+          </a:p>
+          <a:p>
+            <a:pPr marL="285750" indent="-285750">
+              <a:buFont typeface="Arial" panose="020B0604020202020204" pitchFamily="34" charset="0"/>
+              <a:buChar char="•"/>
+            </a:pPr>
+            <a:r>
+              <a:rPr lang="en-US" sz="2800"/>
+              <a:t>Network Architecture</a:t>
+            </a:r>
+          </a:p>
+          <a:p>
+            <a:pPr marL="742950" lvl="1" indent="-285750">
+              <a:buFont typeface="Arial" panose="020B0604020202020204" pitchFamily="34" charset="0"/>
+              <a:buChar char="•"/>
+            </a:pPr>
+            <a:r>
+              <a:rPr lang="en-US" sz="2800"/>
+              <a:t>SSD</a:t>
+            </a:r>
+          </a:p>
+          <a:p>
+            <a:pPr marL="742950" lvl="1" indent="-285750">
+              <a:buFont typeface="Arial" panose="020B0604020202020204" pitchFamily="34" charset="0"/>
+              <a:buChar char="•"/>
+            </a:pPr>
+            <a:r>
+              <a:rPr lang="en-US" sz="2800"/>
+              <a:t>RTDETR</a:t>
+            </a:r>
+          </a:p>
+          <a:p>
+            <a:pPr marL="285750" indent="-285750">
+              <a:buFont typeface="Arial" panose="020B0604020202020204" pitchFamily="34" charset="0"/>
+              <a:buChar char="•"/>
+            </a:pPr>
+            <a:r>
+              <a:rPr lang="en-US" sz="2800"/>
+              <a:t>Tooling</a:t>
+            </a:r>
+          </a:p>
+        </p:txBody>
+      </p:sp>
+    </p:spTree>
+    <p:extLst>
+      <p:ext uri="{BB962C8B-B14F-4D97-AF65-F5344CB8AC3E}">
+        <p14:creationId xmlns:p14="http://schemas.microsoft.com/office/powerpoint/2010/main" val="2536513110"/>
+      </p:ext>
+    </p:extLst>
+  </p:cSld>
+  <p:clrMapOvr>
+    <a:masterClrMapping/>
+  </p:clrMapOvr>
+</p:sld>
+</file>
+
+<file path=ppt/slides/slide6.xml><?xml version="1.0" encoding="utf-8"?>
+<p:sld xmlns:a="http://schemas.openxmlformats.org/drawingml/2006/main" xmlns:r="http://schemas.openxmlformats.org/officeDocument/2006/relationships" xmlns:p="http://schemas.openxmlformats.org/presentationml/2006/main">
+  <p:cSld>
+    <p:spTree>
+      <p:nvGrpSpPr>
+        <p:cNvPr id="1" name=""/>
+        <p:cNvGrpSpPr/>
+        <p:nvPr/>
+      </p:nvGrpSpPr>
+      <p:grpSpPr>
+        <a:xfrm>
+          <a:off x="0" y="0"/>
+          <a:ext cx="0" cy="0"/>
+          <a:chOff x="0" y="0"/>
+          <a:chExt cx="0" cy="0"/>
+        </a:xfrm>
+      </p:grpSpPr>
+      <p:sp>
+        <p:nvSpPr>
+          <p:cNvPr id="2" name="Title 1">
+            <a:extLst>
+              <a:ext uri="{FF2B5EF4-FFF2-40B4-BE49-F238E27FC236}">
+                <a16:creationId xmlns:a16="http://schemas.microsoft.com/office/drawing/2014/main" id="{63AF6C6B-FC8F-0B61-13E5-21CB2CDFF17E}"/>
+              </a:ext>
+            </a:extLst>
+          </p:cNvPr>
+          <p:cNvSpPr>
+            <a:spLocks noGrp="1"/>
+          </p:cNvSpPr>
+          <p:nvPr>
+            <p:ph type="title"/>
+          </p:nvPr>
+        </p:nvSpPr>
+        <p:spPr/>
+        <p:txBody>
+          <a:bodyPr/>
+          <a:lstStyle/>
+          <a:p>
+            <a:r>
+              <a:rPr lang="en-US"/>
+              <a:t>Data Preparation</a:t>
+            </a:r>
+          </a:p>
+        </p:txBody>
+      </p:sp>
+      <p:sp>
+        <p:nvSpPr>
+          <p:cNvPr id="3" name="Content Placeholder 2">
+            <a:extLst>
+              <a:ext uri="{FF2B5EF4-FFF2-40B4-BE49-F238E27FC236}">
+                <a16:creationId xmlns:a16="http://schemas.microsoft.com/office/drawing/2014/main" id="{631DD8E4-120F-C7AC-6692-07A25D0C98FE}"/>
+              </a:ext>
+            </a:extLst>
+          </p:cNvPr>
+          <p:cNvSpPr>
+            <a:spLocks noGrp="1"/>
+          </p:cNvSpPr>
+          <p:nvPr>
+            <p:ph idx="1"/>
+          </p:nvPr>
+        </p:nvSpPr>
+        <p:spPr>
+          <a:xfrm>
+            <a:off x="838199" y="1825625"/>
+            <a:ext cx="10515599" cy="4351338"/>
+          </a:xfrm>
+        </p:spPr>
+        <p:txBody>
+          <a:bodyPr/>
+          <a:lstStyle/>
+          <a:p>
+            <a:r>
+              <a:rPr lang="en-US"/>
+              <a:t>Data Generation</a:t>
+            </a:r>
+          </a:p>
+          <a:p>
+            <a:pPr lvl="1"/>
+            <a:r>
+              <a:rPr lang="en-US"/>
+              <a:t>Unreal Engine</a:t>
+            </a:r>
+          </a:p>
+          <a:p>
+            <a:pPr lvl="1"/>
+            <a:r>
+              <a:rPr lang="en-US"/>
+              <a:t>Microsoft Flight Simulator</a:t>
+            </a:r>
+          </a:p>
+          <a:p>
+            <a:r>
+              <a:rPr lang="en-US"/>
+              <a:t>Data Augmentation</a:t>
+            </a:r>
+          </a:p>
+          <a:p>
+            <a:pPr lvl="1"/>
+            <a:r>
+              <a:rPr lang="en-US"/>
+              <a:t>Corrupt Images</a:t>
+            </a:r>
+          </a:p>
+        </p:txBody>
+      </p:sp>
+    </p:spTree>
+    <p:extLst>
+      <p:ext uri="{BB962C8B-B14F-4D97-AF65-F5344CB8AC3E}">
+        <p14:creationId xmlns:p14="http://schemas.microsoft.com/office/powerpoint/2010/main" val="4081589141"/>
+      </p:ext>
+    </p:extLst>
+  </p:cSld>
+  <p:clrMapOvr>
+    <a:masterClrMapping/>
+  </p:clrMapOvr>
+</p:sld>
+</file>
+
+<file path=ppt/slides/slide7.xml><?xml version="1.0" encoding="utf-8"?>
+<p:sld xmlns:a="http://schemas.openxmlformats.org/drawingml/2006/main" xmlns:r="http://schemas.openxmlformats.org/officeDocument/2006/relationships" xmlns:p="http://schemas.openxmlformats.org/presentationml/2006/main">
+  <p:cSld>
+    <p:spTree>
+      <p:nvGrpSpPr>
+        <p:cNvPr id="1" name=""/>
+        <p:cNvGrpSpPr/>
+        <p:nvPr/>
+      </p:nvGrpSpPr>
+      <p:grpSpPr>
+        <a:xfrm>
+          <a:off x="0" y="0"/>
+          <a:ext cx="0" cy="0"/>
+          <a:chOff x="0" y="0"/>
+          <a:chExt cx="0" cy="0"/>
+        </a:xfrm>
+      </p:grpSpPr>
+      <p:sp>
+        <p:nvSpPr>
+          <p:cNvPr id="2" name="Title 1">
+            <a:extLst>
+              <a:ext uri="{FF2B5EF4-FFF2-40B4-BE49-F238E27FC236}">
+                <a16:creationId xmlns:a16="http://schemas.microsoft.com/office/drawing/2014/main" id="{4917DCCC-3436-3459-E4D5-AAB048C7A437}"/>
+              </a:ext>
+            </a:extLst>
+          </p:cNvPr>
+          <p:cNvSpPr>
+            <a:spLocks noGrp="1"/>
+          </p:cNvSpPr>
+          <p:nvPr>
+            <p:ph type="title"/>
+          </p:nvPr>
+        </p:nvSpPr>
+        <p:spPr/>
+        <p:txBody>
+          <a:bodyPr/>
+          <a:lstStyle/>
+          <a:p>
+            <a:r>
+              <a:rPr lang="en-US"/>
+              <a:t>Network Architecture: SSD</a:t>
+            </a:r>
+          </a:p>
+        </p:txBody>
+      </p:sp>
+      <p:pic>
+        <p:nvPicPr>
+          <p:cNvPr id="5" name="Content Placeholder 4">
+            <a:extLst>
+              <a:ext uri="{FF2B5EF4-FFF2-40B4-BE49-F238E27FC236}">
+                <a16:creationId xmlns:a16="http://schemas.microsoft.com/office/drawing/2014/main" id="{3C25BF14-74F6-621B-E48D-B8F4A85D4584}"/>
+              </a:ext>
+            </a:extLst>
+          </p:cNvPr>
+          <p:cNvPicPr>
+            <a:picLocks noGrp="1" noChangeAspect="1"/>
+          </p:cNvPicPr>
+          <p:nvPr>
+            <p:ph idx="1"/>
+          </p:nvPr>
+        </p:nvPicPr>
+        <p:blipFill>
+          <a:blip r:embed="rId2">
+            <a:extLst>
+              <a:ext uri="{96DAC541-7B7A-43D3-8B79-37D633B846F1}">
+                <asvg:svgBlip xmlns:asvg="http://schemas.microsoft.com/office/drawing/2016/SVG/main" r:embed="rId3"/>
+              </a:ext>
+            </a:extLst>
+          </a:blip>
+          <a:stretch>
+            <a:fillRect/>
+          </a:stretch>
+        </p:blipFill>
+        <p:spPr>
+          <a:xfrm>
+            <a:off x="838200" y="1690688"/>
+            <a:ext cx="10515600" cy="3351967"/>
+          </a:xfrm>
+        </p:spPr>
+      </p:pic>
+    </p:spTree>
+    <p:extLst>
+      <p:ext uri="{BB962C8B-B14F-4D97-AF65-F5344CB8AC3E}">
+        <p14:creationId xmlns:p14="http://schemas.microsoft.com/office/powerpoint/2010/main" val="3327665392"/>
+      </p:ext>
+    </p:extLst>
+  </p:cSld>
+  <p:clrMapOvr>
+    <a:masterClrMapping/>
+  </p:clrMapOvr>
+</p:sld>
+</file>
+
+<file path=ppt/slides/slide8.xml><?xml version="1.0" encoding="utf-8"?>
+<p:sld xmlns:a="http://schemas.openxmlformats.org/drawingml/2006/main" xmlns:r="http://schemas.openxmlformats.org/officeDocument/2006/relationships" xmlns:p="http://schemas.openxmlformats.org/presentationml/2006/main">
+  <p:cSld>
+    <p:spTree>
+      <p:nvGrpSpPr>
+        <p:cNvPr id="1" name=""/>
+        <p:cNvGrpSpPr/>
+        <p:nvPr/>
+      </p:nvGrpSpPr>
+      <p:grpSpPr>
+        <a:xfrm>
+          <a:off x="0" y="0"/>
+          <a:ext cx="0" cy="0"/>
+          <a:chOff x="0" y="0"/>
+          <a:chExt cx="0" cy="0"/>
+        </a:xfrm>
+      </p:grpSpPr>
+      <p:sp>
+        <p:nvSpPr>
+          <p:cNvPr id="2" name="Title 1">
+            <a:extLst>
+              <a:ext uri="{FF2B5EF4-FFF2-40B4-BE49-F238E27FC236}">
+                <a16:creationId xmlns:a16="http://schemas.microsoft.com/office/drawing/2014/main" id="{FC70CC81-D2A8-7ED3-D2B7-B59A53FD803A}"/>
+              </a:ext>
+            </a:extLst>
+          </p:cNvPr>
+          <p:cNvSpPr>
+            <a:spLocks noGrp="1"/>
+          </p:cNvSpPr>
+          <p:nvPr>
+            <p:ph type="title"/>
+          </p:nvPr>
+        </p:nvSpPr>
+        <p:spPr/>
+        <p:txBody>
+          <a:bodyPr/>
+          <a:lstStyle/>
+          <a:p>
+            <a:r>
+              <a:rPr lang="en-US"/>
+              <a:t>Network Architecture: RTDETR</a:t>
+            </a:r>
+          </a:p>
+        </p:txBody>
+      </p:sp>
+      <p:sp>
+        <p:nvSpPr>
+          <p:cNvPr id="3" name="Content Placeholder 2">
+            <a:extLst>
+              <a:ext uri="{FF2B5EF4-FFF2-40B4-BE49-F238E27FC236}">
+                <a16:creationId xmlns:a16="http://schemas.microsoft.com/office/drawing/2014/main" id="{113E4DB4-929B-50E3-E7EE-1C950C8E6B39}"/>
+              </a:ext>
+            </a:extLst>
+          </p:cNvPr>
+          <p:cNvSpPr>
+            <a:spLocks noGrp="1"/>
+          </p:cNvSpPr>
+          <p:nvPr>
+            <p:ph idx="1"/>
+          </p:nvPr>
+        </p:nvSpPr>
+        <p:spPr/>
+        <p:txBody>
+          <a:bodyPr/>
+          <a:lstStyle/>
+          <a:p>
+            <a:endParaRPr lang="en-US"/>
+          </a:p>
+        </p:txBody>
+      </p:sp>
+    </p:spTree>
+    <p:extLst>
+      <p:ext uri="{BB962C8B-B14F-4D97-AF65-F5344CB8AC3E}">
+        <p14:creationId xmlns:p14="http://schemas.microsoft.com/office/powerpoint/2010/main" val="1351897136"/>
+      </p:ext>
+    </p:extLst>
+  </p:cSld>
+  <p:clrMapOvr>
+    <a:masterClrMapping/>
+  </p:clrMapOvr>
+</p:sld>
+</file>
+
+<file path=ppt/slides/slide9.xml><?xml version="1.0" encoding="utf-8"?>
+<p:sld xmlns:a="http://schemas.openxmlformats.org/drawingml/2006/main" xmlns:r="http://schemas.openxmlformats.org/officeDocument/2006/relationships" xmlns:p="http://schemas.openxmlformats.org/presentationml/2006/main">
+  <p:cSld>
+    <p:spTree>
+      <p:nvGrpSpPr>
+        <p:cNvPr id="1" name=""/>
+        <p:cNvGrpSpPr/>
+        <p:nvPr/>
+      </p:nvGrpSpPr>
+      <p:grpSpPr>
+        <a:xfrm>
+          <a:off x="0" y="0"/>
+          <a:ext cx="0" cy="0"/>
+          <a:chOff x="0" y="0"/>
+          <a:chExt cx="0" cy="0"/>
+        </a:xfrm>
+      </p:grpSpPr>
+      <p:sp>
+        <p:nvSpPr>
+          <p:cNvPr id="2" name="Title 1">
+            <a:extLst>
+              <a:ext uri="{FF2B5EF4-FFF2-40B4-BE49-F238E27FC236}">
+                <a16:creationId xmlns:a16="http://schemas.microsoft.com/office/drawing/2014/main" id="{81388670-A98A-59FC-26BB-49B2D66EC279}"/>
+              </a:ext>
+            </a:extLst>
+          </p:cNvPr>
+          <p:cNvSpPr>
+            <a:spLocks noGrp="1"/>
+          </p:cNvSpPr>
+          <p:nvPr>
+            <p:ph type="title"/>
+          </p:nvPr>
+        </p:nvSpPr>
+        <p:spPr/>
+        <p:txBody>
+          <a:bodyPr/>
+          <a:lstStyle/>
+          <a:p>
+            <a:r>
+              <a:rPr lang="en-US"/>
+              <a:t>Tooling</a:t>
+            </a:r>
+          </a:p>
+        </p:txBody>
+      </p:sp>
+      <p:sp>
+        <p:nvSpPr>
+          <p:cNvPr id="3" name="Content Placeholder 2">
+            <a:extLst>
+              <a:ext uri="{FF2B5EF4-FFF2-40B4-BE49-F238E27FC236}">
+                <a16:creationId xmlns:a16="http://schemas.microsoft.com/office/drawing/2014/main" id="{53F314FA-ABF0-8DB4-F237-166A526C04D9}"/>
+              </a:ext>
+            </a:extLst>
+          </p:cNvPr>
+          <p:cNvSpPr>
+            <a:spLocks noGrp="1"/>
+          </p:cNvSpPr>
+          <p:nvPr>
+            <p:ph idx="1"/>
+          </p:nvPr>
+        </p:nvSpPr>
+        <p:spPr/>
+        <p:txBody>
+          <a:bodyPr/>
+          <a:lstStyle/>
+          <a:p>
+            <a:r>
+              <a:rPr lang="en-US"/>
+              <a:t>COCO</a:t>
+            </a:r>
+          </a:p>
+          <a:p>
+            <a:r>
+              <a:rPr lang="en-US"/>
+              <a:t>torchvision</a:t>
+            </a:r>
+          </a:p>
+          <a:p>
+            <a:r>
+              <a:rPr lang="en-US"/>
+              <a:t>torch-lightning</a:t>
+            </a:r>
+          </a:p>
+          <a:p>
+            <a:r>
+              <a:rPr lang="en-US"/>
+              <a:t>Ultralytics</a:t>
+            </a:r>
+          </a:p>
+          <a:p>
+            <a:endParaRPr lang="en-US"/>
+          </a:p>
+          <a:p>
+            <a:endParaRPr lang="en-US"/>
+          </a:p>
+        </p:txBody>
+      </p:sp>
+    </p:spTree>
+    <p:extLst>
+      <p:ext uri="{BB962C8B-B14F-4D97-AF65-F5344CB8AC3E}">
+        <p14:creationId xmlns:p14="http://schemas.microsoft.com/office/powerpoint/2010/main" val="2304288353"/>
       </p:ext>
     </p:extLst>
   </p:cSld>

--- a/Arete.pptx
+++ b/Arete.pptx
@@ -2,22 +2,30 @@
 <file path=ppt/presentation.xml><?xml version="1.0" encoding="utf-8"?>
 <p:presentation xmlns:a="http://schemas.openxmlformats.org/drawingml/2006/main" xmlns:r="http://schemas.openxmlformats.org/officeDocument/2006/relationships" xmlns:p="http://schemas.openxmlformats.org/presentationml/2006/main" saveSubsetFonts="1" autoCompressPictures="0">
   <p:sldMasterIdLst>
-    <p:sldMasterId id="2147483648" r:id="rId1"/>
+    <p:sldMasterId id="2147483678" r:id="rId1"/>
   </p:sldMasterIdLst>
   <p:notesMasterIdLst>
-    <p:notesMasterId r:id="rId12"/>
+    <p:notesMasterId r:id="rId20"/>
   </p:notesMasterIdLst>
   <p:sldIdLst>
-    <p:sldId id="257" r:id="rId2"/>
-    <p:sldId id="265" r:id="rId3"/>
-    <p:sldId id="266" r:id="rId4"/>
-    <p:sldId id="267" r:id="rId5"/>
-    <p:sldId id="258" r:id="rId6"/>
-    <p:sldId id="260" r:id="rId7"/>
-    <p:sldId id="263" r:id="rId8"/>
-    <p:sldId id="264" r:id="rId9"/>
-    <p:sldId id="262" r:id="rId10"/>
-    <p:sldId id="268" r:id="rId11"/>
+    <p:sldId id="269" r:id="rId2"/>
+    <p:sldId id="270" r:id="rId3"/>
+    <p:sldId id="271" r:id="rId4"/>
+    <p:sldId id="265" r:id="rId5"/>
+    <p:sldId id="266" r:id="rId6"/>
+    <p:sldId id="267" r:id="rId7"/>
+    <p:sldId id="275" r:id="rId8"/>
+    <p:sldId id="276" r:id="rId9"/>
+    <p:sldId id="277" r:id="rId10"/>
+    <p:sldId id="258" r:id="rId11"/>
+    <p:sldId id="260" r:id="rId12"/>
+    <p:sldId id="279" r:id="rId13"/>
+    <p:sldId id="263" r:id="rId14"/>
+    <p:sldId id="264" r:id="rId15"/>
+    <p:sldId id="278" r:id="rId16"/>
+    <p:sldId id="272" r:id="rId17"/>
+    <p:sldId id="274" r:id="rId18"/>
+    <p:sldId id="273" r:id="rId19"/>
   </p:sldIdLst>
   <p:sldSz cx="12192000" cy="6858000"/>
   <p:notesSz cx="6858000" cy="9144000"/>
@@ -25,7 +33,7 @@
     <a:defPPr>
       <a:defRPr lang="en-US"/>
     </a:defPPr>
-    <a:lvl1pPr marL="0" algn="l" defTabSz="914400" rtl="0" eaLnBrk="1" latinLnBrk="0" hangingPunct="1">
+    <a:lvl1pPr marL="0" algn="l" defTabSz="457200" rtl="0" eaLnBrk="1" latinLnBrk="0" hangingPunct="1">
       <a:defRPr sz="1800" kern="1200">
         <a:solidFill>
           <a:schemeClr val="tx1"/>
@@ -35,7 +43,7 @@
         <a:cs typeface="+mn-cs"/>
       </a:defRPr>
     </a:lvl1pPr>
-    <a:lvl2pPr marL="457200" algn="l" defTabSz="914400" rtl="0" eaLnBrk="1" latinLnBrk="0" hangingPunct="1">
+    <a:lvl2pPr marL="457200" algn="l" defTabSz="457200" rtl="0" eaLnBrk="1" latinLnBrk="0" hangingPunct="1">
       <a:defRPr sz="1800" kern="1200">
         <a:solidFill>
           <a:schemeClr val="tx1"/>
@@ -45,7 +53,7 @@
         <a:cs typeface="+mn-cs"/>
       </a:defRPr>
     </a:lvl2pPr>
-    <a:lvl3pPr marL="914400" algn="l" defTabSz="914400" rtl="0" eaLnBrk="1" latinLnBrk="0" hangingPunct="1">
+    <a:lvl3pPr marL="914400" algn="l" defTabSz="457200" rtl="0" eaLnBrk="1" latinLnBrk="0" hangingPunct="1">
       <a:defRPr sz="1800" kern="1200">
         <a:solidFill>
           <a:schemeClr val="tx1"/>
@@ -55,7 +63,7 @@
         <a:cs typeface="+mn-cs"/>
       </a:defRPr>
     </a:lvl3pPr>
-    <a:lvl4pPr marL="1371600" algn="l" defTabSz="914400" rtl="0" eaLnBrk="1" latinLnBrk="0" hangingPunct="1">
+    <a:lvl4pPr marL="1371600" algn="l" defTabSz="457200" rtl="0" eaLnBrk="1" latinLnBrk="0" hangingPunct="1">
       <a:defRPr sz="1800" kern="1200">
         <a:solidFill>
           <a:schemeClr val="tx1"/>
@@ -65,7 +73,7 @@
         <a:cs typeface="+mn-cs"/>
       </a:defRPr>
     </a:lvl4pPr>
-    <a:lvl5pPr marL="1828800" algn="l" defTabSz="914400" rtl="0" eaLnBrk="1" latinLnBrk="0" hangingPunct="1">
+    <a:lvl5pPr marL="1828800" algn="l" defTabSz="457200" rtl="0" eaLnBrk="1" latinLnBrk="0" hangingPunct="1">
       <a:defRPr sz="1800" kern="1200">
         <a:solidFill>
           <a:schemeClr val="tx1"/>
@@ -75,7 +83,7 @@
         <a:cs typeface="+mn-cs"/>
       </a:defRPr>
     </a:lvl5pPr>
-    <a:lvl6pPr marL="2286000" algn="l" defTabSz="914400" rtl="0" eaLnBrk="1" latinLnBrk="0" hangingPunct="1">
+    <a:lvl6pPr marL="2286000" algn="l" defTabSz="457200" rtl="0" eaLnBrk="1" latinLnBrk="0" hangingPunct="1">
       <a:defRPr sz="1800" kern="1200">
         <a:solidFill>
           <a:schemeClr val="tx1"/>
@@ -85,7 +93,7 @@
         <a:cs typeface="+mn-cs"/>
       </a:defRPr>
     </a:lvl6pPr>
-    <a:lvl7pPr marL="2743200" algn="l" defTabSz="914400" rtl="0" eaLnBrk="1" latinLnBrk="0" hangingPunct="1">
+    <a:lvl7pPr marL="2743200" algn="l" defTabSz="457200" rtl="0" eaLnBrk="1" latinLnBrk="0" hangingPunct="1">
       <a:defRPr sz="1800" kern="1200">
         <a:solidFill>
           <a:schemeClr val="tx1"/>
@@ -95,7 +103,7 @@
         <a:cs typeface="+mn-cs"/>
       </a:defRPr>
     </a:lvl7pPr>
-    <a:lvl8pPr marL="3200400" algn="l" defTabSz="914400" rtl="0" eaLnBrk="1" latinLnBrk="0" hangingPunct="1">
+    <a:lvl8pPr marL="3200400" algn="l" defTabSz="457200" rtl="0" eaLnBrk="1" latinLnBrk="0" hangingPunct="1">
       <a:defRPr sz="1800" kern="1200">
         <a:solidFill>
           <a:schemeClr val="tx1"/>
@@ -105,7 +113,7 @@
         <a:cs typeface="+mn-cs"/>
       </a:defRPr>
     </a:lvl8pPr>
-    <a:lvl9pPr marL="3657600" algn="l" defTabSz="914400" rtl="0" eaLnBrk="1" latinLnBrk="0" hangingPunct="1">
+    <a:lvl9pPr marL="3657600" algn="l" defTabSz="457200" rtl="0" eaLnBrk="1" latinLnBrk="0" hangingPunct="1">
       <a:defRPr sz="1800" kern="1200">
         <a:solidFill>
           <a:schemeClr val="tx1"/>
@@ -121,7 +129,9 @@
       <p14:sectionLst xmlns:p14="http://schemas.microsoft.com/office/powerpoint/2010/main">
         <p14:section name="Default Section" id="{E09203AE-9BA2-9B49-98CA-73E8676518C9}">
           <p14:sldIdLst>
-            <p14:sldId id="257"/>
+            <p14:sldId id="269"/>
+            <p14:sldId id="270"/>
+            <p14:sldId id="271"/>
           </p14:sldIdLst>
         </p14:section>
         <p14:section name="Visibility Graphs" id="{A531270D-22C5-6A47-9ACB-FC3658D30E11}">
@@ -129,6 +139,9 @@
             <p14:sldId id="265"/>
             <p14:sldId id="266"/>
             <p14:sldId id="267"/>
+            <p14:sldId id="275"/>
+            <p14:sldId id="276"/>
+            <p14:sldId id="277"/>
           </p14:sldIdLst>
         </p14:section>
         <p14:section name="Object Detection" id="{BBD2977C-F303-3E40-8167-E8DD4F83279E}">
@@ -139,10 +152,13 @@
         </p14:section>
         <p14:section name="Network Architecture" id="{A16A4BE8-9652-5146-A5F1-23229F9DD3FD}">
           <p14:sldIdLst>
+            <p14:sldId id="279"/>
             <p14:sldId id="263"/>
             <p14:sldId id="264"/>
-            <p14:sldId id="262"/>
-            <p14:sldId id="268"/>
+            <p14:sldId id="278"/>
+            <p14:sldId id="272"/>
+            <p14:sldId id="274"/>
+            <p14:sldId id="273"/>
           </p14:sldIdLst>
         </p14:section>
       </p14:sectionLst>
@@ -235,7 +251,7 @@
           </a:lstStyle>
           <a:p>
             <a:fld id="{57EC4DBB-E748-DD4C-819B-7D5966EDC451}" type="datetimeFigureOut">
-              <a:t>12/2/24</a:t>
+              <a:t>12/4/24</a:t>
             </a:fld>
             <a:endParaRPr lang="en-US"/>
           </a:p>
@@ -565,7 +581,8 @@
           <a:lstStyle/>
           <a:p>
             <a:fld id="{998D93A4-07E9-624F-AC71-12259DE33806}" type="slidenum">
-              <a:t>1</a:t>
+              <a:rPr lang="en-US"/>
+              <a:t>6</a:t>
             </a:fld>
             <a:endParaRPr lang="en-US"/>
           </a:p>
@@ -574,7 +591,7 @@
     </p:spTree>
     <p:extLst>
       <p:ext uri="{BB962C8B-B14F-4D97-AF65-F5344CB8AC3E}">
-        <p14:creationId xmlns:p14="http://schemas.microsoft.com/office/powerpoint/2010/main" val="3159694151"/>
+        <p14:creationId xmlns:p14="http://schemas.microsoft.com/office/powerpoint/2010/main" val="1550730187"/>
       </p:ext>
     </p:extLst>
   </p:cSld>
@@ -628,6 +645,90 @@
           <a:bodyPr/>
           <a:lstStyle/>
           <a:p>
+            <a:endParaRPr lang="en-US"/>
+          </a:p>
+        </p:txBody>
+      </p:sp>
+      <p:sp>
+        <p:nvSpPr>
+          <p:cNvPr id="4" name="Slide Number Placeholder 3"/>
+          <p:cNvSpPr>
+            <a:spLocks noGrp="1"/>
+          </p:cNvSpPr>
+          <p:nvPr>
+            <p:ph type="sldNum" sz="quarter" idx="5"/>
+          </p:nvPr>
+        </p:nvSpPr>
+        <p:spPr/>
+        <p:txBody>
+          <a:bodyPr/>
+          <a:lstStyle/>
+          <a:p>
+            <a:fld id="{998D93A4-07E9-624F-AC71-12259DE33806}" type="slidenum">
+              <a:rPr lang="en-US"/>
+              <a:t>9</a:t>
+            </a:fld>
+            <a:endParaRPr lang="en-US"/>
+          </a:p>
+        </p:txBody>
+      </p:sp>
+    </p:spTree>
+    <p:extLst>
+      <p:ext uri="{BB962C8B-B14F-4D97-AF65-F5344CB8AC3E}">
+        <p14:creationId xmlns:p14="http://schemas.microsoft.com/office/powerpoint/2010/main" val="4135604847"/>
+      </p:ext>
+    </p:extLst>
+  </p:cSld>
+  <p:clrMapOvr>
+    <a:masterClrMapping/>
+  </p:clrMapOvr>
+</p:notes>
+</file>
+
+<file path=ppt/notesSlides/notesSlide3.xml><?xml version="1.0" encoding="utf-8"?>
+<p:notes xmlns:a="http://schemas.openxmlformats.org/drawingml/2006/main" xmlns:r="http://schemas.openxmlformats.org/officeDocument/2006/relationships" xmlns:p="http://schemas.openxmlformats.org/presentationml/2006/main">
+  <p:cSld>
+    <p:spTree>
+      <p:nvGrpSpPr>
+        <p:cNvPr id="1" name=""/>
+        <p:cNvGrpSpPr/>
+        <p:nvPr/>
+      </p:nvGrpSpPr>
+      <p:grpSpPr>
+        <a:xfrm>
+          <a:off x="0" y="0"/>
+          <a:ext cx="0" cy="0"/>
+          <a:chOff x="0" y="0"/>
+          <a:chExt cx="0" cy="0"/>
+        </a:xfrm>
+      </p:grpSpPr>
+      <p:sp>
+        <p:nvSpPr>
+          <p:cNvPr id="2" name="Slide Image Placeholder 1"/>
+          <p:cNvSpPr>
+            <a:spLocks noGrp="1" noRot="1" noChangeAspect="1"/>
+          </p:cNvSpPr>
+          <p:nvPr>
+            <p:ph type="sldImg"/>
+          </p:nvPr>
+        </p:nvSpPr>
+        <p:spPr/>
+      </p:sp>
+      <p:sp>
+        <p:nvSpPr>
+          <p:cNvPr id="3" name="Notes Placeholder 2"/>
+          <p:cNvSpPr>
+            <a:spLocks noGrp="1"/>
+          </p:cNvSpPr>
+          <p:nvPr>
+            <p:ph type="body" idx="1"/>
+          </p:nvPr>
+        </p:nvSpPr>
+        <p:spPr/>
+        <p:txBody>
+          <a:bodyPr/>
+          <a:lstStyle/>
+          <a:p>
             <a:r>
               <a:rPr lang="en-US"/>
               <a:t>A bit of technical writing</a:t>
@@ -652,7 +753,7 @@
           <a:p>
             <a:fld id="{998D93A4-07E9-624F-AC71-12259DE33806}" type="slidenum">
               <a:rPr lang="en-US"/>
-              <a:t>6</a:t>
+              <a:t>11</a:t>
             </a:fld>
             <a:endParaRPr lang="en-US"/>
           </a:p>
@@ -672,8 +773,16 @@
 </file>
 
 <file path=ppt/slideLayouts/slideLayout1.xml><?xml version="1.0" encoding="utf-8"?>
-<p:sldLayout xmlns:a="http://schemas.openxmlformats.org/drawingml/2006/main" xmlns:r="http://schemas.openxmlformats.org/officeDocument/2006/relationships" xmlns:p="http://schemas.openxmlformats.org/presentationml/2006/main" type="title" preserve="1">
+<p:sldLayout xmlns:a="http://schemas.openxmlformats.org/drawingml/2006/main" xmlns:r="http://schemas.openxmlformats.org/officeDocument/2006/relationships" xmlns:p="http://schemas.openxmlformats.org/presentationml/2006/main" showMasterSp="0" type="title" preserve="1">
   <p:cSld name="Title Slide">
+    <p:bg>
+      <p:bgPr>
+        <a:solidFill>
+          <a:schemeClr val="bg2"/>
+        </a:solidFill>
+        <a:effectLst/>
+      </p:bgPr>
+    </p:bg>
     <p:spTree>
       <p:nvGrpSpPr>
         <p:cNvPr id="1" name=""/>
@@ -690,13 +799,7 @@
       </p:grpSpPr>
       <p:sp>
         <p:nvSpPr>
-          <p:cNvPr id="2" name="Title 1">
-            <a:extLst>
-              <a:ext uri="{FF2B5EF4-FFF2-40B4-BE49-F238E27FC236}">
-                <a16:creationId xmlns:a16="http://schemas.microsoft.com/office/drawing/2014/main" id="{DBDD58BB-EF83-351E-A82C-D71D8B33D524}"/>
-              </a:ext>
-            </a:extLst>
-          </p:cNvPr>
+          <p:cNvPr id="2" name="Title 1"/>
           <p:cNvSpPr>
             <a:spLocks noGrp="1"/>
           </p:cNvSpPr>
@@ -706,20 +809,26 @@
         </p:nvSpPr>
         <p:spPr>
           <a:xfrm>
-            <a:off x="1524000" y="1122363"/>
-            <a:ext cx="9144000" cy="2387600"/>
+            <a:off x="1915128" y="1788454"/>
+            <a:ext cx="8361229" cy="2098226"/>
           </a:xfrm>
         </p:spPr>
         <p:txBody>
-          <a:bodyPr anchor="b"/>
+          <a:bodyPr anchor="b">
+            <a:noAutofit/>
+          </a:bodyPr>
           <a:lstStyle>
             <a:lvl1pPr algn="ctr">
-              <a:defRPr sz="6000"/>
+              <a:defRPr sz="7200" cap="all" baseline="0">
+                <a:solidFill>
+                  <a:schemeClr val="tx2"/>
+                </a:solidFill>
+              </a:defRPr>
             </a:lvl1pPr>
           </a:lstStyle>
           <a:p>
             <a:r>
-              <a:rPr lang="en-US"/>
+              <a:rPr lang="en-US" dirty="0"/>
               <a:t>Click to edit Master title style</a:t>
             </a:r>
           </a:p>
@@ -727,13 +836,7 @@
       </p:sp>
       <p:sp>
         <p:nvSpPr>
-          <p:cNvPr id="3" name="Subtitle 2">
-            <a:extLst>
-              <a:ext uri="{FF2B5EF4-FFF2-40B4-BE49-F238E27FC236}">
-                <a16:creationId xmlns:a16="http://schemas.microsoft.com/office/drawing/2014/main" id="{183D7FBB-478D-03FC-0383-9F1E8149FE01}"/>
-              </a:ext>
-            </a:extLst>
-          </p:cNvPr>
+          <p:cNvPr id="3" name="Subtitle 2"/>
           <p:cNvSpPr>
             <a:spLocks noGrp="1"/>
           </p:cNvSpPr>
@@ -743,16 +846,27 @@
         </p:nvSpPr>
         <p:spPr>
           <a:xfrm>
-            <a:off x="1524000" y="3602038"/>
-            <a:ext cx="9144000" cy="1655762"/>
+            <a:off x="2679906" y="3956279"/>
+            <a:ext cx="6831673" cy="1086237"/>
           </a:xfrm>
         </p:spPr>
         <p:txBody>
-          <a:bodyPr/>
+          <a:bodyPr>
+            <a:normAutofit/>
+          </a:bodyPr>
           <a:lstStyle>
             <a:lvl1pPr marL="0" indent="0" algn="ctr">
+              <a:lnSpc>
+                <a:spcPct val="112000"/>
+              </a:lnSpc>
+              <a:spcBef>
+                <a:spcPts val="0"/>
+              </a:spcBef>
+              <a:spcAft>
+                <a:spcPts val="0"/>
+              </a:spcAft>
               <a:buNone/>
-              <a:defRPr sz="2400"/>
+              <a:defRPr sz="2300"/>
             </a:lvl1pPr>
             <a:lvl2pPr marL="457200" indent="0" algn="ctr">
               <a:buNone/>
@@ -789,7 +903,7 @@
           </a:lstStyle>
           <a:p>
             <a:r>
-              <a:rPr lang="en-US"/>
+              <a:rPr lang="en-US" dirty="0"/>
               <a:t>Click to edit Master subtitle style</a:t>
             </a:r>
           </a:p>
@@ -797,13 +911,7 @@
       </p:sp>
       <p:sp>
         <p:nvSpPr>
-          <p:cNvPr id="4" name="Date Placeholder 3">
-            <a:extLst>
-              <a:ext uri="{FF2B5EF4-FFF2-40B4-BE49-F238E27FC236}">
-                <a16:creationId xmlns:a16="http://schemas.microsoft.com/office/drawing/2014/main" id="{FF52189E-8AD1-F12C-9E13-563B32C6A572}"/>
-              </a:ext>
-            </a:extLst>
-          </p:cNvPr>
+          <p:cNvPr id="4" name="Date Placeholder 3"/>
           <p:cNvSpPr>
             <a:spLocks noGrp="1"/>
           </p:cNvSpPr>
@@ -811,13 +919,26 @@
             <p:ph type="dt" sz="half" idx="10"/>
           </p:nvPr>
         </p:nvSpPr>
-        <p:spPr/>
-        <p:txBody>
-          <a:bodyPr/>
-          <a:lstStyle/>
+        <p:spPr>
+          <a:xfrm>
+            <a:off x="752858" y="6453386"/>
+            <a:ext cx="1607944" cy="404614"/>
+          </a:xfrm>
+        </p:spPr>
+        <p:txBody>
+          <a:bodyPr/>
+          <a:lstStyle>
+            <a:lvl1pPr>
+              <a:defRPr baseline="0">
+                <a:solidFill>
+                  <a:schemeClr val="tx2"/>
+                </a:solidFill>
+              </a:defRPr>
+            </a:lvl1pPr>
+          </a:lstStyle>
           <a:p>
             <a:fld id="{B70BB86D-EC77-5A41-946D-4EF223B166ED}" type="datetimeFigureOut">
-              <a:t>12/2/24</a:t>
+              <a:t>12/4/24</a:t>
             </a:fld>
             <a:endParaRPr lang="en-US"/>
           </a:p>
@@ -825,13 +946,7 @@
       </p:sp>
       <p:sp>
         <p:nvSpPr>
-          <p:cNvPr id="5" name="Footer Placeholder 4">
-            <a:extLst>
-              <a:ext uri="{FF2B5EF4-FFF2-40B4-BE49-F238E27FC236}">
-                <a16:creationId xmlns:a16="http://schemas.microsoft.com/office/drawing/2014/main" id="{958AD151-10D8-254E-D227-227B6BDBDC96}"/>
-              </a:ext>
-            </a:extLst>
-          </p:cNvPr>
+          <p:cNvPr id="5" name="Footer Placeholder 4"/>
           <p:cNvSpPr>
             <a:spLocks noGrp="1"/>
           </p:cNvSpPr>
@@ -839,10 +954,23 @@
             <p:ph type="ftr" sz="quarter" idx="11"/>
           </p:nvPr>
         </p:nvSpPr>
-        <p:spPr/>
-        <p:txBody>
-          <a:bodyPr/>
-          <a:lstStyle/>
+        <p:spPr>
+          <a:xfrm>
+            <a:off x="2584054" y="6453386"/>
+            <a:ext cx="7023377" cy="404614"/>
+          </a:xfrm>
+        </p:spPr>
+        <p:txBody>
+          <a:bodyPr/>
+          <a:lstStyle>
+            <a:lvl1pPr algn="ctr">
+              <a:defRPr baseline="0">
+                <a:solidFill>
+                  <a:schemeClr val="tx2"/>
+                </a:solidFill>
+              </a:defRPr>
+            </a:lvl1pPr>
+          </a:lstStyle>
           <a:p>
             <a:endParaRPr lang="en-US"/>
           </a:p>
@@ -850,13 +978,7 @@
       </p:sp>
       <p:sp>
         <p:nvSpPr>
-          <p:cNvPr id="6" name="Slide Number Placeholder 5">
-            <a:extLst>
-              <a:ext uri="{FF2B5EF4-FFF2-40B4-BE49-F238E27FC236}">
-                <a16:creationId xmlns:a16="http://schemas.microsoft.com/office/drawing/2014/main" id="{AAC4A3E4-9A41-CFAD-5C73-381F1FAD3DF2}"/>
-              </a:ext>
-            </a:extLst>
-          </p:cNvPr>
+          <p:cNvPr id="6" name="Slide Number Placeholder 5"/>
           <p:cNvSpPr>
             <a:spLocks noGrp="1"/>
           </p:cNvSpPr>
@@ -864,27 +986,170 @@
             <p:ph type="sldNum" sz="quarter" idx="12"/>
           </p:nvPr>
         </p:nvSpPr>
-        <p:spPr/>
-        <p:txBody>
-          <a:bodyPr/>
-          <a:lstStyle/>
+        <p:spPr>
+          <a:xfrm>
+            <a:off x="9830683" y="6453386"/>
+            <a:ext cx="1596292" cy="404614"/>
+          </a:xfrm>
+        </p:spPr>
+        <p:txBody>
+          <a:bodyPr/>
+          <a:lstStyle>
+            <a:lvl1pPr>
+              <a:defRPr baseline="0">
+                <a:solidFill>
+                  <a:schemeClr val="tx2"/>
+                </a:solidFill>
+              </a:defRPr>
+            </a:lvl1pPr>
+          </a:lstStyle>
           <a:p>
             <a:fld id="{1DE6C761-4CDB-C74E-971B-5AB3CC421502}" type="slidenum">
+              <a:rPr lang="en-US"/>
               <a:t>‹#›</a:t>
             </a:fld>
             <a:endParaRPr lang="en-US"/>
           </a:p>
         </p:txBody>
       </p:sp>
+      <p:grpSp>
+        <p:nvGrpSpPr>
+          <p:cNvPr id="7" name="Group 6"/>
+          <p:cNvGrpSpPr/>
+          <p:nvPr/>
+        </p:nvGrpSpPr>
+        <p:grpSpPr>
+          <a:xfrm>
+            <a:off x="752858" y="744469"/>
+            <a:ext cx="10674117" cy="5349671"/>
+            <a:chOff x="752858" y="744469"/>
+            <a:chExt cx="10674117" cy="5349671"/>
+          </a:xfrm>
+        </p:grpSpPr>
+        <p:sp>
+          <p:nvSpPr>
+            <p:cNvPr id="11" name="Freeform 6"/>
+            <p:cNvSpPr/>
+            <p:nvPr/>
+          </p:nvSpPr>
+          <p:spPr bwMode="auto">
+            <a:xfrm>
+              <a:off x="8151962" y="1685652"/>
+              <a:ext cx="3275013" cy="4408488"/>
+            </a:xfrm>
+            <a:custGeom>
+              <a:avLst/>
+              <a:gdLst/>
+              <a:ahLst/>
+              <a:cxnLst/>
+              <a:rect l="l" t="t" r="r" b="b"/>
+              <a:pathLst>
+                <a:path w="10000" h="10000">
+                  <a:moveTo>
+                    <a:pt x="8761" y="0"/>
+                  </a:moveTo>
+                  <a:lnTo>
+                    <a:pt x="10000" y="0"/>
+                  </a:lnTo>
+                  <a:lnTo>
+                    <a:pt x="10000" y="10000"/>
+                  </a:lnTo>
+                  <a:lnTo>
+                    <a:pt x="0" y="10000"/>
+                  </a:lnTo>
+                  <a:lnTo>
+                    <a:pt x="0" y="9126"/>
+                  </a:lnTo>
+                  <a:lnTo>
+                    <a:pt x="8761" y="9127"/>
+                  </a:lnTo>
+                  <a:lnTo>
+                    <a:pt x="8761" y="0"/>
+                  </a:lnTo>
+                  <a:close/>
+                </a:path>
+              </a:pathLst>
+            </a:custGeom>
+            <a:solidFill>
+              <a:schemeClr val="tx2"/>
+            </a:solidFill>
+            <a:ln w="0">
+              <a:noFill/>
+              <a:prstDash val="solid"/>
+              <a:round/>
+              <a:headEnd/>
+              <a:tailEnd/>
+            </a:ln>
+          </p:spPr>
+        </p:sp>
+        <p:sp>
+          <p:nvSpPr>
+            <p:cNvPr id="14" name="Freeform 6"/>
+            <p:cNvSpPr/>
+            <p:nvPr/>
+          </p:nvSpPr>
+          <p:spPr bwMode="auto">
+            <a:xfrm flipH="1" flipV="1">
+              <a:off x="752858" y="744469"/>
+              <a:ext cx="3275668" cy="4408488"/>
+            </a:xfrm>
+            <a:custGeom>
+              <a:avLst/>
+              <a:gdLst/>
+              <a:ahLst/>
+              <a:cxnLst/>
+              <a:rect l="l" t="t" r="r" b="b"/>
+              <a:pathLst>
+                <a:path w="10002" h="10000">
+                  <a:moveTo>
+                    <a:pt x="8763" y="0"/>
+                  </a:moveTo>
+                  <a:lnTo>
+                    <a:pt x="10002" y="0"/>
+                  </a:lnTo>
+                  <a:lnTo>
+                    <a:pt x="10002" y="10000"/>
+                  </a:lnTo>
+                  <a:lnTo>
+                    <a:pt x="2" y="10000"/>
+                  </a:lnTo>
+                  <a:cubicBezTo>
+                    <a:pt x="-2" y="9698"/>
+                    <a:pt x="4" y="9427"/>
+                    <a:pt x="0" y="9125"/>
+                  </a:cubicBezTo>
+                  <a:lnTo>
+                    <a:pt x="8763" y="9128"/>
+                  </a:lnTo>
+                  <a:lnTo>
+                    <a:pt x="8763" y="0"/>
+                  </a:lnTo>
+                  <a:close/>
+                </a:path>
+              </a:pathLst>
+            </a:custGeom>
+            <a:solidFill>
+              <a:schemeClr val="tx2"/>
+            </a:solidFill>
+            <a:ln w="0">
+              <a:noFill/>
+              <a:prstDash val="solid"/>
+              <a:round/>
+              <a:headEnd/>
+              <a:tailEnd/>
+            </a:ln>
+          </p:spPr>
+        </p:sp>
+      </p:grpSp>
     </p:spTree>
     <p:extLst>
       <p:ext uri="{BB962C8B-B14F-4D97-AF65-F5344CB8AC3E}">
-        <p14:creationId xmlns:p14="http://schemas.microsoft.com/office/powerpoint/2010/main" val="969099800"/>
+        <p14:creationId xmlns:p14="http://schemas.microsoft.com/office/powerpoint/2010/main" val="2677083640"/>
       </p:ext>
     </p:extLst>
   </p:cSld>
   <p:clrMapOvr>
-    <a:masterClrMapping/>
+    <a:overrideClrMapping bg1="lt1" tx1="dk1" bg2="lt2" tx2="dk2" accent1="accent1" accent2="accent2" accent3="accent3" accent4="accent4" accent5="accent5" accent6="accent6" hlink="hlink" folHlink="folHlink"/>
   </p:clrMapOvr>
 </p:sldLayout>
 </file>
@@ -908,13 +1173,7 @@
       </p:grpSpPr>
       <p:sp>
         <p:nvSpPr>
-          <p:cNvPr id="2" name="Title 1">
-            <a:extLst>
-              <a:ext uri="{FF2B5EF4-FFF2-40B4-BE49-F238E27FC236}">
-                <a16:creationId xmlns:a16="http://schemas.microsoft.com/office/drawing/2014/main" id="{B178A8C5-0BF9-FEDA-17D5-75F984773DF3}"/>
-              </a:ext>
-            </a:extLst>
-          </p:cNvPr>
+          <p:cNvPr id="2" name="Title 1"/>
           <p:cNvSpPr>
             <a:spLocks noGrp="1"/>
           </p:cNvSpPr>
@@ -928,7 +1187,7 @@
           <a:lstStyle/>
           <a:p>
             <a:r>
-              <a:rPr lang="en-US"/>
+              <a:rPr lang="en-US" dirty="0"/>
               <a:t>Click to edit Master title style</a:t>
             </a:r>
           </a:p>
@@ -936,13 +1195,7 @@
       </p:sp>
       <p:sp>
         <p:nvSpPr>
-          <p:cNvPr id="3" name="Vertical Text Placeholder 2">
-            <a:extLst>
-              <a:ext uri="{FF2B5EF4-FFF2-40B4-BE49-F238E27FC236}">
-                <a16:creationId xmlns:a16="http://schemas.microsoft.com/office/drawing/2014/main" id="{34EEAECF-3F87-F1CA-232B-9A2EC82741FC}"/>
-              </a:ext>
-            </a:extLst>
-          </p:cNvPr>
+          <p:cNvPr id="3" name="Vertical Text Placeholder 2"/>
           <p:cNvSpPr>
             <a:spLocks noGrp="1"/>
           </p:cNvSpPr>
@@ -950,70 +1203,69 @@
             <p:ph type="body" orient="vert" idx="1"/>
           </p:nvPr>
         </p:nvSpPr>
+        <p:spPr>
+          <a:xfrm>
+            <a:off x="1371600" y="2295525"/>
+            <a:ext cx="9601200" cy="3571875"/>
+          </a:xfrm>
+        </p:spPr>
+        <p:txBody>
+          <a:bodyPr vert="eaVert"/>
+          <a:lstStyle/>
+          <a:p>
+            <a:pPr lvl="0"/>
+            <a:r>
+              <a:rPr lang="en-US" dirty="0"/>
+              <a:t>Click to edit Master text styles</a:t>
+            </a:r>
+          </a:p>
+          <a:p>
+            <a:pPr lvl="1"/>
+            <a:r>
+              <a:rPr lang="en-US" dirty="0"/>
+              <a:t>Second level</a:t>
+            </a:r>
+          </a:p>
+          <a:p>
+            <a:pPr lvl="2"/>
+            <a:r>
+              <a:rPr lang="en-US" dirty="0"/>
+              <a:t>Third level</a:t>
+            </a:r>
+          </a:p>
+          <a:p>
+            <a:pPr lvl="3"/>
+            <a:r>
+              <a:rPr lang="en-US" dirty="0"/>
+              <a:t>Fourth level</a:t>
+            </a:r>
+          </a:p>
+          <a:p>
+            <a:pPr lvl="4"/>
+            <a:r>
+              <a:rPr lang="en-US" dirty="0"/>
+              <a:t>Fifth level</a:t>
+            </a:r>
+          </a:p>
+        </p:txBody>
+      </p:sp>
+      <p:sp>
+        <p:nvSpPr>
+          <p:cNvPr id="4" name="Date Placeholder 3"/>
+          <p:cNvSpPr>
+            <a:spLocks noGrp="1"/>
+          </p:cNvSpPr>
+          <p:nvPr>
+            <p:ph type="dt" sz="half" idx="10"/>
+          </p:nvPr>
+        </p:nvSpPr>
         <p:spPr/>
         <p:txBody>
-          <a:bodyPr vert="eaVert"/>
-          <a:lstStyle/>
-          <a:p>
-            <a:pPr lvl="0"/>
-            <a:r>
-              <a:rPr lang="en-US"/>
-              <a:t>Click to edit Master text styles</a:t>
-            </a:r>
-          </a:p>
-          <a:p>
-            <a:pPr lvl="1"/>
-            <a:r>
-              <a:rPr lang="en-US"/>
-              <a:t>Second level</a:t>
-            </a:r>
-          </a:p>
-          <a:p>
-            <a:pPr lvl="2"/>
-            <a:r>
-              <a:rPr lang="en-US"/>
-              <a:t>Third level</a:t>
-            </a:r>
-          </a:p>
-          <a:p>
-            <a:pPr lvl="3"/>
-            <a:r>
-              <a:rPr lang="en-US"/>
-              <a:t>Fourth level</a:t>
-            </a:r>
-          </a:p>
-          <a:p>
-            <a:pPr lvl="4"/>
-            <a:r>
-              <a:rPr lang="en-US"/>
-              <a:t>Fifth level</a:t>
-            </a:r>
-          </a:p>
-        </p:txBody>
-      </p:sp>
-      <p:sp>
-        <p:nvSpPr>
-          <p:cNvPr id="4" name="Date Placeholder 3">
-            <a:extLst>
-              <a:ext uri="{FF2B5EF4-FFF2-40B4-BE49-F238E27FC236}">
-                <a16:creationId xmlns:a16="http://schemas.microsoft.com/office/drawing/2014/main" id="{55FF3FBA-1737-D8CE-44F3-998DFF80FCF4}"/>
-              </a:ext>
-            </a:extLst>
-          </p:cNvPr>
-          <p:cNvSpPr>
-            <a:spLocks noGrp="1"/>
-          </p:cNvSpPr>
-          <p:nvPr>
-            <p:ph type="dt" sz="half" idx="10"/>
-          </p:nvPr>
-        </p:nvSpPr>
-        <p:spPr/>
-        <p:txBody>
           <a:bodyPr/>
           <a:lstStyle/>
           <a:p>
             <a:fld id="{B70BB86D-EC77-5A41-946D-4EF223B166ED}" type="datetimeFigureOut">
-              <a:t>12/2/24</a:t>
+              <a:t>12/4/24</a:t>
             </a:fld>
             <a:endParaRPr lang="en-US"/>
           </a:p>
@@ -1021,13 +1273,7 @@
       </p:sp>
       <p:sp>
         <p:nvSpPr>
-          <p:cNvPr id="5" name="Footer Placeholder 4">
-            <a:extLst>
-              <a:ext uri="{FF2B5EF4-FFF2-40B4-BE49-F238E27FC236}">
-                <a16:creationId xmlns:a16="http://schemas.microsoft.com/office/drawing/2014/main" id="{C7A3A277-0955-EBD5-A134-0D2E12225FD4}"/>
-              </a:ext>
-            </a:extLst>
-          </p:cNvPr>
+          <p:cNvPr id="5" name="Footer Placeholder 4"/>
           <p:cNvSpPr>
             <a:spLocks noGrp="1"/>
           </p:cNvSpPr>
@@ -1046,13 +1292,7 @@
       </p:sp>
       <p:sp>
         <p:nvSpPr>
-          <p:cNvPr id="6" name="Slide Number Placeholder 5">
-            <a:extLst>
-              <a:ext uri="{FF2B5EF4-FFF2-40B4-BE49-F238E27FC236}">
-                <a16:creationId xmlns:a16="http://schemas.microsoft.com/office/drawing/2014/main" id="{2C0BC06C-0560-D456-D576-333FAB9721C6}"/>
-              </a:ext>
-            </a:extLst>
-          </p:cNvPr>
+          <p:cNvPr id="6" name="Slide Number Placeholder 5"/>
           <p:cNvSpPr>
             <a:spLocks noGrp="1"/>
           </p:cNvSpPr>
@@ -1066,6 +1306,7 @@
           <a:lstStyle/>
           <a:p>
             <a:fld id="{1DE6C761-4CDB-C74E-971B-5AB3CC421502}" type="slidenum">
+              <a:rPr lang="en-US"/>
               <a:t>‹#›</a:t>
             </a:fld>
             <a:endParaRPr lang="en-US"/>
@@ -1075,7 +1316,7 @@
     </p:spTree>
     <p:extLst>
       <p:ext uri="{BB962C8B-B14F-4D97-AF65-F5344CB8AC3E}">
-        <p14:creationId xmlns:p14="http://schemas.microsoft.com/office/powerpoint/2010/main" val="818068759"/>
+        <p14:creationId xmlns:p14="http://schemas.microsoft.com/office/powerpoint/2010/main" val="562911098"/>
       </p:ext>
     </p:extLst>
   </p:cSld>
@@ -1104,13 +1345,7 @@
       </p:grpSpPr>
       <p:sp>
         <p:nvSpPr>
-          <p:cNvPr id="2" name="Vertical Title 1">
-            <a:extLst>
-              <a:ext uri="{FF2B5EF4-FFF2-40B4-BE49-F238E27FC236}">
-                <a16:creationId xmlns:a16="http://schemas.microsoft.com/office/drawing/2014/main" id="{6E3993D1-70D4-5261-0A45-4A99ADC7B026}"/>
-              </a:ext>
-            </a:extLst>
-          </p:cNvPr>
+          <p:cNvPr id="2" name="Vertical Title 1"/>
           <p:cNvSpPr>
             <a:spLocks noGrp="1"/>
           </p:cNvSpPr>
@@ -1120,8 +1355,8 @@
         </p:nvSpPr>
         <p:spPr>
           <a:xfrm>
-            <a:off x="8724900" y="365125"/>
-            <a:ext cx="2628900" cy="5811838"/>
+            <a:off x="9596561" y="624156"/>
+            <a:ext cx="1565766" cy="5243244"/>
           </a:xfrm>
         </p:spPr>
         <p:txBody>
@@ -1129,7 +1364,7 @@
           <a:lstStyle/>
           <a:p>
             <a:r>
-              <a:rPr lang="en-US"/>
+              <a:rPr lang="en-US" dirty="0"/>
               <a:t>Click to edit Master title style</a:t>
             </a:r>
           </a:p>
@@ -1137,13 +1372,7 @@
       </p:sp>
       <p:sp>
         <p:nvSpPr>
-          <p:cNvPr id="3" name="Vertical Text Placeholder 2">
-            <a:extLst>
-              <a:ext uri="{FF2B5EF4-FFF2-40B4-BE49-F238E27FC236}">
-                <a16:creationId xmlns:a16="http://schemas.microsoft.com/office/drawing/2014/main" id="{9B7527EB-EE9F-8BA5-9A47-708B992A423D}"/>
-              </a:ext>
-            </a:extLst>
-          </p:cNvPr>
+          <p:cNvPr id="3" name="Vertical Text Placeholder 2"/>
           <p:cNvSpPr>
             <a:spLocks noGrp="1"/>
           </p:cNvSpPr>
@@ -1153,8 +1382,8 @@
         </p:nvSpPr>
         <p:spPr>
           <a:xfrm>
-            <a:off x="838200" y="365125"/>
-            <a:ext cx="7734300" cy="5811838"/>
+            <a:off x="1371600" y="624156"/>
+            <a:ext cx="8179641" cy="5243244"/>
           </a:xfrm>
         </p:spPr>
         <p:txBody>
@@ -1163,35 +1392,35 @@
           <a:p>
             <a:pPr lvl="0"/>
             <a:r>
-              <a:rPr lang="en-US"/>
+              <a:rPr lang="en-US" dirty="0"/>
               <a:t>Click to edit Master text styles</a:t>
             </a:r>
           </a:p>
           <a:p>
             <a:pPr lvl="1"/>
             <a:r>
-              <a:rPr lang="en-US"/>
+              <a:rPr lang="en-US" dirty="0"/>
               <a:t>Second level</a:t>
             </a:r>
           </a:p>
           <a:p>
             <a:pPr lvl="2"/>
             <a:r>
-              <a:rPr lang="en-US"/>
+              <a:rPr lang="en-US" dirty="0"/>
               <a:t>Third level</a:t>
             </a:r>
           </a:p>
           <a:p>
             <a:pPr lvl="3"/>
             <a:r>
-              <a:rPr lang="en-US"/>
+              <a:rPr lang="en-US" dirty="0"/>
               <a:t>Fourth level</a:t>
             </a:r>
           </a:p>
           <a:p>
             <a:pPr lvl="4"/>
             <a:r>
-              <a:rPr lang="en-US"/>
+              <a:rPr lang="en-US" dirty="0"/>
               <a:t>Fifth level</a:t>
             </a:r>
           </a:p>
@@ -1199,13 +1428,7 @@
       </p:sp>
       <p:sp>
         <p:nvSpPr>
-          <p:cNvPr id="4" name="Date Placeholder 3">
-            <a:extLst>
-              <a:ext uri="{FF2B5EF4-FFF2-40B4-BE49-F238E27FC236}">
-                <a16:creationId xmlns:a16="http://schemas.microsoft.com/office/drawing/2014/main" id="{AF1E4BF0-E1C2-F01C-5268-762C7FA6D4FA}"/>
-              </a:ext>
-            </a:extLst>
-          </p:cNvPr>
+          <p:cNvPr id="4" name="Date Placeholder 3"/>
           <p:cNvSpPr>
             <a:spLocks noGrp="1"/>
           </p:cNvSpPr>
@@ -1219,7 +1442,7 @@
           <a:lstStyle/>
           <a:p>
             <a:fld id="{B70BB86D-EC77-5A41-946D-4EF223B166ED}" type="datetimeFigureOut">
-              <a:t>12/2/24</a:t>
+              <a:t>12/4/24</a:t>
             </a:fld>
             <a:endParaRPr lang="en-US"/>
           </a:p>
@@ -1227,13 +1450,7 @@
       </p:sp>
       <p:sp>
         <p:nvSpPr>
-          <p:cNvPr id="5" name="Footer Placeholder 4">
-            <a:extLst>
-              <a:ext uri="{FF2B5EF4-FFF2-40B4-BE49-F238E27FC236}">
-                <a16:creationId xmlns:a16="http://schemas.microsoft.com/office/drawing/2014/main" id="{57F0FF70-CD25-C478-5BFB-24A9BCC91D3D}"/>
-              </a:ext>
-            </a:extLst>
-          </p:cNvPr>
+          <p:cNvPr id="5" name="Footer Placeholder 4"/>
           <p:cNvSpPr>
             <a:spLocks noGrp="1"/>
           </p:cNvSpPr>
@@ -1252,13 +1469,7 @@
       </p:sp>
       <p:sp>
         <p:nvSpPr>
-          <p:cNvPr id="6" name="Slide Number Placeholder 5">
-            <a:extLst>
-              <a:ext uri="{FF2B5EF4-FFF2-40B4-BE49-F238E27FC236}">
-                <a16:creationId xmlns:a16="http://schemas.microsoft.com/office/drawing/2014/main" id="{89911D97-5780-CFCE-99CB-71351FCB4FB1}"/>
-              </a:ext>
-            </a:extLst>
-          </p:cNvPr>
+          <p:cNvPr id="6" name="Slide Number Placeholder 5"/>
           <p:cNvSpPr>
             <a:spLocks noGrp="1"/>
           </p:cNvSpPr>
@@ -1272,6 +1483,7 @@
           <a:lstStyle/>
           <a:p>
             <a:fld id="{1DE6C761-4CDB-C74E-971B-5AB3CC421502}" type="slidenum">
+              <a:rPr lang="en-US"/>
               <a:t>‹#›</a:t>
             </a:fld>
             <a:endParaRPr lang="en-US"/>
@@ -1281,7 +1493,7 @@
     </p:spTree>
     <p:extLst>
       <p:ext uri="{BB962C8B-B14F-4D97-AF65-F5344CB8AC3E}">
-        <p14:creationId xmlns:p14="http://schemas.microsoft.com/office/powerpoint/2010/main" val="2615585843"/>
+        <p14:creationId xmlns:p14="http://schemas.microsoft.com/office/powerpoint/2010/main" val="338246303"/>
       </p:ext>
     </p:extLst>
   </p:cSld>
@@ -1310,13 +1522,7 @@
       </p:grpSpPr>
       <p:sp>
         <p:nvSpPr>
-          <p:cNvPr id="2" name="Title 1">
-            <a:extLst>
-              <a:ext uri="{FF2B5EF4-FFF2-40B4-BE49-F238E27FC236}">
-                <a16:creationId xmlns:a16="http://schemas.microsoft.com/office/drawing/2014/main" id="{17928458-F8D5-FDC1-9656-9A2DE736FD45}"/>
-              </a:ext>
-            </a:extLst>
-          </p:cNvPr>
+          <p:cNvPr id="2" name="Title 1"/>
           <p:cNvSpPr>
             <a:spLocks noGrp="1"/>
           </p:cNvSpPr>
@@ -1330,7 +1536,7 @@
           <a:lstStyle/>
           <a:p>
             <a:r>
-              <a:rPr lang="en-US"/>
+              <a:rPr lang="en-US" dirty="0"/>
               <a:t>Click to edit Master title style</a:t>
             </a:r>
           </a:p>
@@ -1338,13 +1544,7 @@
       </p:sp>
       <p:sp>
         <p:nvSpPr>
-          <p:cNvPr id="3" name="Content Placeholder 2">
-            <a:extLst>
-              <a:ext uri="{FF2B5EF4-FFF2-40B4-BE49-F238E27FC236}">
-                <a16:creationId xmlns:a16="http://schemas.microsoft.com/office/drawing/2014/main" id="{121007CD-761A-9C54-A809-CF7344320B36}"/>
-              </a:ext>
-            </a:extLst>
-          </p:cNvPr>
+          <p:cNvPr id="3" name="Content Placeholder 2"/>
           <p:cNvSpPr>
             <a:spLocks noGrp="1"/>
           </p:cNvSpPr>
@@ -1359,35 +1559,35 @@
           <a:p>
             <a:pPr lvl="0"/>
             <a:r>
-              <a:rPr lang="en-US"/>
+              <a:rPr lang="en-US" dirty="0"/>
               <a:t>Click to edit Master text styles</a:t>
             </a:r>
           </a:p>
           <a:p>
             <a:pPr lvl="1"/>
             <a:r>
-              <a:rPr lang="en-US"/>
+              <a:rPr lang="en-US" dirty="0"/>
               <a:t>Second level</a:t>
             </a:r>
           </a:p>
           <a:p>
             <a:pPr lvl="2"/>
             <a:r>
-              <a:rPr lang="en-US"/>
+              <a:rPr lang="en-US" dirty="0"/>
               <a:t>Third level</a:t>
             </a:r>
           </a:p>
           <a:p>
             <a:pPr lvl="3"/>
             <a:r>
-              <a:rPr lang="en-US"/>
+              <a:rPr lang="en-US" dirty="0"/>
               <a:t>Fourth level</a:t>
             </a:r>
           </a:p>
           <a:p>
             <a:pPr lvl="4"/>
             <a:r>
-              <a:rPr lang="en-US"/>
+              <a:rPr lang="en-US" dirty="0"/>
               <a:t>Fifth level</a:t>
             </a:r>
           </a:p>
@@ -1395,13 +1595,7 @@
       </p:sp>
       <p:sp>
         <p:nvSpPr>
-          <p:cNvPr id="4" name="Date Placeholder 3">
-            <a:extLst>
-              <a:ext uri="{FF2B5EF4-FFF2-40B4-BE49-F238E27FC236}">
-                <a16:creationId xmlns:a16="http://schemas.microsoft.com/office/drawing/2014/main" id="{B18D0D0B-B6C6-F892-0727-F5DCF62589F8}"/>
-              </a:ext>
-            </a:extLst>
-          </p:cNvPr>
+          <p:cNvPr id="4" name="Date Placeholder 3"/>
           <p:cNvSpPr>
             <a:spLocks noGrp="1"/>
           </p:cNvSpPr>
@@ -1415,7 +1609,7 @@
           <a:lstStyle/>
           <a:p>
             <a:fld id="{B70BB86D-EC77-5A41-946D-4EF223B166ED}" type="datetimeFigureOut">
-              <a:t>12/2/24</a:t>
+              <a:t>12/4/24</a:t>
             </a:fld>
             <a:endParaRPr lang="en-US"/>
           </a:p>
@@ -1423,13 +1617,7 @@
       </p:sp>
       <p:sp>
         <p:nvSpPr>
-          <p:cNvPr id="5" name="Footer Placeholder 4">
-            <a:extLst>
-              <a:ext uri="{FF2B5EF4-FFF2-40B4-BE49-F238E27FC236}">
-                <a16:creationId xmlns:a16="http://schemas.microsoft.com/office/drawing/2014/main" id="{90EF7D00-8A1D-98EE-1473-9481032D1054}"/>
-              </a:ext>
-            </a:extLst>
-          </p:cNvPr>
+          <p:cNvPr id="5" name="Footer Placeholder 4"/>
           <p:cNvSpPr>
             <a:spLocks noGrp="1"/>
           </p:cNvSpPr>
@@ -1448,13 +1636,7 @@
       </p:sp>
       <p:sp>
         <p:nvSpPr>
-          <p:cNvPr id="6" name="Slide Number Placeholder 5">
-            <a:extLst>
-              <a:ext uri="{FF2B5EF4-FFF2-40B4-BE49-F238E27FC236}">
-                <a16:creationId xmlns:a16="http://schemas.microsoft.com/office/drawing/2014/main" id="{10590499-41E5-885C-4A4E-A3C15FD828FA}"/>
-              </a:ext>
-            </a:extLst>
-          </p:cNvPr>
+          <p:cNvPr id="6" name="Slide Number Placeholder 5"/>
           <p:cNvSpPr>
             <a:spLocks noGrp="1"/>
           </p:cNvSpPr>
@@ -1468,6 +1650,7 @@
           <a:lstStyle/>
           <a:p>
             <a:fld id="{1DE6C761-4CDB-C74E-971B-5AB3CC421502}" type="slidenum">
+              <a:rPr lang="en-US"/>
               <a:t>‹#›</a:t>
             </a:fld>
             <a:endParaRPr lang="en-US"/>
@@ -1477,7 +1660,7 @@
     </p:spTree>
     <p:extLst>
       <p:ext uri="{BB962C8B-B14F-4D97-AF65-F5344CB8AC3E}">
-        <p14:creationId xmlns:p14="http://schemas.microsoft.com/office/powerpoint/2010/main" val="2502151488"/>
+        <p14:creationId xmlns:p14="http://schemas.microsoft.com/office/powerpoint/2010/main" val="224281994"/>
       </p:ext>
     </p:extLst>
   </p:cSld>
@@ -1488,8 +1671,13 @@
 </file>
 
 <file path=ppt/slideLayouts/slideLayout3.xml><?xml version="1.0" encoding="utf-8"?>
-<p:sldLayout xmlns:a="http://schemas.openxmlformats.org/drawingml/2006/main" xmlns:r="http://schemas.openxmlformats.org/officeDocument/2006/relationships" xmlns:p="http://schemas.openxmlformats.org/presentationml/2006/main" type="secHead" preserve="1">
+<p:sldLayout xmlns:a="http://schemas.openxmlformats.org/drawingml/2006/main" xmlns:r="http://schemas.openxmlformats.org/officeDocument/2006/relationships" xmlns:p="http://schemas.openxmlformats.org/presentationml/2006/main" showMasterSp="0" type="secHead" preserve="1">
   <p:cSld name="Section Header">
+    <p:bg>
+      <p:bgRef idx="1001">
+        <a:schemeClr val="bg2"/>
+      </p:bgRef>
+    </p:bg>
     <p:spTree>
       <p:nvGrpSpPr>
         <p:cNvPr id="1" name=""/>
@@ -1506,13 +1694,7 @@
       </p:grpSpPr>
       <p:sp>
         <p:nvSpPr>
-          <p:cNvPr id="2" name="Title 1">
-            <a:extLst>
-              <a:ext uri="{FF2B5EF4-FFF2-40B4-BE49-F238E27FC236}">
-                <a16:creationId xmlns:a16="http://schemas.microsoft.com/office/drawing/2014/main" id="{13C03201-B099-1B31-6E5A-78FDEB31AE91}"/>
-              </a:ext>
-            </a:extLst>
-          </p:cNvPr>
+          <p:cNvPr id="2" name="Title 1"/>
           <p:cNvSpPr>
             <a:spLocks noGrp="1"/>
           </p:cNvSpPr>
@@ -1522,20 +1704,26 @@
         </p:nvSpPr>
         <p:spPr>
           <a:xfrm>
-            <a:off x="831850" y="1709738"/>
-            <a:ext cx="10515600" cy="2852737"/>
+            <a:off x="765025" y="1301360"/>
+            <a:ext cx="9612971" cy="2852737"/>
           </a:xfrm>
         </p:spPr>
         <p:txBody>
-          <a:bodyPr anchor="b"/>
+          <a:bodyPr anchor="b">
+            <a:normAutofit/>
+          </a:bodyPr>
           <a:lstStyle>
-            <a:lvl1pPr>
-              <a:defRPr sz="6000"/>
+            <a:lvl1pPr algn="r">
+              <a:defRPr sz="7200" cap="all" baseline="0">
+                <a:solidFill>
+                  <a:schemeClr val="tx2"/>
+                </a:solidFill>
+              </a:defRPr>
             </a:lvl1pPr>
           </a:lstStyle>
           <a:p>
             <a:r>
-              <a:rPr lang="en-US"/>
+              <a:rPr lang="en-US" dirty="0"/>
               <a:t>Click to edit Master title style</a:t>
             </a:r>
           </a:p>
@@ -1543,13 +1731,7 @@
       </p:sp>
       <p:sp>
         <p:nvSpPr>
-          <p:cNvPr id="3" name="Text Placeholder 2">
-            <a:extLst>
-              <a:ext uri="{FF2B5EF4-FFF2-40B4-BE49-F238E27FC236}">
-                <a16:creationId xmlns:a16="http://schemas.microsoft.com/office/drawing/2014/main" id="{F707B770-E4EF-DA4D-A86B-8A1D1A380520}"/>
-              </a:ext>
-            </a:extLst>
-          </p:cNvPr>
+          <p:cNvPr id="3" name="Text Placeholder 2"/>
           <p:cNvSpPr>
             <a:spLocks noGrp="1"/>
           </p:cNvSpPr>
@@ -1559,20 +1741,27 @@
         </p:nvSpPr>
         <p:spPr>
           <a:xfrm>
-            <a:off x="831850" y="4589463"/>
-            <a:ext cx="10515600" cy="1500187"/>
+            <a:off x="765025" y="4216328"/>
+            <a:ext cx="9612971" cy="1143324"/>
           </a:xfrm>
         </p:spPr>
         <p:txBody>
           <a:bodyPr/>
           <a:lstStyle>
-            <a:lvl1pPr marL="0" indent="0">
+            <a:lvl1pPr marL="0" indent="0" algn="r">
+              <a:lnSpc>
+                <a:spcPct val="112000"/>
+              </a:lnSpc>
+              <a:spcBef>
+                <a:spcPts val="0"/>
+              </a:spcBef>
+              <a:spcAft>
+                <a:spcPts val="0"/>
+              </a:spcAft>
               <a:buNone/>
               <a:defRPr sz="2400">
                 <a:solidFill>
-                  <a:schemeClr val="tx1">
-                    <a:tint val="82000"/>
-                  </a:schemeClr>
+                  <a:schemeClr val="tx2"/>
                 </a:solidFill>
               </a:defRPr>
             </a:lvl1pPr>
@@ -1581,7 +1770,7 @@
               <a:defRPr sz="2000">
                 <a:solidFill>
                   <a:schemeClr val="tx1">
-                    <a:tint val="82000"/>
+                    <a:tint val="75000"/>
                   </a:schemeClr>
                 </a:solidFill>
               </a:defRPr>
@@ -1591,7 +1780,7 @@
               <a:defRPr sz="1800">
                 <a:solidFill>
                   <a:schemeClr val="tx1">
-                    <a:tint val="82000"/>
+                    <a:tint val="75000"/>
                   </a:schemeClr>
                 </a:solidFill>
               </a:defRPr>
@@ -1601,7 +1790,7 @@
               <a:defRPr sz="1600">
                 <a:solidFill>
                   <a:schemeClr val="tx1">
-                    <a:tint val="82000"/>
+                    <a:tint val="75000"/>
                   </a:schemeClr>
                 </a:solidFill>
               </a:defRPr>
@@ -1611,7 +1800,7 @@
               <a:defRPr sz="1600">
                 <a:solidFill>
                   <a:schemeClr val="tx1">
-                    <a:tint val="82000"/>
+                    <a:tint val="75000"/>
                   </a:schemeClr>
                 </a:solidFill>
               </a:defRPr>
@@ -1621,7 +1810,7 @@
               <a:defRPr sz="1600">
                 <a:solidFill>
                   <a:schemeClr val="tx1">
-                    <a:tint val="82000"/>
+                    <a:tint val="75000"/>
                   </a:schemeClr>
                 </a:solidFill>
               </a:defRPr>
@@ -1631,7 +1820,7 @@
               <a:defRPr sz="1600">
                 <a:solidFill>
                   <a:schemeClr val="tx1">
-                    <a:tint val="82000"/>
+                    <a:tint val="75000"/>
                   </a:schemeClr>
                 </a:solidFill>
               </a:defRPr>
@@ -1641,7 +1830,7 @@
               <a:defRPr sz="1600">
                 <a:solidFill>
                   <a:schemeClr val="tx1">
-                    <a:tint val="82000"/>
+                    <a:tint val="75000"/>
                   </a:schemeClr>
                 </a:solidFill>
               </a:defRPr>
@@ -1651,7 +1840,7 @@
               <a:defRPr sz="1600">
                 <a:solidFill>
                   <a:schemeClr val="tx1">
-                    <a:tint val="82000"/>
+                    <a:tint val="75000"/>
                   </a:schemeClr>
                 </a:solidFill>
               </a:defRPr>
@@ -1660,7 +1849,7 @@
           <a:p>
             <a:pPr lvl="0"/>
             <a:r>
-              <a:rPr lang="en-US"/>
+              <a:rPr lang="en-US" dirty="0"/>
               <a:t>Click to edit Master text styles</a:t>
             </a:r>
           </a:p>
@@ -1668,13 +1857,7 @@
       </p:sp>
       <p:sp>
         <p:nvSpPr>
-          <p:cNvPr id="4" name="Date Placeholder 3">
-            <a:extLst>
-              <a:ext uri="{FF2B5EF4-FFF2-40B4-BE49-F238E27FC236}">
-                <a16:creationId xmlns:a16="http://schemas.microsoft.com/office/drawing/2014/main" id="{5B3DEB0D-F245-6DE1-249B-7C19D369066C}"/>
-              </a:ext>
-            </a:extLst>
-          </p:cNvPr>
+          <p:cNvPr id="4" name="Date Placeholder 3"/>
           <p:cNvSpPr>
             <a:spLocks noGrp="1"/>
           </p:cNvSpPr>
@@ -1682,13 +1865,26 @@
             <p:ph type="dt" sz="half" idx="10"/>
           </p:nvPr>
         </p:nvSpPr>
-        <p:spPr/>
-        <p:txBody>
-          <a:bodyPr/>
-          <a:lstStyle/>
+        <p:spPr>
+          <a:xfrm>
+            <a:off x="738908" y="6453386"/>
+            <a:ext cx="1622409" cy="404614"/>
+          </a:xfrm>
+        </p:spPr>
+        <p:txBody>
+          <a:bodyPr/>
+          <a:lstStyle>
+            <a:lvl1pPr>
+              <a:defRPr>
+                <a:solidFill>
+                  <a:schemeClr val="tx2"/>
+                </a:solidFill>
+              </a:defRPr>
+            </a:lvl1pPr>
+          </a:lstStyle>
           <a:p>
             <a:fld id="{B70BB86D-EC77-5A41-946D-4EF223B166ED}" type="datetimeFigureOut">
-              <a:t>12/2/24</a:t>
+              <a:t>12/4/24</a:t>
             </a:fld>
             <a:endParaRPr lang="en-US"/>
           </a:p>
@@ -1696,13 +1892,7 @@
       </p:sp>
       <p:sp>
         <p:nvSpPr>
-          <p:cNvPr id="5" name="Footer Placeholder 4">
-            <a:extLst>
-              <a:ext uri="{FF2B5EF4-FFF2-40B4-BE49-F238E27FC236}">
-                <a16:creationId xmlns:a16="http://schemas.microsoft.com/office/drawing/2014/main" id="{175F895F-E929-D636-C468-ADC676890C83}"/>
-              </a:ext>
-            </a:extLst>
-          </p:cNvPr>
+          <p:cNvPr id="5" name="Footer Placeholder 4"/>
           <p:cNvSpPr>
             <a:spLocks noGrp="1"/>
           </p:cNvSpPr>
@@ -1710,10 +1900,23 @@
             <p:ph type="ftr" sz="quarter" idx="11"/>
           </p:nvPr>
         </p:nvSpPr>
-        <p:spPr/>
-        <p:txBody>
-          <a:bodyPr/>
-          <a:lstStyle/>
+        <p:spPr>
+          <a:xfrm>
+            <a:off x="2584312" y="6453386"/>
+            <a:ext cx="7023377" cy="404614"/>
+          </a:xfrm>
+        </p:spPr>
+        <p:txBody>
+          <a:bodyPr/>
+          <a:lstStyle>
+            <a:lvl1pPr algn="ctr">
+              <a:defRPr>
+                <a:solidFill>
+                  <a:schemeClr val="tx2"/>
+                </a:solidFill>
+              </a:defRPr>
+            </a:lvl1pPr>
+          </a:lstStyle>
           <a:p>
             <a:endParaRPr lang="en-US"/>
           </a:p>
@@ -1721,13 +1924,7 @@
       </p:sp>
       <p:sp>
         <p:nvSpPr>
-          <p:cNvPr id="6" name="Slide Number Placeholder 5">
-            <a:extLst>
-              <a:ext uri="{FF2B5EF4-FFF2-40B4-BE49-F238E27FC236}">
-                <a16:creationId xmlns:a16="http://schemas.microsoft.com/office/drawing/2014/main" id="{65D20AC6-C03F-9BD1-A253-037C102C1899}"/>
-              </a:ext>
-            </a:extLst>
-          </p:cNvPr>
+          <p:cNvPr id="6" name="Slide Number Placeholder 5"/>
           <p:cNvSpPr>
             <a:spLocks noGrp="1"/>
           </p:cNvSpPr>
@@ -1735,27 +1932,97 @@
             <p:ph type="sldNum" sz="quarter" idx="12"/>
           </p:nvPr>
         </p:nvSpPr>
-        <p:spPr/>
-        <p:txBody>
-          <a:bodyPr/>
-          <a:lstStyle/>
+        <p:spPr>
+          <a:xfrm>
+            <a:off x="9830683" y="6453386"/>
+            <a:ext cx="1596292" cy="404614"/>
+          </a:xfrm>
+        </p:spPr>
+        <p:txBody>
+          <a:bodyPr/>
+          <a:lstStyle>
+            <a:lvl1pPr>
+              <a:defRPr>
+                <a:solidFill>
+                  <a:schemeClr val="tx2"/>
+                </a:solidFill>
+              </a:defRPr>
+            </a:lvl1pPr>
+          </a:lstStyle>
           <a:p>
             <a:fld id="{1DE6C761-4CDB-C74E-971B-5AB3CC421502}" type="slidenum">
+              <a:rPr lang="en-US"/>
               <a:t>‹#›</a:t>
             </a:fld>
             <a:endParaRPr lang="en-US"/>
           </a:p>
         </p:txBody>
       </p:sp>
+      <p:sp>
+        <p:nvSpPr>
+          <p:cNvPr id="7" name="Freeform 6" title="Crop Mark"/>
+          <p:cNvSpPr/>
+          <p:nvPr/>
+        </p:nvSpPr>
+        <p:spPr bwMode="auto">
+          <a:xfrm>
+            <a:off x="8151962" y="1685652"/>
+            <a:ext cx="3275013" cy="4408488"/>
+          </a:xfrm>
+          <a:custGeom>
+            <a:avLst/>
+            <a:gdLst/>
+            <a:ahLst/>
+            <a:cxnLst/>
+            <a:rect l="0" t="0" r="r" b="b"/>
+            <a:pathLst>
+              <a:path w="4125" h="5554">
+                <a:moveTo>
+                  <a:pt x="3614" y="0"/>
+                </a:moveTo>
+                <a:lnTo>
+                  <a:pt x="4125" y="0"/>
+                </a:lnTo>
+                <a:lnTo>
+                  <a:pt x="4125" y="5554"/>
+                </a:lnTo>
+                <a:lnTo>
+                  <a:pt x="0" y="5554"/>
+                </a:lnTo>
+                <a:lnTo>
+                  <a:pt x="0" y="5074"/>
+                </a:lnTo>
+                <a:lnTo>
+                  <a:pt x="3614" y="5074"/>
+                </a:lnTo>
+                <a:lnTo>
+                  <a:pt x="3614" y="0"/>
+                </a:lnTo>
+                <a:close/>
+              </a:path>
+            </a:pathLst>
+          </a:custGeom>
+          <a:solidFill>
+            <a:schemeClr val="tx2"/>
+          </a:solidFill>
+          <a:ln w="0">
+            <a:noFill/>
+            <a:prstDash val="solid"/>
+            <a:round/>
+            <a:headEnd/>
+            <a:tailEnd/>
+          </a:ln>
+        </p:spPr>
+      </p:sp>
     </p:spTree>
     <p:extLst>
       <p:ext uri="{BB962C8B-B14F-4D97-AF65-F5344CB8AC3E}">
-        <p14:creationId xmlns:p14="http://schemas.microsoft.com/office/powerpoint/2010/main" val="4211758403"/>
+        <p14:creationId xmlns:p14="http://schemas.microsoft.com/office/powerpoint/2010/main" val="1105022570"/>
       </p:ext>
     </p:extLst>
   </p:cSld>
   <p:clrMapOvr>
-    <a:masterClrMapping/>
+    <a:overrideClrMapping bg1="dk1" tx1="lt1" bg2="dk2" tx2="lt2" accent1="accent1" accent2="accent2" accent3="accent3" accent4="accent4" accent5="accent5" accent6="accent6" hlink="hlink" folHlink="folHlink"/>
   </p:clrMapOvr>
 </p:sldLayout>
 </file>
@@ -1779,13 +2046,7 @@
       </p:grpSpPr>
       <p:sp>
         <p:nvSpPr>
-          <p:cNvPr id="2" name="Title 1">
-            <a:extLst>
-              <a:ext uri="{FF2B5EF4-FFF2-40B4-BE49-F238E27FC236}">
-                <a16:creationId xmlns:a16="http://schemas.microsoft.com/office/drawing/2014/main" id="{112BD70F-EC1B-1934-04B9-581947EF7F24}"/>
-              </a:ext>
-            </a:extLst>
-          </p:cNvPr>
+          <p:cNvPr id="2" name="Title 1"/>
           <p:cNvSpPr>
             <a:spLocks noGrp="1"/>
           </p:cNvSpPr>
@@ -1796,10 +2057,18 @@
         <p:spPr/>
         <p:txBody>
           <a:bodyPr/>
-          <a:lstStyle/>
-          <a:p>
-            <a:r>
-              <a:rPr lang="en-US"/>
+          <a:lstStyle>
+            <a:lvl1pPr>
+              <a:defRPr>
+                <a:solidFill>
+                  <a:schemeClr val="tx2"/>
+                </a:solidFill>
+              </a:defRPr>
+            </a:lvl1pPr>
+          </a:lstStyle>
+          <a:p>
+            <a:r>
+              <a:rPr lang="en-US" dirty="0"/>
               <a:t>Click to edit Master title style</a:t>
             </a:r>
           </a:p>
@@ -1807,13 +2076,7 @@
       </p:sp>
       <p:sp>
         <p:nvSpPr>
-          <p:cNvPr id="3" name="Content Placeholder 2">
-            <a:extLst>
-              <a:ext uri="{FF2B5EF4-FFF2-40B4-BE49-F238E27FC236}">
-                <a16:creationId xmlns:a16="http://schemas.microsoft.com/office/drawing/2014/main" id="{B6800CB3-7780-CAEC-7091-38E5BF652EE9}"/>
-              </a:ext>
-            </a:extLst>
-          </p:cNvPr>
+          <p:cNvPr id="3" name="Content Placeholder 2"/>
           <p:cNvSpPr>
             <a:spLocks noGrp="1"/>
           </p:cNvSpPr>
@@ -1823,45 +2086,81 @@
         </p:nvSpPr>
         <p:spPr>
           <a:xfrm>
-            <a:off x="838200" y="1825625"/>
-            <a:ext cx="5181600" cy="4351338"/>
+            <a:off x="1371600" y="2285999"/>
+            <a:ext cx="4447786" cy="3581401"/>
           </a:xfrm>
         </p:spPr>
         <p:txBody>
           <a:bodyPr/>
-          <a:lstStyle/>
+          <a:lstStyle>
+            <a:lvl1pPr>
+              <a:defRPr baseline="0">
+                <a:solidFill>
+                  <a:schemeClr val="tx2"/>
+                </a:solidFill>
+              </a:defRPr>
+            </a:lvl1pPr>
+            <a:lvl2pPr>
+              <a:defRPr baseline="0">
+                <a:solidFill>
+                  <a:schemeClr val="tx2"/>
+                </a:solidFill>
+              </a:defRPr>
+            </a:lvl2pPr>
+            <a:lvl3pPr>
+              <a:defRPr baseline="0">
+                <a:solidFill>
+                  <a:schemeClr val="tx2"/>
+                </a:solidFill>
+              </a:defRPr>
+            </a:lvl3pPr>
+            <a:lvl4pPr>
+              <a:defRPr baseline="0">
+                <a:solidFill>
+                  <a:schemeClr val="tx2"/>
+                </a:solidFill>
+              </a:defRPr>
+            </a:lvl4pPr>
+            <a:lvl5pPr>
+              <a:defRPr baseline="0">
+                <a:solidFill>
+                  <a:schemeClr val="tx2"/>
+                </a:solidFill>
+              </a:defRPr>
+            </a:lvl5pPr>
+          </a:lstStyle>
           <a:p>
             <a:pPr lvl="0"/>
             <a:r>
-              <a:rPr lang="en-US"/>
+              <a:rPr lang="en-US" dirty="0"/>
               <a:t>Click to edit Master text styles</a:t>
             </a:r>
           </a:p>
           <a:p>
             <a:pPr lvl="1"/>
             <a:r>
-              <a:rPr lang="en-US"/>
+              <a:rPr lang="en-US" dirty="0"/>
               <a:t>Second level</a:t>
             </a:r>
           </a:p>
           <a:p>
             <a:pPr lvl="2"/>
             <a:r>
-              <a:rPr lang="en-US"/>
+              <a:rPr lang="en-US" dirty="0"/>
               <a:t>Third level</a:t>
             </a:r>
           </a:p>
           <a:p>
             <a:pPr lvl="3"/>
             <a:r>
-              <a:rPr lang="en-US"/>
+              <a:rPr lang="en-US" dirty="0"/>
               <a:t>Fourth level</a:t>
             </a:r>
           </a:p>
           <a:p>
             <a:pPr lvl="4"/>
             <a:r>
-              <a:rPr lang="en-US"/>
+              <a:rPr lang="en-US" dirty="0"/>
               <a:t>Fifth level</a:t>
             </a:r>
           </a:p>
@@ -1869,13 +2168,7 @@
       </p:sp>
       <p:sp>
         <p:nvSpPr>
-          <p:cNvPr id="4" name="Content Placeholder 3">
-            <a:extLst>
-              <a:ext uri="{FF2B5EF4-FFF2-40B4-BE49-F238E27FC236}">
-                <a16:creationId xmlns:a16="http://schemas.microsoft.com/office/drawing/2014/main" id="{29311B5F-BBBC-F221-23FB-9867FE2712C2}"/>
-              </a:ext>
-            </a:extLst>
-          </p:cNvPr>
+          <p:cNvPr id="4" name="Content Placeholder 3"/>
           <p:cNvSpPr>
             <a:spLocks noGrp="1"/>
           </p:cNvSpPr>
@@ -1885,45 +2178,81 @@
         </p:nvSpPr>
         <p:spPr>
           <a:xfrm>
-            <a:off x="6172200" y="1825625"/>
-            <a:ext cx="5181600" cy="4351338"/>
+            <a:off x="6525403" y="2285999"/>
+            <a:ext cx="4447786" cy="3581401"/>
           </a:xfrm>
         </p:spPr>
         <p:txBody>
           <a:bodyPr/>
-          <a:lstStyle/>
+          <a:lstStyle>
+            <a:lvl1pPr>
+              <a:defRPr>
+                <a:solidFill>
+                  <a:schemeClr val="tx2"/>
+                </a:solidFill>
+              </a:defRPr>
+            </a:lvl1pPr>
+            <a:lvl2pPr>
+              <a:defRPr>
+                <a:solidFill>
+                  <a:schemeClr val="tx2"/>
+                </a:solidFill>
+              </a:defRPr>
+            </a:lvl2pPr>
+            <a:lvl3pPr>
+              <a:defRPr>
+                <a:solidFill>
+                  <a:schemeClr val="tx2"/>
+                </a:solidFill>
+              </a:defRPr>
+            </a:lvl3pPr>
+            <a:lvl4pPr>
+              <a:defRPr>
+                <a:solidFill>
+                  <a:schemeClr val="tx2"/>
+                </a:solidFill>
+              </a:defRPr>
+            </a:lvl4pPr>
+            <a:lvl5pPr>
+              <a:defRPr>
+                <a:solidFill>
+                  <a:schemeClr val="tx2"/>
+                </a:solidFill>
+              </a:defRPr>
+            </a:lvl5pPr>
+          </a:lstStyle>
           <a:p>
             <a:pPr lvl="0"/>
             <a:r>
-              <a:rPr lang="en-US"/>
+              <a:rPr lang="en-US" dirty="0"/>
               <a:t>Click to edit Master text styles</a:t>
             </a:r>
           </a:p>
           <a:p>
             <a:pPr lvl="1"/>
             <a:r>
-              <a:rPr lang="en-US"/>
+              <a:rPr lang="en-US" dirty="0"/>
               <a:t>Second level</a:t>
             </a:r>
           </a:p>
           <a:p>
             <a:pPr lvl="2"/>
             <a:r>
-              <a:rPr lang="en-US"/>
+              <a:rPr lang="en-US" dirty="0"/>
               <a:t>Third level</a:t>
             </a:r>
           </a:p>
           <a:p>
             <a:pPr lvl="3"/>
             <a:r>
-              <a:rPr lang="en-US"/>
+              <a:rPr lang="en-US" dirty="0"/>
               <a:t>Fourth level</a:t>
             </a:r>
           </a:p>
           <a:p>
             <a:pPr lvl="4"/>
             <a:r>
-              <a:rPr lang="en-US"/>
+              <a:rPr lang="en-US" dirty="0"/>
               <a:t>Fifth level</a:t>
             </a:r>
           </a:p>
@@ -1931,13 +2260,7 @@
       </p:sp>
       <p:sp>
         <p:nvSpPr>
-          <p:cNvPr id="5" name="Date Placeholder 4">
-            <a:extLst>
-              <a:ext uri="{FF2B5EF4-FFF2-40B4-BE49-F238E27FC236}">
-                <a16:creationId xmlns:a16="http://schemas.microsoft.com/office/drawing/2014/main" id="{845A16E9-3DFE-B316-9CAD-FDEF6610CD0F}"/>
-              </a:ext>
-            </a:extLst>
-          </p:cNvPr>
+          <p:cNvPr id="5" name="Date Placeholder 4"/>
           <p:cNvSpPr>
             <a:spLocks noGrp="1"/>
           </p:cNvSpPr>
@@ -1951,7 +2274,7 @@
           <a:lstStyle/>
           <a:p>
             <a:fld id="{B70BB86D-EC77-5A41-946D-4EF223B166ED}" type="datetimeFigureOut">
-              <a:t>12/2/24</a:t>
+              <a:t>12/4/24</a:t>
             </a:fld>
             <a:endParaRPr lang="en-US"/>
           </a:p>
@@ -1959,13 +2282,7 @@
       </p:sp>
       <p:sp>
         <p:nvSpPr>
-          <p:cNvPr id="6" name="Footer Placeholder 5">
-            <a:extLst>
-              <a:ext uri="{FF2B5EF4-FFF2-40B4-BE49-F238E27FC236}">
-                <a16:creationId xmlns:a16="http://schemas.microsoft.com/office/drawing/2014/main" id="{FFCDADCB-CE70-5A7F-A71E-A5300A9FAFBE}"/>
-              </a:ext>
-            </a:extLst>
-          </p:cNvPr>
+          <p:cNvPr id="6" name="Footer Placeholder 5"/>
           <p:cNvSpPr>
             <a:spLocks noGrp="1"/>
           </p:cNvSpPr>
@@ -1984,13 +2301,7 @@
       </p:sp>
       <p:sp>
         <p:nvSpPr>
-          <p:cNvPr id="7" name="Slide Number Placeholder 6">
-            <a:extLst>
-              <a:ext uri="{FF2B5EF4-FFF2-40B4-BE49-F238E27FC236}">
-                <a16:creationId xmlns:a16="http://schemas.microsoft.com/office/drawing/2014/main" id="{0AA33644-88EB-50F5-DB00-C24F00CCDE65}"/>
-              </a:ext>
-            </a:extLst>
-          </p:cNvPr>
+          <p:cNvPr id="7" name="Slide Number Placeholder 6"/>
           <p:cNvSpPr>
             <a:spLocks noGrp="1"/>
           </p:cNvSpPr>
@@ -2004,6 +2315,7 @@
           <a:lstStyle/>
           <a:p>
             <a:fld id="{1DE6C761-4CDB-C74E-971B-5AB3CC421502}" type="slidenum">
+              <a:rPr lang="en-US"/>
               <a:t>‹#›</a:t>
             </a:fld>
             <a:endParaRPr lang="en-US"/>
@@ -2013,7 +2325,7 @@
     </p:spTree>
     <p:extLst>
       <p:ext uri="{BB962C8B-B14F-4D97-AF65-F5344CB8AC3E}">
-        <p14:creationId xmlns:p14="http://schemas.microsoft.com/office/powerpoint/2010/main" val="3539334260"/>
+        <p14:creationId xmlns:p14="http://schemas.microsoft.com/office/powerpoint/2010/main" val="3155548948"/>
       </p:ext>
     </p:extLst>
   </p:cSld>
@@ -2042,13 +2354,7 @@
       </p:grpSpPr>
       <p:sp>
         <p:nvSpPr>
-          <p:cNvPr id="2" name="Title 1">
-            <a:extLst>
-              <a:ext uri="{FF2B5EF4-FFF2-40B4-BE49-F238E27FC236}">
-                <a16:creationId xmlns:a16="http://schemas.microsoft.com/office/drawing/2014/main" id="{01335851-5C1F-B946-0F8E-7C166532A622}"/>
-              </a:ext>
-            </a:extLst>
-          </p:cNvPr>
+          <p:cNvPr id="2" name="Title 1"/>
           <p:cNvSpPr>
             <a:spLocks noGrp="1"/>
           </p:cNvSpPr>
@@ -2058,16 +2364,24 @@
         </p:nvSpPr>
         <p:spPr>
           <a:xfrm>
-            <a:off x="839788" y="365125"/>
-            <a:ext cx="10515600" cy="1325563"/>
+            <a:off x="1371600" y="685800"/>
+            <a:ext cx="9601200" cy="1485900"/>
           </a:xfrm>
         </p:spPr>
         <p:txBody>
           <a:bodyPr/>
-          <a:lstStyle/>
-          <a:p>
-            <a:r>
-              <a:rPr lang="en-US"/>
+          <a:lstStyle>
+            <a:lvl1pPr>
+              <a:defRPr>
+                <a:solidFill>
+                  <a:schemeClr val="tx2"/>
+                </a:solidFill>
+              </a:defRPr>
+            </a:lvl1pPr>
+          </a:lstStyle>
+          <a:p>
+            <a:r>
+              <a:rPr lang="en-US" dirty="0"/>
               <a:t>Click to edit Master title style</a:t>
             </a:r>
           </a:p>
@@ -2075,13 +2389,7 @@
       </p:sp>
       <p:sp>
         <p:nvSpPr>
-          <p:cNvPr id="3" name="Text Placeholder 2">
-            <a:extLst>
-              <a:ext uri="{FF2B5EF4-FFF2-40B4-BE49-F238E27FC236}">
-                <a16:creationId xmlns:a16="http://schemas.microsoft.com/office/drawing/2014/main" id="{CEFF23B0-781F-DFE6-931F-E44815835F97}"/>
-              </a:ext>
-            </a:extLst>
-          </p:cNvPr>
+          <p:cNvPr id="3" name="Text Placeholder 2"/>
           <p:cNvSpPr>
             <a:spLocks noGrp="1"/>
           </p:cNvSpPr>
@@ -2091,16 +2399,31 @@
         </p:nvSpPr>
         <p:spPr>
           <a:xfrm>
-            <a:off x="839788" y="1681163"/>
-            <a:ext cx="5157787" cy="823912"/>
+            <a:off x="1371600" y="2340864"/>
+            <a:ext cx="4443984" cy="823912"/>
           </a:xfrm>
         </p:spPr>
         <p:txBody>
-          <a:bodyPr anchor="b"/>
+          <a:bodyPr anchor="b">
+            <a:noAutofit/>
+          </a:bodyPr>
           <a:lstStyle>
             <a:lvl1pPr marL="0" indent="0">
+              <a:lnSpc>
+                <a:spcPct val="84000"/>
+              </a:lnSpc>
+              <a:spcBef>
+                <a:spcPts val="0"/>
+              </a:spcBef>
+              <a:spcAft>
+                <a:spcPts val="0"/>
+              </a:spcAft>
               <a:buNone/>
-              <a:defRPr sz="2400" b="1"/>
+              <a:defRPr sz="3000" b="0" baseline="0">
+                <a:solidFill>
+                  <a:schemeClr val="tx2"/>
+                </a:solidFill>
+              </a:defRPr>
             </a:lvl1pPr>
             <a:lvl2pPr marL="457200" indent="0">
               <a:buNone/>
@@ -2138,7 +2461,7 @@
           <a:p>
             <a:pPr lvl="0"/>
             <a:r>
-              <a:rPr lang="en-US"/>
+              <a:rPr lang="en-US" dirty="0"/>
               <a:t>Click to edit Master text styles</a:t>
             </a:r>
           </a:p>
@@ -2146,13 +2469,7 @@
       </p:sp>
       <p:sp>
         <p:nvSpPr>
-          <p:cNvPr id="4" name="Content Placeholder 3">
-            <a:extLst>
-              <a:ext uri="{FF2B5EF4-FFF2-40B4-BE49-F238E27FC236}">
-                <a16:creationId xmlns:a16="http://schemas.microsoft.com/office/drawing/2014/main" id="{D5071D48-C3F9-F246-C9ED-14CDFFA7B731}"/>
-              </a:ext>
-            </a:extLst>
-          </p:cNvPr>
+          <p:cNvPr id="4" name="Content Placeholder 3"/>
           <p:cNvSpPr>
             <a:spLocks noGrp="1"/>
           </p:cNvSpPr>
@@ -2162,45 +2479,81 @@
         </p:nvSpPr>
         <p:spPr>
           <a:xfrm>
-            <a:off x="839788" y="2505075"/>
-            <a:ext cx="5157787" cy="3684588"/>
+            <a:off x="1371600" y="3305207"/>
+            <a:ext cx="4443984" cy="2562193"/>
           </a:xfrm>
         </p:spPr>
         <p:txBody>
           <a:bodyPr/>
-          <a:lstStyle/>
+          <a:lstStyle>
+            <a:lvl1pPr>
+              <a:defRPr baseline="0">
+                <a:solidFill>
+                  <a:schemeClr val="tx2"/>
+                </a:solidFill>
+              </a:defRPr>
+            </a:lvl1pPr>
+            <a:lvl2pPr>
+              <a:defRPr baseline="0">
+                <a:solidFill>
+                  <a:schemeClr val="tx2"/>
+                </a:solidFill>
+              </a:defRPr>
+            </a:lvl2pPr>
+            <a:lvl3pPr>
+              <a:defRPr baseline="0">
+                <a:solidFill>
+                  <a:schemeClr val="tx2"/>
+                </a:solidFill>
+              </a:defRPr>
+            </a:lvl3pPr>
+            <a:lvl4pPr>
+              <a:defRPr baseline="0">
+                <a:solidFill>
+                  <a:schemeClr val="tx2"/>
+                </a:solidFill>
+              </a:defRPr>
+            </a:lvl4pPr>
+            <a:lvl5pPr>
+              <a:defRPr baseline="0">
+                <a:solidFill>
+                  <a:schemeClr val="tx2"/>
+                </a:solidFill>
+              </a:defRPr>
+            </a:lvl5pPr>
+          </a:lstStyle>
           <a:p>
             <a:pPr lvl="0"/>
             <a:r>
-              <a:rPr lang="en-US"/>
+              <a:rPr lang="en-US" dirty="0"/>
               <a:t>Click to edit Master text styles</a:t>
             </a:r>
           </a:p>
           <a:p>
             <a:pPr lvl="1"/>
             <a:r>
-              <a:rPr lang="en-US"/>
+              <a:rPr lang="en-US" dirty="0"/>
               <a:t>Second level</a:t>
             </a:r>
           </a:p>
           <a:p>
             <a:pPr lvl="2"/>
             <a:r>
-              <a:rPr lang="en-US"/>
+              <a:rPr lang="en-US" dirty="0"/>
               <a:t>Third level</a:t>
             </a:r>
           </a:p>
           <a:p>
             <a:pPr lvl="3"/>
             <a:r>
-              <a:rPr lang="en-US"/>
+              <a:rPr lang="en-US" dirty="0"/>
               <a:t>Fourth level</a:t>
             </a:r>
           </a:p>
           <a:p>
             <a:pPr lvl="4"/>
             <a:r>
-              <a:rPr lang="en-US"/>
+              <a:rPr lang="en-US" dirty="0"/>
               <a:t>Fifth level</a:t>
             </a:r>
           </a:p>
@@ -2208,13 +2561,7 @@
       </p:sp>
       <p:sp>
         <p:nvSpPr>
-          <p:cNvPr id="5" name="Text Placeholder 4">
-            <a:extLst>
-              <a:ext uri="{FF2B5EF4-FFF2-40B4-BE49-F238E27FC236}">
-                <a16:creationId xmlns:a16="http://schemas.microsoft.com/office/drawing/2014/main" id="{AFC3F1B2-A9A1-8418-4BAC-9E4D58B3C080}"/>
-              </a:ext>
-            </a:extLst>
-          </p:cNvPr>
+          <p:cNvPr id="5" name="Text Placeholder 4"/>
           <p:cNvSpPr>
             <a:spLocks noGrp="1"/>
           </p:cNvSpPr>
@@ -2224,16 +2571,31 @@
         </p:nvSpPr>
         <p:spPr>
           <a:xfrm>
-            <a:off x="6172200" y="1681163"/>
-            <a:ext cx="5183188" cy="823912"/>
+            <a:off x="6525014" y="2340864"/>
+            <a:ext cx="4443984" cy="823912"/>
           </a:xfrm>
         </p:spPr>
         <p:txBody>
-          <a:bodyPr anchor="b"/>
+          <a:bodyPr anchor="b">
+            <a:noAutofit/>
+          </a:bodyPr>
           <a:lstStyle>
             <a:lvl1pPr marL="0" indent="0">
+              <a:lnSpc>
+                <a:spcPct val="84000"/>
+              </a:lnSpc>
+              <a:spcBef>
+                <a:spcPts val="0"/>
+              </a:spcBef>
+              <a:spcAft>
+                <a:spcPts val="0"/>
+              </a:spcAft>
               <a:buNone/>
-              <a:defRPr sz="2400" b="1"/>
+              <a:defRPr sz="3000" b="0" baseline="0">
+                <a:solidFill>
+                  <a:schemeClr val="tx2"/>
+                </a:solidFill>
+              </a:defRPr>
             </a:lvl1pPr>
             <a:lvl2pPr marL="457200" indent="0">
               <a:buNone/>
@@ -2271,7 +2633,7 @@
           <a:p>
             <a:pPr lvl="0"/>
             <a:r>
-              <a:rPr lang="en-US"/>
+              <a:rPr lang="en-US" dirty="0"/>
               <a:t>Click to edit Master text styles</a:t>
             </a:r>
           </a:p>
@@ -2279,13 +2641,7 @@
       </p:sp>
       <p:sp>
         <p:nvSpPr>
-          <p:cNvPr id="6" name="Content Placeholder 5">
-            <a:extLst>
-              <a:ext uri="{FF2B5EF4-FFF2-40B4-BE49-F238E27FC236}">
-                <a16:creationId xmlns:a16="http://schemas.microsoft.com/office/drawing/2014/main" id="{DBE647B2-66FB-F1D3-7CAB-E688C7D5A813}"/>
-              </a:ext>
-            </a:extLst>
-          </p:cNvPr>
+          <p:cNvPr id="6" name="Content Placeholder 5"/>
           <p:cNvSpPr>
             <a:spLocks noGrp="1"/>
           </p:cNvSpPr>
@@ -2295,45 +2651,81 @@
         </p:nvSpPr>
         <p:spPr>
           <a:xfrm>
-            <a:off x="6172200" y="2505075"/>
-            <a:ext cx="5183188" cy="3684588"/>
+            <a:off x="6525014" y="3305207"/>
+            <a:ext cx="4443984" cy="2562193"/>
           </a:xfrm>
         </p:spPr>
         <p:txBody>
           <a:bodyPr/>
-          <a:lstStyle/>
+          <a:lstStyle>
+            <a:lvl1pPr>
+              <a:defRPr baseline="0">
+                <a:solidFill>
+                  <a:schemeClr val="tx2"/>
+                </a:solidFill>
+              </a:defRPr>
+            </a:lvl1pPr>
+            <a:lvl2pPr>
+              <a:defRPr baseline="0">
+                <a:solidFill>
+                  <a:schemeClr val="tx2"/>
+                </a:solidFill>
+              </a:defRPr>
+            </a:lvl2pPr>
+            <a:lvl3pPr>
+              <a:defRPr baseline="0">
+                <a:solidFill>
+                  <a:schemeClr val="tx2"/>
+                </a:solidFill>
+              </a:defRPr>
+            </a:lvl3pPr>
+            <a:lvl4pPr>
+              <a:defRPr baseline="0">
+                <a:solidFill>
+                  <a:schemeClr val="tx2"/>
+                </a:solidFill>
+              </a:defRPr>
+            </a:lvl4pPr>
+            <a:lvl5pPr>
+              <a:defRPr baseline="0">
+                <a:solidFill>
+                  <a:schemeClr val="tx2"/>
+                </a:solidFill>
+              </a:defRPr>
+            </a:lvl5pPr>
+          </a:lstStyle>
           <a:p>
             <a:pPr lvl="0"/>
             <a:r>
-              <a:rPr lang="en-US"/>
+              <a:rPr lang="en-US" dirty="0"/>
               <a:t>Click to edit Master text styles</a:t>
             </a:r>
           </a:p>
           <a:p>
             <a:pPr lvl="1"/>
             <a:r>
-              <a:rPr lang="en-US"/>
+              <a:rPr lang="en-US" dirty="0"/>
               <a:t>Second level</a:t>
             </a:r>
           </a:p>
           <a:p>
             <a:pPr lvl="2"/>
             <a:r>
-              <a:rPr lang="en-US"/>
+              <a:rPr lang="en-US" dirty="0"/>
               <a:t>Third level</a:t>
             </a:r>
           </a:p>
           <a:p>
             <a:pPr lvl="3"/>
             <a:r>
-              <a:rPr lang="en-US"/>
+              <a:rPr lang="en-US" dirty="0"/>
               <a:t>Fourth level</a:t>
             </a:r>
           </a:p>
           <a:p>
             <a:pPr lvl="4"/>
             <a:r>
-              <a:rPr lang="en-US"/>
+              <a:rPr lang="en-US" dirty="0"/>
               <a:t>Fifth level</a:t>
             </a:r>
           </a:p>
@@ -2341,13 +2733,7 @@
       </p:sp>
       <p:sp>
         <p:nvSpPr>
-          <p:cNvPr id="7" name="Date Placeholder 6">
-            <a:extLst>
-              <a:ext uri="{FF2B5EF4-FFF2-40B4-BE49-F238E27FC236}">
-                <a16:creationId xmlns:a16="http://schemas.microsoft.com/office/drawing/2014/main" id="{0368CCB0-0127-D816-6A35-576EA14F3CF4}"/>
-              </a:ext>
-            </a:extLst>
-          </p:cNvPr>
+          <p:cNvPr id="7" name="Date Placeholder 6"/>
           <p:cNvSpPr>
             <a:spLocks noGrp="1"/>
           </p:cNvSpPr>
@@ -2361,7 +2747,7 @@
           <a:lstStyle/>
           <a:p>
             <a:fld id="{B70BB86D-EC77-5A41-946D-4EF223B166ED}" type="datetimeFigureOut">
-              <a:t>12/2/24</a:t>
+              <a:t>12/4/24</a:t>
             </a:fld>
             <a:endParaRPr lang="en-US"/>
           </a:p>
@@ -2369,13 +2755,7 @@
       </p:sp>
       <p:sp>
         <p:nvSpPr>
-          <p:cNvPr id="8" name="Footer Placeholder 7">
-            <a:extLst>
-              <a:ext uri="{FF2B5EF4-FFF2-40B4-BE49-F238E27FC236}">
-                <a16:creationId xmlns:a16="http://schemas.microsoft.com/office/drawing/2014/main" id="{EFA7AB0F-55A9-6232-1B7C-2C1E6C4AB5E5}"/>
-              </a:ext>
-            </a:extLst>
-          </p:cNvPr>
+          <p:cNvPr id="8" name="Footer Placeholder 7"/>
           <p:cNvSpPr>
             <a:spLocks noGrp="1"/>
           </p:cNvSpPr>
@@ -2394,13 +2774,7 @@
       </p:sp>
       <p:sp>
         <p:nvSpPr>
-          <p:cNvPr id="9" name="Slide Number Placeholder 8">
-            <a:extLst>
-              <a:ext uri="{FF2B5EF4-FFF2-40B4-BE49-F238E27FC236}">
-                <a16:creationId xmlns:a16="http://schemas.microsoft.com/office/drawing/2014/main" id="{D595479A-015F-E6B8-1930-07DDD4C08CC6}"/>
-              </a:ext>
-            </a:extLst>
-          </p:cNvPr>
+          <p:cNvPr id="9" name="Slide Number Placeholder 8"/>
           <p:cNvSpPr>
             <a:spLocks noGrp="1"/>
           </p:cNvSpPr>
@@ -2414,6 +2788,7 @@
           <a:lstStyle/>
           <a:p>
             <a:fld id="{1DE6C761-4CDB-C74E-971B-5AB3CC421502}" type="slidenum">
+              <a:rPr lang="en-US"/>
               <a:t>‹#›</a:t>
             </a:fld>
             <a:endParaRPr lang="en-US"/>
@@ -2423,7 +2798,7 @@
     </p:spTree>
     <p:extLst>
       <p:ext uri="{BB962C8B-B14F-4D97-AF65-F5344CB8AC3E}">
-        <p14:creationId xmlns:p14="http://schemas.microsoft.com/office/powerpoint/2010/main" val="3968865221"/>
+        <p14:creationId xmlns:p14="http://schemas.microsoft.com/office/powerpoint/2010/main" val="3420600521"/>
       </p:ext>
     </p:extLst>
   </p:cSld>
@@ -2452,13 +2827,7 @@
       </p:grpSpPr>
       <p:sp>
         <p:nvSpPr>
-          <p:cNvPr id="2" name="Title 1">
-            <a:extLst>
-              <a:ext uri="{FF2B5EF4-FFF2-40B4-BE49-F238E27FC236}">
-                <a16:creationId xmlns:a16="http://schemas.microsoft.com/office/drawing/2014/main" id="{076C63C6-EB1F-6B84-D519-5325953CBDD0}"/>
-              </a:ext>
-            </a:extLst>
-          </p:cNvPr>
+          <p:cNvPr id="2" name="Title 1"/>
           <p:cNvSpPr>
             <a:spLocks noGrp="1"/>
           </p:cNvSpPr>
@@ -2472,7 +2841,7 @@
           <a:lstStyle/>
           <a:p>
             <a:r>
-              <a:rPr lang="en-US"/>
+              <a:rPr lang="en-US" dirty="0"/>
               <a:t>Click to edit Master title style</a:t>
             </a:r>
           </a:p>
@@ -2480,13 +2849,7 @@
       </p:sp>
       <p:sp>
         <p:nvSpPr>
-          <p:cNvPr id="3" name="Date Placeholder 2">
-            <a:extLst>
-              <a:ext uri="{FF2B5EF4-FFF2-40B4-BE49-F238E27FC236}">
-                <a16:creationId xmlns:a16="http://schemas.microsoft.com/office/drawing/2014/main" id="{2E7ED812-00EE-C8E0-EDEF-6204397C1556}"/>
-              </a:ext>
-            </a:extLst>
-          </p:cNvPr>
+          <p:cNvPr id="3" name="Date Placeholder 2"/>
           <p:cNvSpPr>
             <a:spLocks noGrp="1"/>
           </p:cNvSpPr>
@@ -2500,7 +2863,7 @@
           <a:lstStyle/>
           <a:p>
             <a:fld id="{B70BB86D-EC77-5A41-946D-4EF223B166ED}" type="datetimeFigureOut">
-              <a:t>12/2/24</a:t>
+              <a:t>12/4/24</a:t>
             </a:fld>
             <a:endParaRPr lang="en-US"/>
           </a:p>
@@ -2508,13 +2871,7 @@
       </p:sp>
       <p:sp>
         <p:nvSpPr>
-          <p:cNvPr id="4" name="Footer Placeholder 3">
-            <a:extLst>
-              <a:ext uri="{FF2B5EF4-FFF2-40B4-BE49-F238E27FC236}">
-                <a16:creationId xmlns:a16="http://schemas.microsoft.com/office/drawing/2014/main" id="{A67C36FD-D432-7F55-90BE-87AAC795F5AA}"/>
-              </a:ext>
-            </a:extLst>
-          </p:cNvPr>
+          <p:cNvPr id="4" name="Footer Placeholder 3"/>
           <p:cNvSpPr>
             <a:spLocks noGrp="1"/>
           </p:cNvSpPr>
@@ -2533,13 +2890,7 @@
       </p:sp>
       <p:sp>
         <p:nvSpPr>
-          <p:cNvPr id="5" name="Slide Number Placeholder 4">
-            <a:extLst>
-              <a:ext uri="{FF2B5EF4-FFF2-40B4-BE49-F238E27FC236}">
-                <a16:creationId xmlns:a16="http://schemas.microsoft.com/office/drawing/2014/main" id="{BD59DB4D-9324-CD5B-CDE2-2A9B7B78EC35}"/>
-              </a:ext>
-            </a:extLst>
-          </p:cNvPr>
+          <p:cNvPr id="5" name="Slide Number Placeholder 4"/>
           <p:cNvSpPr>
             <a:spLocks noGrp="1"/>
           </p:cNvSpPr>
@@ -2553,6 +2904,7 @@
           <a:lstStyle/>
           <a:p>
             <a:fld id="{1DE6C761-4CDB-C74E-971B-5AB3CC421502}" type="slidenum">
+              <a:rPr lang="en-US"/>
               <a:t>‹#›</a:t>
             </a:fld>
             <a:endParaRPr lang="en-US"/>
@@ -2562,7 +2914,7 @@
     </p:spTree>
     <p:extLst>
       <p:ext uri="{BB962C8B-B14F-4D97-AF65-F5344CB8AC3E}">
-        <p14:creationId xmlns:p14="http://schemas.microsoft.com/office/powerpoint/2010/main" val="2257782650"/>
+        <p14:creationId xmlns:p14="http://schemas.microsoft.com/office/powerpoint/2010/main" val="1705046065"/>
       </p:ext>
     </p:extLst>
   </p:cSld>
@@ -2591,13 +2943,7 @@
       </p:grpSpPr>
       <p:sp>
         <p:nvSpPr>
-          <p:cNvPr id="2" name="Date Placeholder 1">
-            <a:extLst>
-              <a:ext uri="{FF2B5EF4-FFF2-40B4-BE49-F238E27FC236}">
-                <a16:creationId xmlns:a16="http://schemas.microsoft.com/office/drawing/2014/main" id="{25854697-556D-3E7A-1CAD-ED30CE937B04}"/>
-              </a:ext>
-            </a:extLst>
-          </p:cNvPr>
+          <p:cNvPr id="2" name="Date Placeholder 1"/>
           <p:cNvSpPr>
             <a:spLocks noGrp="1"/>
           </p:cNvSpPr>
@@ -2611,7 +2957,7 @@
           <a:lstStyle/>
           <a:p>
             <a:fld id="{B70BB86D-EC77-5A41-946D-4EF223B166ED}" type="datetimeFigureOut">
-              <a:t>12/2/24</a:t>
+              <a:t>12/4/24</a:t>
             </a:fld>
             <a:endParaRPr lang="en-US"/>
           </a:p>
@@ -2619,13 +2965,7 @@
       </p:sp>
       <p:sp>
         <p:nvSpPr>
-          <p:cNvPr id="3" name="Footer Placeholder 2">
-            <a:extLst>
-              <a:ext uri="{FF2B5EF4-FFF2-40B4-BE49-F238E27FC236}">
-                <a16:creationId xmlns:a16="http://schemas.microsoft.com/office/drawing/2014/main" id="{6E3FA833-A073-8072-0AC8-D30F55A20E89}"/>
-              </a:ext>
-            </a:extLst>
-          </p:cNvPr>
+          <p:cNvPr id="3" name="Footer Placeholder 2"/>
           <p:cNvSpPr>
             <a:spLocks noGrp="1"/>
           </p:cNvSpPr>
@@ -2644,13 +2984,7 @@
       </p:sp>
       <p:sp>
         <p:nvSpPr>
-          <p:cNvPr id="4" name="Slide Number Placeholder 3">
-            <a:extLst>
-              <a:ext uri="{FF2B5EF4-FFF2-40B4-BE49-F238E27FC236}">
-                <a16:creationId xmlns:a16="http://schemas.microsoft.com/office/drawing/2014/main" id="{6CC693EB-2F4B-28D4-34B3-DF2D9F8F6E40}"/>
-              </a:ext>
-            </a:extLst>
-          </p:cNvPr>
+          <p:cNvPr id="4" name="Slide Number Placeholder 3"/>
           <p:cNvSpPr>
             <a:spLocks noGrp="1"/>
           </p:cNvSpPr>
@@ -2664,6 +2998,7 @@
           <a:lstStyle/>
           <a:p>
             <a:fld id="{1DE6C761-4CDB-C74E-971B-5AB3CC421502}" type="slidenum">
+              <a:rPr lang="en-US"/>
               <a:t>‹#›</a:t>
             </a:fld>
             <a:endParaRPr lang="en-US"/>
@@ -2673,7 +3008,7 @@
     </p:spTree>
     <p:extLst>
       <p:ext uri="{BB962C8B-B14F-4D97-AF65-F5344CB8AC3E}">
-        <p14:creationId xmlns:p14="http://schemas.microsoft.com/office/powerpoint/2010/main" val="3930791714"/>
+        <p14:creationId xmlns:p14="http://schemas.microsoft.com/office/powerpoint/2010/main" val="2734504978"/>
       </p:ext>
     </p:extLst>
   </p:cSld>
@@ -2684,7 +3019,7 @@
 </file>
 
 <file path=ppt/slideLayouts/slideLayout8.xml><?xml version="1.0" encoding="utf-8"?>
-<p:sldLayout xmlns:a="http://schemas.openxmlformats.org/drawingml/2006/main" xmlns:r="http://schemas.openxmlformats.org/officeDocument/2006/relationships" xmlns:p="http://schemas.openxmlformats.org/presentationml/2006/main" type="objTx" preserve="1">
+<p:sldLayout xmlns:a="http://schemas.openxmlformats.org/drawingml/2006/main" xmlns:r="http://schemas.openxmlformats.org/officeDocument/2006/relationships" xmlns:p="http://schemas.openxmlformats.org/presentationml/2006/main" showMasterSp="0" type="objTx" preserve="1">
   <p:cSld name="Content with Caption">
     <p:spTree>
       <p:nvGrpSpPr>
@@ -2702,36 +3037,77 @@
       </p:grpSpPr>
       <p:sp>
         <p:nvSpPr>
-          <p:cNvPr id="2" name="Title 1">
-            <a:extLst>
-              <a:ext uri="{FF2B5EF4-FFF2-40B4-BE49-F238E27FC236}">
-                <a16:creationId xmlns:a16="http://schemas.microsoft.com/office/drawing/2014/main" id="{4069441B-6D98-25DE-FFB4-68216AEA7699}"/>
-              </a:ext>
-            </a:extLst>
-          </p:cNvPr>
-          <p:cNvSpPr>
-            <a:spLocks noGrp="1"/>
-          </p:cNvSpPr>
-          <p:nvPr>
-            <p:ph type="title"/>
-          </p:nvPr>
+          <p:cNvPr id="8" name="Rectangle 7" title="Background Shape"/>
+          <p:cNvSpPr/>
+          <p:nvPr/>
         </p:nvSpPr>
         <p:spPr>
           <a:xfrm>
-            <a:off x="839788" y="457200"/>
-            <a:ext cx="3932237" cy="1600200"/>
+            <a:off x="0" y="376"/>
+            <a:ext cx="5303520" cy="6857624"/>
+          </a:xfrm>
+          <a:prstGeom prst="rect">
+            <a:avLst/>
+          </a:prstGeom>
+          <a:solidFill>
+            <a:schemeClr val="accent1"/>
+          </a:solidFill>
+          <a:ln>
+            <a:noFill/>
+          </a:ln>
+        </p:spPr>
+        <p:style>
+          <a:lnRef idx="2">
+            <a:schemeClr val="accent1">
+              <a:shade val="50000"/>
+            </a:schemeClr>
+          </a:lnRef>
+          <a:fillRef idx="1">
+            <a:schemeClr val="accent1"/>
+          </a:fillRef>
+          <a:effectRef idx="0">
+            <a:schemeClr val="accent1"/>
+          </a:effectRef>
+          <a:fontRef idx="minor">
+            <a:schemeClr val="lt1"/>
+          </a:fontRef>
+        </p:style>
+      </p:sp>
+      <p:sp>
+        <p:nvSpPr>
+          <p:cNvPr id="2" name="Title 1"/>
+          <p:cNvSpPr>
+            <a:spLocks noGrp="1"/>
+          </p:cNvSpPr>
+          <p:nvPr>
+            <p:ph type="title"/>
+          </p:nvPr>
+        </p:nvSpPr>
+        <p:spPr>
+          <a:xfrm>
+            <a:off x="723900" y="685800"/>
+            <a:ext cx="3855720" cy="2157884"/>
           </a:xfrm>
         </p:spPr>
         <p:txBody>
-          <a:bodyPr anchor="b"/>
+          <a:bodyPr anchor="t">
+            <a:noAutofit/>
+          </a:bodyPr>
           <a:lstStyle>
             <a:lvl1pPr>
-              <a:defRPr sz="3200"/>
+              <a:lnSpc>
+                <a:spcPct val="84000"/>
+              </a:lnSpc>
+              <a:defRPr sz="4800" baseline="0">
+                <a:solidFill>
+                  <a:schemeClr val="tx2"/>
+                </a:solidFill>
+              </a:defRPr>
             </a:lvl1pPr>
           </a:lstStyle>
           <a:p>
             <a:r>
-              <a:rPr lang="en-US"/>
+              <a:rPr lang="en-US" dirty="0"/>
               <a:t>Click to edit Master title style</a:t>
             </a:r>
           </a:p>
@@ -2739,13 +3115,7 @@
       </p:sp>
       <p:sp>
         <p:nvSpPr>
-          <p:cNvPr id="3" name="Content Placeholder 2">
-            <a:extLst>
-              <a:ext uri="{FF2B5EF4-FFF2-40B4-BE49-F238E27FC236}">
-                <a16:creationId xmlns:a16="http://schemas.microsoft.com/office/drawing/2014/main" id="{435F3987-FF78-B4D1-EFA1-C84ECEE4460D}"/>
-              </a:ext>
-            </a:extLst>
-          </p:cNvPr>
+          <p:cNvPr id="3" name="Content Placeholder 2"/>
           <p:cNvSpPr>
             <a:spLocks noGrp="1"/>
           </p:cNvSpPr>
@@ -2755,73 +3125,73 @@
         </p:nvSpPr>
         <p:spPr>
           <a:xfrm>
-            <a:off x="5183188" y="987425"/>
-            <a:ext cx="6172200" cy="4873625"/>
+            <a:off x="6256020" y="685801"/>
+            <a:ext cx="5212080" cy="5175250"/>
           </a:xfrm>
         </p:spPr>
         <p:txBody>
           <a:bodyPr/>
           <a:lstStyle>
             <a:lvl1pPr>
-              <a:defRPr sz="3200"/>
+              <a:defRPr sz="2000"/>
             </a:lvl1pPr>
             <a:lvl2pPr>
-              <a:defRPr sz="2800"/>
+              <a:defRPr sz="2000"/>
             </a:lvl2pPr>
             <a:lvl3pPr>
-              <a:defRPr sz="2400"/>
+              <a:defRPr sz="1800"/>
             </a:lvl3pPr>
             <a:lvl4pPr>
-              <a:defRPr sz="2000"/>
+              <a:defRPr sz="1800"/>
             </a:lvl4pPr>
             <a:lvl5pPr>
-              <a:defRPr sz="2000"/>
+              <a:defRPr sz="1600"/>
             </a:lvl5pPr>
             <a:lvl6pPr>
-              <a:defRPr sz="2000"/>
+              <a:defRPr sz="1600"/>
             </a:lvl6pPr>
             <a:lvl7pPr>
-              <a:defRPr sz="2000"/>
+              <a:defRPr sz="1600"/>
             </a:lvl7pPr>
             <a:lvl8pPr>
-              <a:defRPr sz="2000"/>
+              <a:defRPr sz="1600"/>
             </a:lvl8pPr>
             <a:lvl9pPr>
-              <a:defRPr sz="2000"/>
+              <a:defRPr sz="1600"/>
             </a:lvl9pPr>
           </a:lstStyle>
           <a:p>
             <a:pPr lvl="0"/>
             <a:r>
-              <a:rPr lang="en-US"/>
+              <a:rPr lang="en-US" dirty="0"/>
               <a:t>Click to edit Master text styles</a:t>
             </a:r>
           </a:p>
           <a:p>
             <a:pPr lvl="1"/>
             <a:r>
-              <a:rPr lang="en-US"/>
+              <a:rPr lang="en-US" dirty="0"/>
               <a:t>Second level</a:t>
             </a:r>
           </a:p>
           <a:p>
             <a:pPr lvl="2"/>
             <a:r>
-              <a:rPr lang="en-US"/>
+              <a:rPr lang="en-US" dirty="0"/>
               <a:t>Third level</a:t>
             </a:r>
           </a:p>
           <a:p>
             <a:pPr lvl="3"/>
             <a:r>
-              <a:rPr lang="en-US"/>
+              <a:rPr lang="en-US" dirty="0"/>
               <a:t>Fourth level</a:t>
             </a:r>
           </a:p>
           <a:p>
             <a:pPr lvl="4"/>
             <a:r>
-              <a:rPr lang="en-US"/>
+              <a:rPr lang="en-US" dirty="0"/>
               <a:t>Fifth level</a:t>
             </a:r>
           </a:p>
@@ -2829,13 +3199,7 @@
       </p:sp>
       <p:sp>
         <p:nvSpPr>
-          <p:cNvPr id="4" name="Text Placeholder 3">
-            <a:extLst>
-              <a:ext uri="{FF2B5EF4-FFF2-40B4-BE49-F238E27FC236}">
-                <a16:creationId xmlns:a16="http://schemas.microsoft.com/office/drawing/2014/main" id="{9A585853-4B67-BAD3-593D-48C274B942EE}"/>
-              </a:ext>
-            </a:extLst>
-          </p:cNvPr>
+          <p:cNvPr id="4" name="Text Placeholder 3"/>
           <p:cNvSpPr>
             <a:spLocks noGrp="1"/>
           </p:cNvSpPr>
@@ -2845,14 +3209,23 @@
         </p:nvSpPr>
         <p:spPr>
           <a:xfrm>
-            <a:off x="839788" y="2057400"/>
-            <a:ext cx="3932237" cy="3811588"/>
+            <a:off x="723900" y="2856344"/>
+            <a:ext cx="3855720" cy="3011056"/>
           </a:xfrm>
         </p:spPr>
         <p:txBody>
           <a:bodyPr/>
           <a:lstStyle>
             <a:lvl1pPr marL="0" indent="0">
+              <a:lnSpc>
+                <a:spcPct val="113000"/>
+              </a:lnSpc>
+              <a:spcBef>
+                <a:spcPts val="0"/>
+              </a:spcBef>
+              <a:spcAft>
+                <a:spcPts val="1500"/>
+              </a:spcAft>
               <a:buNone/>
               <a:defRPr sz="1600"/>
             </a:lvl1pPr>
@@ -2892,7 +3265,7 @@
           <a:p>
             <a:pPr lvl="0"/>
             <a:r>
-              <a:rPr lang="en-US"/>
+              <a:rPr lang="en-US" dirty="0"/>
               <a:t>Click to edit Master text styles</a:t>
             </a:r>
           </a:p>
@@ -2900,13 +3273,7 @@
       </p:sp>
       <p:sp>
         <p:nvSpPr>
-          <p:cNvPr id="5" name="Date Placeholder 4">
-            <a:extLst>
-              <a:ext uri="{FF2B5EF4-FFF2-40B4-BE49-F238E27FC236}">
-                <a16:creationId xmlns:a16="http://schemas.microsoft.com/office/drawing/2014/main" id="{8A620601-7649-B326-8F22-E48553E98703}"/>
-              </a:ext>
-            </a:extLst>
-          </p:cNvPr>
+          <p:cNvPr id="5" name="Date Placeholder 4"/>
           <p:cNvSpPr>
             <a:spLocks noGrp="1"/>
           </p:cNvSpPr>
@@ -2914,13 +3281,26 @@
             <p:ph type="dt" sz="half" idx="10"/>
           </p:nvPr>
         </p:nvSpPr>
-        <p:spPr/>
-        <p:txBody>
-          <a:bodyPr/>
-          <a:lstStyle/>
+        <p:spPr>
+          <a:xfrm>
+            <a:off x="723900" y="6453386"/>
+            <a:ext cx="1204572" cy="404614"/>
+          </a:xfrm>
+        </p:spPr>
+        <p:txBody>
+          <a:bodyPr/>
+          <a:lstStyle>
+            <a:lvl1pPr>
+              <a:defRPr>
+                <a:solidFill>
+                  <a:schemeClr val="tx2"/>
+                </a:solidFill>
+              </a:defRPr>
+            </a:lvl1pPr>
+          </a:lstStyle>
           <a:p>
             <a:fld id="{B70BB86D-EC77-5A41-946D-4EF223B166ED}" type="datetimeFigureOut">
-              <a:t>12/2/24</a:t>
+              <a:t>12/4/24</a:t>
             </a:fld>
             <a:endParaRPr lang="en-US"/>
           </a:p>
@@ -2928,13 +3308,7 @@
       </p:sp>
       <p:sp>
         <p:nvSpPr>
-          <p:cNvPr id="6" name="Footer Placeholder 5">
-            <a:extLst>
-              <a:ext uri="{FF2B5EF4-FFF2-40B4-BE49-F238E27FC236}">
-                <a16:creationId xmlns:a16="http://schemas.microsoft.com/office/drawing/2014/main" id="{A80FAE44-F7F4-BF2B-69CB-12C1A452DCFF}"/>
-              </a:ext>
-            </a:extLst>
-          </p:cNvPr>
+          <p:cNvPr id="6" name="Footer Placeholder 5"/>
           <p:cNvSpPr>
             <a:spLocks noGrp="1"/>
           </p:cNvSpPr>
@@ -2942,10 +3316,23 @@
             <p:ph type="ftr" sz="quarter" idx="11"/>
           </p:nvPr>
         </p:nvSpPr>
-        <p:spPr/>
-        <p:txBody>
-          <a:bodyPr/>
-          <a:lstStyle/>
+        <p:spPr>
+          <a:xfrm>
+            <a:off x="2205945" y="6453386"/>
+            <a:ext cx="2373675" cy="404614"/>
+          </a:xfrm>
+        </p:spPr>
+        <p:txBody>
+          <a:bodyPr/>
+          <a:lstStyle>
+            <a:lvl1pPr>
+              <a:defRPr>
+                <a:solidFill>
+                  <a:schemeClr val="tx2"/>
+                </a:solidFill>
+              </a:defRPr>
+            </a:lvl1pPr>
+          </a:lstStyle>
           <a:p>
             <a:endParaRPr lang="en-US"/>
           </a:p>
@@ -2953,13 +3340,7 @@
       </p:sp>
       <p:sp>
         <p:nvSpPr>
-          <p:cNvPr id="7" name="Slide Number Placeholder 6">
-            <a:extLst>
-              <a:ext uri="{FF2B5EF4-FFF2-40B4-BE49-F238E27FC236}">
-                <a16:creationId xmlns:a16="http://schemas.microsoft.com/office/drawing/2014/main" id="{ADA5BE01-0E55-E707-9A0B-7AAB03950F80}"/>
-              </a:ext>
-            </a:extLst>
-          </p:cNvPr>
+          <p:cNvPr id="7" name="Slide Number Placeholder 6"/>
           <p:cNvSpPr>
             <a:spLocks noGrp="1"/>
           </p:cNvSpPr>
@@ -2967,22 +3348,74 @@
             <p:ph type="sldNum" sz="quarter" idx="12"/>
           </p:nvPr>
         </p:nvSpPr>
-        <p:spPr/>
-        <p:txBody>
-          <a:bodyPr/>
-          <a:lstStyle/>
+        <p:spPr>
+          <a:xfrm>
+            <a:off x="9883140" y="6453386"/>
+            <a:ext cx="1596292" cy="404614"/>
+          </a:xfrm>
+        </p:spPr>
+        <p:txBody>
+          <a:bodyPr/>
+          <a:lstStyle>
+            <a:lvl1pPr>
+              <a:defRPr>
+                <a:solidFill>
+                  <a:schemeClr val="tx2"/>
+                </a:solidFill>
+              </a:defRPr>
+            </a:lvl1pPr>
+          </a:lstStyle>
           <a:p>
             <a:fld id="{1DE6C761-4CDB-C74E-971B-5AB3CC421502}" type="slidenum">
+              <a:rPr lang="en-US"/>
               <a:t>‹#›</a:t>
             </a:fld>
             <a:endParaRPr lang="en-US"/>
           </a:p>
         </p:txBody>
       </p:sp>
+      <p:sp>
+        <p:nvSpPr>
+          <p:cNvPr id="9" name="Rectangle 8" title="Divider Bar"/>
+          <p:cNvSpPr/>
+          <p:nvPr/>
+        </p:nvSpPr>
+        <p:spPr>
+          <a:xfrm>
+            <a:off x="5303520" y="376"/>
+            <a:ext cx="228600" cy="6858000"/>
+          </a:xfrm>
+          <a:prstGeom prst="rect">
+            <a:avLst/>
+          </a:prstGeom>
+          <a:solidFill>
+            <a:schemeClr val="tx2"/>
+          </a:solidFill>
+          <a:ln>
+            <a:noFill/>
+          </a:ln>
+        </p:spPr>
+        <p:style>
+          <a:lnRef idx="2">
+            <a:schemeClr val="accent1">
+              <a:shade val="50000"/>
+            </a:schemeClr>
+          </a:lnRef>
+          <a:fillRef idx="1">
+            <a:schemeClr val="accent1"/>
+          </a:fillRef>
+          <a:effectRef idx="0">
+            <a:schemeClr val="accent1"/>
+          </a:effectRef>
+          <a:fontRef idx="minor">
+            <a:schemeClr val="lt1"/>
+          </a:fontRef>
+        </p:style>
+      </p:sp>
     </p:spTree>
     <p:extLst>
       <p:ext uri="{BB962C8B-B14F-4D97-AF65-F5344CB8AC3E}">
-        <p14:creationId xmlns:p14="http://schemas.microsoft.com/office/powerpoint/2010/main" val="3302285280"/>
+        <p14:creationId xmlns:p14="http://schemas.microsoft.com/office/powerpoint/2010/main" val="2771379217"/>
       </p:ext>
     </p:extLst>
   </p:cSld>
@@ -2993,7 +3426,7 @@
 </file>
 
 <file path=ppt/slideLayouts/slideLayout9.xml><?xml version="1.0" encoding="utf-8"?>
-<p:sldLayout xmlns:a="http://schemas.openxmlformats.org/drawingml/2006/main" xmlns:r="http://schemas.openxmlformats.org/officeDocument/2006/relationships" xmlns:p="http://schemas.openxmlformats.org/presentationml/2006/main" type="picTx" preserve="1">
+<p:sldLayout xmlns:a="http://schemas.openxmlformats.org/drawingml/2006/main" xmlns:r="http://schemas.openxmlformats.org/officeDocument/2006/relationships" xmlns:p="http://schemas.openxmlformats.org/presentationml/2006/main" showMasterSp="0" type="picTx" preserve="1">
   <p:cSld name="Picture with Caption">
     <p:spTree>
       <p:nvGrpSpPr>
@@ -3011,36 +3444,73 @@
       </p:grpSpPr>
       <p:sp>
         <p:nvSpPr>
-          <p:cNvPr id="2" name="Title 1">
-            <a:extLst>
-              <a:ext uri="{FF2B5EF4-FFF2-40B4-BE49-F238E27FC236}">
-                <a16:creationId xmlns:a16="http://schemas.microsoft.com/office/drawing/2014/main" id="{B00A0CAE-393E-AD2F-8400-1E33ED54F7F7}"/>
-              </a:ext>
-            </a:extLst>
-          </p:cNvPr>
-          <p:cNvSpPr>
-            <a:spLocks noGrp="1"/>
-          </p:cNvSpPr>
-          <p:nvPr>
-            <p:ph type="title"/>
-          </p:nvPr>
+          <p:cNvPr id="8" name="Rectangle 7" title="Background Shape"/>
+          <p:cNvSpPr/>
+          <p:nvPr/>
         </p:nvSpPr>
         <p:spPr>
           <a:xfrm>
-            <a:off x="839788" y="457200"/>
-            <a:ext cx="3932237" cy="1600200"/>
+            <a:off x="0" y="376"/>
+            <a:ext cx="5303520" cy="6857624"/>
+          </a:xfrm>
+          <a:prstGeom prst="rect">
+            <a:avLst/>
+          </a:prstGeom>
+          <a:solidFill>
+            <a:schemeClr val="accent1"/>
+          </a:solidFill>
+          <a:ln>
+            <a:noFill/>
+          </a:ln>
+        </p:spPr>
+        <p:style>
+          <a:lnRef idx="2">
+            <a:schemeClr val="accent1">
+              <a:shade val="50000"/>
+            </a:schemeClr>
+          </a:lnRef>
+          <a:fillRef idx="1">
+            <a:schemeClr val="accent1"/>
+          </a:fillRef>
+          <a:effectRef idx="0">
+            <a:schemeClr val="accent1"/>
+          </a:effectRef>
+          <a:fontRef idx="minor">
+            <a:schemeClr val="lt1"/>
+          </a:fontRef>
+        </p:style>
+      </p:sp>
+      <p:sp>
+        <p:nvSpPr>
+          <p:cNvPr id="2" name="Title 1"/>
+          <p:cNvSpPr>
+            <a:spLocks noGrp="1"/>
+          </p:cNvSpPr>
+          <p:nvPr>
+            <p:ph type="title"/>
+          </p:nvPr>
+        </p:nvSpPr>
+        <p:spPr>
+          <a:xfrm>
+            <a:off x="723900" y="685800"/>
+            <a:ext cx="3855720" cy="2157884"/>
           </a:xfrm>
         </p:spPr>
         <p:txBody>
-          <a:bodyPr anchor="b"/>
+          <a:bodyPr anchor="t">
+            <a:normAutofit/>
+          </a:bodyPr>
           <a:lstStyle>
             <a:lvl1pPr>
-              <a:defRPr sz="3200"/>
+              <a:lnSpc>
+                <a:spcPct val="84000"/>
+              </a:lnSpc>
+              <a:defRPr sz="4800" baseline="0"/>
             </a:lvl1pPr>
           </a:lstStyle>
           <a:p>
             <a:r>
-              <a:rPr lang="en-US"/>
+              <a:rPr lang="en-US" dirty="0"/>
               <a:t>Click to edit Master title style</a:t>
             </a:r>
           </a:p>
@@ -3048,15 +3518,9 @@
       </p:sp>
       <p:sp>
         <p:nvSpPr>
-          <p:cNvPr id="3" name="Picture Placeholder 2">
-            <a:extLst>
-              <a:ext uri="{FF2B5EF4-FFF2-40B4-BE49-F238E27FC236}">
-                <a16:creationId xmlns:a16="http://schemas.microsoft.com/office/drawing/2014/main" id="{C9268682-A3AF-5FF9-34C7-2042775298FC}"/>
-              </a:ext>
-            </a:extLst>
-          </p:cNvPr>
-          <p:cNvSpPr>
-            <a:spLocks noGrp="1"/>
+          <p:cNvPr id="3" name="Picture Placeholder 2"/>
+          <p:cNvSpPr>
+            <a:spLocks noGrp="1" noChangeAspect="1"/>
           </p:cNvSpPr>
           <p:nvPr>
             <p:ph type="pic" idx="1"/>
@@ -3064,24 +3528,26 @@
         </p:nvSpPr>
         <p:spPr>
           <a:xfrm>
-            <a:off x="5183188" y="987425"/>
-            <a:ext cx="6172200" cy="4873625"/>
+            <a:off x="5532120" y="0"/>
+            <a:ext cx="6659880" cy="6857999"/>
           </a:xfrm>
         </p:spPr>
         <p:txBody>
-          <a:bodyPr/>
+          <a:bodyPr anchor="t">
+            <a:normAutofit/>
+          </a:bodyPr>
           <a:lstStyle>
             <a:lvl1pPr marL="0" indent="0">
               <a:buNone/>
-              <a:defRPr sz="3200"/>
+              <a:defRPr sz="2000"/>
             </a:lvl1pPr>
             <a:lvl2pPr marL="457200" indent="0">
               <a:buNone/>
-              <a:defRPr sz="2800"/>
+              <a:defRPr sz="2000"/>
             </a:lvl2pPr>
             <a:lvl3pPr marL="914400" indent="0">
               <a:buNone/>
-              <a:defRPr sz="2400"/>
+              <a:defRPr sz="2000"/>
             </a:lvl3pPr>
             <a:lvl4pPr marL="1371600" indent="0">
               <a:buNone/>
@@ -3109,19 +3575,16 @@
             </a:lvl9pPr>
           </a:lstStyle>
           <a:p>
-            <a:endParaRPr lang="en-US"/>
-          </a:p>
-        </p:txBody>
-      </p:sp>
-      <p:sp>
-        <p:nvSpPr>
-          <p:cNvPr id="4" name="Text Placeholder 3">
-            <a:extLst>
-              <a:ext uri="{FF2B5EF4-FFF2-40B4-BE49-F238E27FC236}">
-                <a16:creationId xmlns:a16="http://schemas.microsoft.com/office/drawing/2014/main" id="{C4F7A1E7-2135-C60D-7257-1570C4999542}"/>
-              </a:ext>
-            </a:extLst>
-          </p:cNvPr>
+            <a:r>
+              <a:rPr lang="en-US" dirty="0"/>
+              <a:t>Click icon to add picture</a:t>
+            </a:r>
+          </a:p>
+        </p:txBody>
+      </p:sp>
+      <p:sp>
+        <p:nvSpPr>
+          <p:cNvPr id="4" name="Text Placeholder 3"/>
           <p:cNvSpPr>
             <a:spLocks noGrp="1"/>
           </p:cNvSpPr>
@@ -3131,14 +3594,23 @@
         </p:nvSpPr>
         <p:spPr>
           <a:xfrm>
-            <a:off x="839788" y="2057400"/>
-            <a:ext cx="3932237" cy="3811588"/>
+            <a:off x="723900" y="2855968"/>
+            <a:ext cx="3855720" cy="3011432"/>
           </a:xfrm>
         </p:spPr>
         <p:txBody>
           <a:bodyPr/>
           <a:lstStyle>
             <a:lvl1pPr marL="0" indent="0">
+              <a:lnSpc>
+                <a:spcPct val="113000"/>
+              </a:lnSpc>
+              <a:spcBef>
+                <a:spcPts val="0"/>
+              </a:spcBef>
+              <a:spcAft>
+                <a:spcPts val="1500"/>
+              </a:spcAft>
               <a:buNone/>
               <a:defRPr sz="1600"/>
             </a:lvl1pPr>
@@ -3178,7 +3650,7 @@
           <a:p>
             <a:pPr lvl="0"/>
             <a:r>
-              <a:rPr lang="en-US"/>
+              <a:rPr lang="en-US" dirty="0"/>
               <a:t>Click to edit Master text styles</a:t>
             </a:r>
           </a:p>
@@ -3186,13 +3658,7 @@
       </p:sp>
       <p:sp>
         <p:nvSpPr>
-          <p:cNvPr id="5" name="Date Placeholder 4">
-            <a:extLst>
-              <a:ext uri="{FF2B5EF4-FFF2-40B4-BE49-F238E27FC236}">
-                <a16:creationId xmlns:a16="http://schemas.microsoft.com/office/drawing/2014/main" id="{FCB7FD71-F710-0021-50E5-D8FFEB866BFD}"/>
-              </a:ext>
-            </a:extLst>
-          </p:cNvPr>
+          <p:cNvPr id="5" name="Date Placeholder 4"/>
           <p:cNvSpPr>
             <a:spLocks noGrp="1"/>
           </p:cNvSpPr>
@@ -3200,13 +3666,26 @@
             <p:ph type="dt" sz="half" idx="10"/>
           </p:nvPr>
         </p:nvSpPr>
-        <p:spPr/>
-        <p:txBody>
-          <a:bodyPr/>
-          <a:lstStyle/>
+        <p:spPr>
+          <a:xfrm>
+            <a:off x="723900" y="6453386"/>
+            <a:ext cx="1204572" cy="404614"/>
+          </a:xfrm>
+        </p:spPr>
+        <p:txBody>
+          <a:bodyPr/>
+          <a:lstStyle>
+            <a:lvl1pPr>
+              <a:defRPr>
+                <a:solidFill>
+                  <a:schemeClr val="tx2"/>
+                </a:solidFill>
+              </a:defRPr>
+            </a:lvl1pPr>
+          </a:lstStyle>
           <a:p>
             <a:fld id="{B70BB86D-EC77-5A41-946D-4EF223B166ED}" type="datetimeFigureOut">
-              <a:t>12/2/24</a:t>
+              <a:t>12/4/24</a:t>
             </a:fld>
             <a:endParaRPr lang="en-US"/>
           </a:p>
@@ -3214,13 +3693,7 @@
       </p:sp>
       <p:sp>
         <p:nvSpPr>
-          <p:cNvPr id="6" name="Footer Placeholder 5">
-            <a:extLst>
-              <a:ext uri="{FF2B5EF4-FFF2-40B4-BE49-F238E27FC236}">
-                <a16:creationId xmlns:a16="http://schemas.microsoft.com/office/drawing/2014/main" id="{BCFFA356-2736-7A77-4DE6-1DAECAE49D98}"/>
-              </a:ext>
-            </a:extLst>
-          </p:cNvPr>
+          <p:cNvPr id="6" name="Footer Placeholder 5"/>
           <p:cNvSpPr>
             <a:spLocks noGrp="1"/>
           </p:cNvSpPr>
@@ -3228,10 +3701,23 @@
             <p:ph type="ftr" sz="quarter" idx="11"/>
           </p:nvPr>
         </p:nvSpPr>
-        <p:spPr/>
-        <p:txBody>
-          <a:bodyPr/>
-          <a:lstStyle/>
+        <p:spPr>
+          <a:xfrm>
+            <a:off x="2205945" y="6453386"/>
+            <a:ext cx="2373675" cy="404614"/>
+          </a:xfrm>
+        </p:spPr>
+        <p:txBody>
+          <a:bodyPr/>
+          <a:lstStyle>
+            <a:lvl1pPr>
+              <a:defRPr>
+                <a:solidFill>
+                  <a:schemeClr val="tx2"/>
+                </a:solidFill>
+              </a:defRPr>
+            </a:lvl1pPr>
+          </a:lstStyle>
           <a:p>
             <a:endParaRPr lang="en-US"/>
           </a:p>
@@ -3239,13 +3725,7 @@
       </p:sp>
       <p:sp>
         <p:nvSpPr>
-          <p:cNvPr id="7" name="Slide Number Placeholder 6">
-            <a:extLst>
-              <a:ext uri="{FF2B5EF4-FFF2-40B4-BE49-F238E27FC236}">
-                <a16:creationId xmlns:a16="http://schemas.microsoft.com/office/drawing/2014/main" id="{E1C929EA-AA2C-3798-5672-D341F4579AF4}"/>
-              </a:ext>
-            </a:extLst>
-          </p:cNvPr>
+          <p:cNvPr id="7" name="Slide Number Placeholder 6"/>
           <p:cNvSpPr>
             <a:spLocks noGrp="1"/>
           </p:cNvSpPr>
@@ -3253,22 +3733,74 @@
             <p:ph type="sldNum" sz="quarter" idx="12"/>
           </p:nvPr>
         </p:nvSpPr>
-        <p:spPr/>
-        <p:txBody>
-          <a:bodyPr/>
-          <a:lstStyle/>
+        <p:spPr>
+          <a:xfrm>
+            <a:off x="9883140" y="6453386"/>
+            <a:ext cx="1596292" cy="404614"/>
+          </a:xfrm>
+        </p:spPr>
+        <p:txBody>
+          <a:bodyPr/>
+          <a:lstStyle>
+            <a:lvl1pPr>
+              <a:defRPr>
+                <a:solidFill>
+                  <a:schemeClr val="tx2"/>
+                </a:solidFill>
+              </a:defRPr>
+            </a:lvl1pPr>
+          </a:lstStyle>
           <a:p>
             <a:fld id="{1DE6C761-4CDB-C74E-971B-5AB3CC421502}" type="slidenum">
+              <a:rPr lang="en-US"/>
               <a:t>‹#›</a:t>
             </a:fld>
             <a:endParaRPr lang="en-US"/>
           </a:p>
         </p:txBody>
       </p:sp>
+      <p:sp>
+        <p:nvSpPr>
+          <p:cNvPr id="9" name="Rectangle 8" title="Divider Bar"/>
+          <p:cNvSpPr/>
+          <p:nvPr/>
+        </p:nvSpPr>
+        <p:spPr>
+          <a:xfrm>
+            <a:off x="5303520" y="376"/>
+            <a:ext cx="228600" cy="6858000"/>
+          </a:xfrm>
+          <a:prstGeom prst="rect">
+            <a:avLst/>
+          </a:prstGeom>
+          <a:solidFill>
+            <a:schemeClr val="tx2"/>
+          </a:solidFill>
+          <a:ln>
+            <a:noFill/>
+          </a:ln>
+        </p:spPr>
+        <p:style>
+          <a:lnRef idx="2">
+            <a:schemeClr val="accent1">
+              <a:shade val="50000"/>
+            </a:schemeClr>
+          </a:lnRef>
+          <a:fillRef idx="1">
+            <a:schemeClr val="accent1"/>
+          </a:fillRef>
+          <a:effectRef idx="0">
+            <a:schemeClr val="accent1"/>
+          </a:effectRef>
+          <a:fontRef idx="minor">
+            <a:schemeClr val="lt1"/>
+          </a:fontRef>
+        </p:style>
+      </p:sp>
     </p:spTree>
     <p:extLst>
       <p:ext uri="{BB962C8B-B14F-4D97-AF65-F5344CB8AC3E}">
-        <p14:creationId xmlns:p14="http://schemas.microsoft.com/office/powerpoint/2010/main" val="4130210532"/>
+        <p14:creationId xmlns:p14="http://schemas.microsoft.com/office/powerpoint/2010/main" val="207211620"/>
       </p:ext>
     </p:extLst>
   </p:cSld>
@@ -3282,9 +3814,12 @@
 <p:sldMaster xmlns:a="http://schemas.openxmlformats.org/drawingml/2006/main" xmlns:r="http://schemas.openxmlformats.org/officeDocument/2006/relationships" xmlns:p="http://schemas.openxmlformats.org/presentationml/2006/main">
   <p:cSld>
     <p:bg>
-      <p:bgRef idx="1001">
-        <a:schemeClr val="bg1"/>
-      </p:bgRef>
+      <p:bgPr>
+        <a:solidFill>
+          <a:schemeClr val="bg2"/>
+        </a:solidFill>
+        <a:effectLst/>
+      </p:bgPr>
     </p:bg>
     <p:spTree>
       <p:nvGrpSpPr>
@@ -3302,13 +3837,7 @@
       </p:grpSpPr>
       <p:sp>
         <p:nvSpPr>
-          <p:cNvPr id="2" name="Title Placeholder 1">
-            <a:extLst>
-              <a:ext uri="{FF2B5EF4-FFF2-40B4-BE49-F238E27FC236}">
-                <a16:creationId xmlns:a16="http://schemas.microsoft.com/office/drawing/2014/main" id="{846FE0F0-5266-6B48-3263-1E2904EEFE29}"/>
-              </a:ext>
-            </a:extLst>
-          </p:cNvPr>
+          <p:cNvPr id="2" name="Title Placeholder 1"/>
           <p:cNvSpPr>
             <a:spLocks noGrp="1"/>
           </p:cNvSpPr>
@@ -3318,21 +3847,21 @@
         </p:nvSpPr>
         <p:spPr>
           <a:xfrm>
-            <a:off x="838200" y="365125"/>
-            <a:ext cx="10515600" cy="1325563"/>
+            <a:off x="1371600" y="685800"/>
+            <a:ext cx="9601200" cy="1485900"/>
           </a:xfrm>
           <a:prstGeom prst="rect">
             <a:avLst/>
           </a:prstGeom>
         </p:spPr>
         <p:txBody>
-          <a:bodyPr vert="horz" lIns="91440" tIns="45720" rIns="91440" bIns="45720" rtlCol="0" anchor="ctr">
+          <a:bodyPr vert="horz" lIns="91440" tIns="45720" rIns="91440" bIns="45720" rtlCol="0" anchor="t">
             <a:normAutofit/>
           </a:bodyPr>
           <a:lstStyle/>
           <a:p>
             <a:r>
-              <a:rPr lang="en-US"/>
+              <a:rPr lang="en-US" dirty="0"/>
               <a:t>Click to edit Master title style</a:t>
             </a:r>
           </a:p>
@@ -3340,13 +3869,7 @@
       </p:sp>
       <p:sp>
         <p:nvSpPr>
-          <p:cNvPr id="3" name="Text Placeholder 2">
-            <a:extLst>
-              <a:ext uri="{FF2B5EF4-FFF2-40B4-BE49-F238E27FC236}">
-                <a16:creationId xmlns:a16="http://schemas.microsoft.com/office/drawing/2014/main" id="{F6F80253-B066-E675-8979-BD5E0B60F025}"/>
-              </a:ext>
-            </a:extLst>
-          </p:cNvPr>
+          <p:cNvPr id="3" name="Text Placeholder 2"/>
           <p:cNvSpPr>
             <a:spLocks noGrp="1"/>
           </p:cNvSpPr>
@@ -3356,8 +3879,8 @@
         </p:nvSpPr>
         <p:spPr>
           <a:xfrm>
-            <a:off x="838200" y="1825625"/>
-            <a:ext cx="10515600" cy="4351338"/>
+            <a:off x="1371600" y="2286000"/>
+            <a:ext cx="9601200" cy="3581400"/>
           </a:xfrm>
           <a:prstGeom prst="rect">
             <a:avLst/>
@@ -3371,35 +3894,35 @@
           <a:p>
             <a:pPr lvl="0"/>
             <a:r>
-              <a:rPr lang="en-US"/>
+              <a:rPr lang="en-US" dirty="0"/>
               <a:t>Click to edit Master text styles</a:t>
             </a:r>
           </a:p>
           <a:p>
             <a:pPr lvl="1"/>
             <a:r>
-              <a:rPr lang="en-US"/>
+              <a:rPr lang="en-US" dirty="0"/>
               <a:t>Second level</a:t>
             </a:r>
           </a:p>
           <a:p>
             <a:pPr lvl="2"/>
             <a:r>
-              <a:rPr lang="en-US"/>
+              <a:rPr lang="en-US" dirty="0"/>
               <a:t>Third level</a:t>
             </a:r>
           </a:p>
           <a:p>
             <a:pPr lvl="3"/>
             <a:r>
-              <a:rPr lang="en-US"/>
+              <a:rPr lang="en-US" dirty="0"/>
               <a:t>Fourth level</a:t>
             </a:r>
           </a:p>
           <a:p>
             <a:pPr lvl="4"/>
             <a:r>
-              <a:rPr lang="en-US"/>
+              <a:rPr lang="en-US" dirty="0"/>
               <a:t>Fifth level</a:t>
             </a:r>
           </a:p>
@@ -3407,13 +3930,7 @@
       </p:sp>
       <p:sp>
         <p:nvSpPr>
-          <p:cNvPr id="4" name="Date Placeholder 3">
-            <a:extLst>
-              <a:ext uri="{FF2B5EF4-FFF2-40B4-BE49-F238E27FC236}">
-                <a16:creationId xmlns:a16="http://schemas.microsoft.com/office/drawing/2014/main" id="{59B96982-D43B-ADFA-0C2F-F8D639E3185E}"/>
-              </a:ext>
-            </a:extLst>
-          </p:cNvPr>
+          <p:cNvPr id="4" name="Date Placeholder 3"/>
           <p:cNvSpPr>
             <a:spLocks noGrp="1"/>
           </p:cNvSpPr>
@@ -3423,8 +3940,8 @@
         </p:nvSpPr>
         <p:spPr>
           <a:xfrm>
-            <a:off x="838200" y="6356350"/>
-            <a:ext cx="2743200" cy="365125"/>
+            <a:off x="1390650" y="6453386"/>
+            <a:ext cx="1204572" cy="404614"/>
           </a:xfrm>
           <a:prstGeom prst="rect">
             <a:avLst/>
@@ -3434,18 +3951,16 @@
           <a:bodyPr vert="horz" lIns="91440" tIns="45720" rIns="91440" bIns="45720" rtlCol="0" anchor="ctr"/>
           <a:lstStyle>
             <a:lvl1pPr algn="l">
-              <a:defRPr sz="1200">
+              <a:defRPr sz="1200" baseline="0">
                 <a:solidFill>
-                  <a:schemeClr val="tx1">
-                    <a:tint val="82000"/>
-                  </a:schemeClr>
+                  <a:schemeClr val="tx2"/>
                 </a:solidFill>
               </a:defRPr>
             </a:lvl1pPr>
           </a:lstStyle>
           <a:p>
             <a:fld id="{B70BB86D-EC77-5A41-946D-4EF223B166ED}" type="datetimeFigureOut">
-              <a:t>12/2/24</a:t>
+              <a:t>12/4/24</a:t>
             </a:fld>
             <a:endParaRPr lang="en-US"/>
           </a:p>
@@ -3453,13 +3968,7 @@
       </p:sp>
       <p:sp>
         <p:nvSpPr>
-          <p:cNvPr id="5" name="Footer Placeholder 4">
-            <a:extLst>
-              <a:ext uri="{FF2B5EF4-FFF2-40B4-BE49-F238E27FC236}">
-                <a16:creationId xmlns:a16="http://schemas.microsoft.com/office/drawing/2014/main" id="{8B4B58FB-A335-60ED-B65D-629CDBD8CE52}"/>
-              </a:ext>
-            </a:extLst>
-          </p:cNvPr>
+          <p:cNvPr id="5" name="Footer Placeholder 4"/>
           <p:cNvSpPr>
             <a:spLocks noGrp="1"/>
           </p:cNvSpPr>
@@ -3469,8 +3978,8 @@
         </p:nvSpPr>
         <p:spPr>
           <a:xfrm>
-            <a:off x="4038600" y="6356350"/>
-            <a:ext cx="4114800" cy="365125"/>
+            <a:off x="2893564" y="6453386"/>
+            <a:ext cx="6280830" cy="404614"/>
           </a:xfrm>
           <a:prstGeom prst="rect">
             <a:avLst/>
@@ -3479,12 +3988,10 @@
         <p:txBody>
           <a:bodyPr vert="horz" lIns="91440" tIns="45720" rIns="91440" bIns="45720" rtlCol="0" anchor="ctr"/>
           <a:lstStyle>
-            <a:lvl1pPr algn="ctr">
-              <a:defRPr sz="1200">
+            <a:lvl1pPr algn="l">
+              <a:defRPr sz="1200" baseline="0">
                 <a:solidFill>
-                  <a:schemeClr val="tx1">
-                    <a:tint val="82000"/>
-                  </a:schemeClr>
+                  <a:schemeClr val="tx2"/>
                 </a:solidFill>
               </a:defRPr>
             </a:lvl1pPr>
@@ -3496,13 +4003,7 @@
       </p:sp>
       <p:sp>
         <p:nvSpPr>
-          <p:cNvPr id="6" name="Slide Number Placeholder 5">
-            <a:extLst>
-              <a:ext uri="{FF2B5EF4-FFF2-40B4-BE49-F238E27FC236}">
-                <a16:creationId xmlns:a16="http://schemas.microsoft.com/office/drawing/2014/main" id="{6AE5CA27-6BF5-8FB9-0928-D426EA871B7C}"/>
-              </a:ext>
-            </a:extLst>
-          </p:cNvPr>
+          <p:cNvPr id="6" name="Slide Number Placeholder 5"/>
           <p:cNvSpPr>
             <a:spLocks noGrp="1"/>
           </p:cNvSpPr>
@@ -3512,8 +4013,8 @@
         </p:nvSpPr>
         <p:spPr>
           <a:xfrm>
-            <a:off x="8610600" y="6356350"/>
-            <a:ext cx="2743200" cy="365125"/>
+            <a:off x="9472736" y="6453386"/>
+            <a:ext cx="1596292" cy="404614"/>
           </a:xfrm>
           <a:prstGeom prst="rect">
             <a:avLst/>
@@ -3523,57 +4024,94 @@
           <a:bodyPr vert="horz" lIns="91440" tIns="45720" rIns="91440" bIns="45720" rtlCol="0" anchor="ctr"/>
           <a:lstStyle>
             <a:lvl1pPr algn="r">
-              <a:defRPr sz="1200">
+              <a:defRPr sz="1200" baseline="0">
                 <a:solidFill>
-                  <a:schemeClr val="tx1">
-                    <a:tint val="82000"/>
-                  </a:schemeClr>
+                  <a:schemeClr val="tx2"/>
                 </a:solidFill>
               </a:defRPr>
             </a:lvl1pPr>
           </a:lstStyle>
           <a:p>
             <a:fld id="{1DE6C761-4CDB-C74E-971B-5AB3CC421502}" type="slidenum">
+              <a:rPr lang="en-US"/>
               <a:t>‹#›</a:t>
             </a:fld>
             <a:endParaRPr lang="en-US"/>
           </a:p>
         </p:txBody>
       </p:sp>
+      <p:sp>
+        <p:nvSpPr>
+          <p:cNvPr id="9" name="Rectangle 8" title="Side bar"/>
+          <p:cNvSpPr/>
+          <p:nvPr/>
+        </p:nvSpPr>
+        <p:spPr>
+          <a:xfrm>
+            <a:off x="478095" y="376"/>
+            <a:ext cx="228600" cy="6858000"/>
+          </a:xfrm>
+          <a:prstGeom prst="rect">
+            <a:avLst/>
+          </a:prstGeom>
+          <a:solidFill>
+            <a:schemeClr val="tx2"/>
+          </a:solidFill>
+          <a:ln>
+            <a:noFill/>
+          </a:ln>
+        </p:spPr>
+        <p:style>
+          <a:lnRef idx="2">
+            <a:schemeClr val="accent1">
+              <a:shade val="50000"/>
+            </a:schemeClr>
+          </a:lnRef>
+          <a:fillRef idx="1">
+            <a:schemeClr val="accent1"/>
+          </a:fillRef>
+          <a:effectRef idx="0">
+            <a:schemeClr val="accent1"/>
+          </a:effectRef>
+          <a:fontRef idx="minor">
+            <a:schemeClr val="lt1"/>
+          </a:fontRef>
+        </p:style>
+      </p:sp>
     </p:spTree>
     <p:extLst>
       <p:ext uri="{BB962C8B-B14F-4D97-AF65-F5344CB8AC3E}">
-        <p14:creationId xmlns:p14="http://schemas.microsoft.com/office/powerpoint/2010/main" val="938204210"/>
+        <p14:creationId xmlns:p14="http://schemas.microsoft.com/office/powerpoint/2010/main" val="2957108016"/>
       </p:ext>
     </p:extLst>
   </p:cSld>
   <p:clrMap bg1="lt1" tx1="dk1" bg2="lt2" tx2="dk2" accent1="accent1" accent2="accent2" accent3="accent3" accent4="accent4" accent5="accent5" accent6="accent6" hlink="hlink" folHlink="folHlink"/>
   <p:sldLayoutIdLst>
-    <p:sldLayoutId id="2147483649" r:id="rId1"/>
-    <p:sldLayoutId id="2147483650" r:id="rId2"/>
-    <p:sldLayoutId id="2147483651" r:id="rId3"/>
-    <p:sldLayoutId id="2147483652" r:id="rId4"/>
-    <p:sldLayoutId id="2147483653" r:id="rId5"/>
-    <p:sldLayoutId id="2147483654" r:id="rId6"/>
-    <p:sldLayoutId id="2147483655" r:id="rId7"/>
-    <p:sldLayoutId id="2147483656" r:id="rId8"/>
-    <p:sldLayoutId id="2147483657" r:id="rId9"/>
-    <p:sldLayoutId id="2147483658" r:id="rId10"/>
-    <p:sldLayoutId id="2147483659" r:id="rId11"/>
+    <p:sldLayoutId id="2147483679" r:id="rId1"/>
+    <p:sldLayoutId id="2147483680" r:id="rId2"/>
+    <p:sldLayoutId id="2147483681" r:id="rId3"/>
+    <p:sldLayoutId id="2147483682" r:id="rId4"/>
+    <p:sldLayoutId id="2147483683" r:id="rId5"/>
+    <p:sldLayoutId id="2147483684" r:id="rId6"/>
+    <p:sldLayoutId id="2147483685" r:id="rId7"/>
+    <p:sldLayoutId id="2147483686" r:id="rId8"/>
+    <p:sldLayoutId id="2147483687" r:id="rId9"/>
+    <p:sldLayoutId id="2147483688" r:id="rId10"/>
+    <p:sldLayoutId id="2147483689" r:id="rId11"/>
   </p:sldLayoutIdLst>
   <p:txStyles>
     <p:titleStyle>
       <a:lvl1pPr algn="l" defTabSz="914400" rtl="0" eaLnBrk="1" latinLnBrk="0" hangingPunct="1">
         <a:lnSpc>
-          <a:spcPct val="90000"/>
+          <a:spcPct val="89000"/>
         </a:lnSpc>
         <a:spcBef>
           <a:spcPct val="0"/>
         </a:spcBef>
         <a:buNone/>
-        <a:defRPr sz="4400" kern="1200">
+        <a:defRPr sz="4400" kern="1200" baseline="0">
           <a:solidFill>
-            <a:schemeClr val="tx1"/>
+            <a:schemeClr val="tx2"/>
           </a:solidFill>
           <a:latin typeface="+mj-lt"/>
           <a:ea typeface="+mj-ea"/>
@@ -3582,162 +4120,189 @@
       </a:lvl1pPr>
     </p:titleStyle>
     <p:bodyStyle>
-      <a:lvl1pPr marL="228600" indent="-228600" algn="l" defTabSz="914400" rtl="0" eaLnBrk="1" latinLnBrk="0" hangingPunct="1">
+      <a:lvl1pPr marL="384048" indent="-384048" algn="l" defTabSz="914400" rtl="0" eaLnBrk="1" latinLnBrk="0" hangingPunct="1">
         <a:lnSpc>
-          <a:spcPct val="90000"/>
+          <a:spcPct val="94000"/>
         </a:lnSpc>
         <a:spcBef>
           <a:spcPts val="1000"/>
         </a:spcBef>
-        <a:buFont typeface="Arial" panose="020B0604020202020204" pitchFamily="34" charset="0"/>
-        <a:buChar char="•"/>
-        <a:defRPr sz="2800" kern="1200">
+        <a:spcAft>
+          <a:spcPts val="200"/>
+        </a:spcAft>
+        <a:buFont typeface="Franklin Gothic Book" panose="020B0503020102020204" pitchFamily="34" charset="0"/>
+        <a:buChar char="■"/>
+        <a:defRPr sz="2000" kern="1200" baseline="0">
           <a:solidFill>
-            <a:schemeClr val="tx1"/>
+            <a:schemeClr val="tx2"/>
           </a:solidFill>
           <a:latin typeface="+mn-lt"/>
           <a:ea typeface="+mn-ea"/>
           <a:cs typeface="+mn-cs"/>
         </a:defRPr>
       </a:lvl1pPr>
-      <a:lvl2pPr marL="685800" indent="-228600" algn="l" defTabSz="914400" rtl="0" eaLnBrk="1" latinLnBrk="0" hangingPunct="1">
+      <a:lvl2pPr marL="914400" indent="-384048" algn="l" defTabSz="914400" rtl="0" eaLnBrk="1" latinLnBrk="0" hangingPunct="1">
         <a:lnSpc>
-          <a:spcPct val="90000"/>
+          <a:spcPct val="94000"/>
         </a:lnSpc>
         <a:spcBef>
           <a:spcPts val="500"/>
         </a:spcBef>
-        <a:buFont typeface="Arial" panose="020B0604020202020204" pitchFamily="34" charset="0"/>
-        <a:buChar char="•"/>
-        <a:defRPr sz="2400" kern="1200">
+        <a:spcAft>
+          <a:spcPts val="200"/>
+        </a:spcAft>
+        <a:buFont typeface="Franklin Gothic Book" panose="020B0503020102020204" pitchFamily="34" charset="0"/>
+        <a:buChar char="–"/>
+        <a:defRPr sz="2000" i="1" kern="1200" baseline="0">
           <a:solidFill>
-            <a:schemeClr val="tx1"/>
+            <a:schemeClr val="tx2"/>
           </a:solidFill>
           <a:latin typeface="+mn-lt"/>
           <a:ea typeface="+mn-ea"/>
           <a:cs typeface="+mn-cs"/>
         </a:defRPr>
       </a:lvl2pPr>
-      <a:lvl3pPr marL="1143000" indent="-228600" algn="l" defTabSz="914400" rtl="0" eaLnBrk="1" latinLnBrk="0" hangingPunct="1">
+      <a:lvl3pPr marL="1371600" indent="-384048" algn="l" defTabSz="914400" rtl="0" eaLnBrk="1" latinLnBrk="0" hangingPunct="1">
         <a:lnSpc>
-          <a:spcPct val="90000"/>
+          <a:spcPct val="94000"/>
         </a:lnSpc>
         <a:spcBef>
           <a:spcPts val="500"/>
         </a:spcBef>
-        <a:buFont typeface="Arial" panose="020B0604020202020204" pitchFamily="34" charset="0"/>
-        <a:buChar char="•"/>
-        <a:defRPr sz="2000" kern="1200">
+        <a:spcAft>
+          <a:spcPts val="200"/>
+        </a:spcAft>
+        <a:buFont typeface="Franklin Gothic Book" panose="020B0503020102020204" pitchFamily="34" charset="0"/>
+        <a:buChar char="■"/>
+        <a:defRPr sz="1800" kern="1200" baseline="0">
           <a:solidFill>
-            <a:schemeClr val="tx1"/>
+            <a:schemeClr val="tx2"/>
           </a:solidFill>
           <a:latin typeface="+mn-lt"/>
           <a:ea typeface="+mn-ea"/>
           <a:cs typeface="+mn-cs"/>
         </a:defRPr>
       </a:lvl3pPr>
-      <a:lvl4pPr marL="1600200" indent="-228600" algn="l" defTabSz="914400" rtl="0" eaLnBrk="1" latinLnBrk="0" hangingPunct="1">
+      <a:lvl4pPr marL="1828800" indent="-384048" algn="l" defTabSz="914400" rtl="0" eaLnBrk="1" latinLnBrk="0" hangingPunct="1">
         <a:lnSpc>
-          <a:spcPct val="90000"/>
+          <a:spcPct val="94000"/>
         </a:lnSpc>
         <a:spcBef>
           <a:spcPts val="500"/>
         </a:spcBef>
-        <a:buFont typeface="Arial" panose="020B0604020202020204" pitchFamily="34" charset="0"/>
-        <a:buChar char="•"/>
-        <a:defRPr sz="1800" kern="1200">
+        <a:spcAft>
+          <a:spcPts val="200"/>
+        </a:spcAft>
+        <a:buFont typeface="Franklin Gothic Book" panose="020B0503020102020204" pitchFamily="34" charset="0"/>
+        <a:buChar char="–"/>
+        <a:defRPr sz="1800" i="1" kern="1200" baseline="0">
           <a:solidFill>
-            <a:schemeClr val="tx1"/>
+            <a:schemeClr val="tx2"/>
           </a:solidFill>
           <a:latin typeface="+mn-lt"/>
           <a:ea typeface="+mn-ea"/>
           <a:cs typeface="+mn-cs"/>
         </a:defRPr>
       </a:lvl4pPr>
-      <a:lvl5pPr marL="2057400" indent="-228600" algn="l" defTabSz="914400" rtl="0" eaLnBrk="1" latinLnBrk="0" hangingPunct="1">
+      <a:lvl5pPr marL="2286000" indent="-384048" algn="l" defTabSz="914400" rtl="0" eaLnBrk="1" latinLnBrk="0" hangingPunct="1">
         <a:lnSpc>
-          <a:spcPct val="90000"/>
+          <a:spcPct val="94000"/>
         </a:lnSpc>
         <a:spcBef>
           <a:spcPts val="500"/>
         </a:spcBef>
-        <a:buFont typeface="Arial" panose="020B0604020202020204" pitchFamily="34" charset="0"/>
-        <a:buChar char="•"/>
-        <a:defRPr sz="1800" kern="1200">
+        <a:spcAft>
+          <a:spcPts val="200"/>
+        </a:spcAft>
+        <a:buFont typeface="Franklin Gothic Book" panose="020B0503020102020204" pitchFamily="34" charset="0"/>
+        <a:buChar char="■"/>
+        <a:defRPr sz="1600" kern="1200" baseline="0">
           <a:solidFill>
-            <a:schemeClr val="tx1"/>
+            <a:schemeClr val="tx2"/>
           </a:solidFill>
           <a:latin typeface="+mn-lt"/>
           <a:ea typeface="+mn-ea"/>
           <a:cs typeface="+mn-cs"/>
         </a:defRPr>
       </a:lvl5pPr>
-      <a:lvl6pPr marL="2514600" indent="-228600" algn="l" defTabSz="914400" rtl="0" eaLnBrk="1" latinLnBrk="0" hangingPunct="1">
+      <a:lvl6pPr marL="2743200" indent="-384048" algn="l" defTabSz="914400" rtl="0" eaLnBrk="1" latinLnBrk="0" hangingPunct="1">
         <a:lnSpc>
-          <a:spcPct val="90000"/>
+          <a:spcPct val="94000"/>
         </a:lnSpc>
         <a:spcBef>
           <a:spcPts val="500"/>
         </a:spcBef>
-        <a:buFont typeface="Arial" panose="020B0604020202020204" pitchFamily="34" charset="0"/>
-        <a:buChar char="•"/>
-        <a:defRPr sz="1800" kern="1200">
+        <a:spcAft>
+          <a:spcPts val="200"/>
+        </a:spcAft>
+        <a:buFont typeface="Franklin Gothic Book" panose="020B0503020102020204" pitchFamily="34" charset="0"/>
+        <a:buChar char="–"/>
+        <a:defRPr sz="1600" i="1" kern="1200" baseline="0">
           <a:solidFill>
-            <a:schemeClr val="tx1"/>
+            <a:schemeClr val="tx2"/>
           </a:solidFill>
           <a:latin typeface="+mn-lt"/>
           <a:ea typeface="+mn-ea"/>
           <a:cs typeface="+mn-cs"/>
         </a:defRPr>
       </a:lvl6pPr>
-      <a:lvl7pPr marL="2971800" indent="-228600" algn="l" defTabSz="914400" rtl="0" eaLnBrk="1" latinLnBrk="0" hangingPunct="1">
+      <a:lvl7pPr marL="3200400" indent="-384048" algn="l" defTabSz="914400" rtl="0" eaLnBrk="1" latinLnBrk="0" hangingPunct="1">
         <a:lnSpc>
-          <a:spcPct val="90000"/>
+          <a:spcPct val="94000"/>
         </a:lnSpc>
         <a:spcBef>
           <a:spcPts val="500"/>
         </a:spcBef>
-        <a:buFont typeface="Arial" panose="020B0604020202020204" pitchFamily="34" charset="0"/>
-        <a:buChar char="•"/>
-        <a:defRPr sz="1800" kern="1200">
+        <a:spcAft>
+          <a:spcPts val="200"/>
+        </a:spcAft>
+        <a:buFont typeface="Franklin Gothic Book" panose="020B0503020102020204" pitchFamily="34" charset="0"/>
+        <a:buChar char="■"/>
+        <a:defRPr sz="1400" kern="1200" baseline="0">
           <a:solidFill>
-            <a:schemeClr val="tx1"/>
+            <a:schemeClr val="tx2"/>
           </a:solidFill>
           <a:latin typeface="+mn-lt"/>
           <a:ea typeface="+mn-ea"/>
           <a:cs typeface="+mn-cs"/>
         </a:defRPr>
       </a:lvl7pPr>
-      <a:lvl8pPr marL="3429000" indent="-228600" algn="l" defTabSz="914400" rtl="0" eaLnBrk="1" latinLnBrk="0" hangingPunct="1">
+      <a:lvl8pPr marL="3657600" indent="-384048" algn="l" defTabSz="914400" rtl="0" eaLnBrk="1" latinLnBrk="0" hangingPunct="1">
         <a:lnSpc>
-          <a:spcPct val="90000"/>
+          <a:spcPct val="94000"/>
         </a:lnSpc>
         <a:spcBef>
           <a:spcPts val="500"/>
         </a:spcBef>
-        <a:buFont typeface="Arial" panose="020B0604020202020204" pitchFamily="34" charset="0"/>
-        <a:buChar char="•"/>
-        <a:defRPr sz="1800" kern="1200">
+        <a:spcAft>
+          <a:spcPts val="200"/>
+        </a:spcAft>
+        <a:buFont typeface="Franklin Gothic Book" panose="020B0503020102020204" pitchFamily="34" charset="0"/>
+        <a:buChar char="–"/>
+        <a:defRPr sz="1400" i="1" kern="1200" baseline="0">
           <a:solidFill>
-            <a:schemeClr val="tx1"/>
+            <a:schemeClr val="tx2"/>
           </a:solidFill>
           <a:latin typeface="+mn-lt"/>
           <a:ea typeface="+mn-ea"/>
           <a:cs typeface="+mn-cs"/>
         </a:defRPr>
       </a:lvl8pPr>
-      <a:lvl9pPr marL="3886200" indent="-228600" algn="l" defTabSz="914400" rtl="0" eaLnBrk="1" latinLnBrk="0" hangingPunct="1">
+      <a:lvl9pPr marL="4114800" indent="-384048" algn="l" defTabSz="914400" rtl="0" eaLnBrk="1" latinLnBrk="0" hangingPunct="1">
         <a:lnSpc>
-          <a:spcPct val="90000"/>
+          <a:spcPct val="94000"/>
         </a:lnSpc>
         <a:spcBef>
           <a:spcPts val="500"/>
         </a:spcBef>
-        <a:buFont typeface="Arial" panose="020B0604020202020204" pitchFamily="34" charset="0"/>
-        <a:buChar char="•"/>
-        <a:defRPr sz="1800" kern="1200">
+        <a:spcAft>
+          <a:spcPts val="200"/>
+        </a:spcAft>
+        <a:buFont typeface="Franklin Gothic Book" panose="020B0503020102020204" pitchFamily="34" charset="0"/>
+        <a:buChar char="■"/>
+        <a:defRPr sz="1400" kern="1200" baseline="0">
           <a:solidFill>
-            <a:schemeClr val="tx1"/>
+            <a:schemeClr val="tx2"/>
           </a:solidFill>
           <a:latin typeface="+mn-lt"/>
           <a:ea typeface="+mn-ea"/>
@@ -3841,6 +4406,52 @@
       </a:lvl9pPr>
     </p:otherStyle>
   </p:txStyles>
+  <p:extLst>
+    <p:ext uri="{27BBF7A9-308A-43DC-89C8-2F10F3537804}">
+      <p15:sldGuideLst xmlns:p15="http://schemas.microsoft.com/office/powerpoint/2012/main">
+        <p15:guide id="3" orient="horz" pos="1368">
+          <p15:clr>
+            <a:srgbClr val="F26B43"/>
+          </p15:clr>
+        </p15:guide>
+        <p15:guide id="4" orient="horz" pos="1440">
+          <p15:clr>
+            <a:srgbClr val="F26B43"/>
+          </p15:clr>
+        </p15:guide>
+        <p15:guide id="6" orient="horz" pos="3696">
+          <p15:clr>
+            <a:srgbClr val="F26B43"/>
+          </p15:clr>
+        </p15:guide>
+        <p15:guide id="7" orient="horz" pos="432">
+          <p15:clr>
+            <a:srgbClr val="F26B43"/>
+          </p15:clr>
+        </p15:guide>
+        <p15:guide id="8" orient="horz" pos="1512">
+          <p15:clr>
+            <a:srgbClr val="F26B43"/>
+          </p15:clr>
+        </p15:guide>
+        <p15:guide id="9" pos="6912">
+          <p15:clr>
+            <a:srgbClr val="F26B43"/>
+          </p15:clr>
+        </p15:guide>
+        <p15:guide id="10" pos="936">
+          <p15:clr>
+            <a:srgbClr val="F26B43"/>
+          </p15:clr>
+        </p15:guide>
+        <p15:guide id="11" pos="864">
+          <p15:clr>
+            <a:srgbClr val="F26B43"/>
+          </p15:clr>
+        </p15:guide>
+      </p15:sldGuideLst>
+    </p:ext>
+  </p:extLst>
 </p:sldMaster>
 </file>
 
@@ -3866,7 +4477,7 @@
           <p:cNvPr id="2" name="Title 1">
             <a:extLst>
               <a:ext uri="{FF2B5EF4-FFF2-40B4-BE49-F238E27FC236}">
-                <a16:creationId xmlns:a16="http://schemas.microsoft.com/office/drawing/2014/main" id="{191F8644-A3CF-460B-2E50-46686A837917}"/>
+                <a16:creationId xmlns:a16="http://schemas.microsoft.com/office/drawing/2014/main" id="{F4DE77ED-875D-A0AE-F5BA-68ACB0C2D5D9}"/>
               </a:ext>
             </a:extLst>
           </p:cNvPr>
@@ -3874,27 +4485,32 @@
             <a:spLocks noGrp="1"/>
           </p:cNvSpPr>
           <p:nvPr>
-            <p:ph type="title"/>
-          </p:nvPr>
-        </p:nvSpPr>
-        <p:spPr/>
+            <p:ph type="ctrTitle"/>
+          </p:nvPr>
+        </p:nvSpPr>
+        <p:spPr>
+          <a:xfrm>
+            <a:off x="1524000" y="2500829"/>
+            <a:ext cx="9144000" cy="1009134"/>
+          </a:xfrm>
+        </p:spPr>
         <p:txBody>
           <a:bodyPr/>
           <a:lstStyle/>
           <a:p>
             <a:r>
               <a:rPr lang="en-US"/>
-              <a:t>Agenda: Akshay Gulabrao</a:t>
-            </a:r>
-          </a:p>
-        </p:txBody>
-      </p:sp>
-      <p:sp>
-        <p:nvSpPr>
-          <p:cNvPr id="3" name="Content Placeholder 2">
+              <a:t>path planning &amp; ATR</a:t>
+            </a:r>
+          </a:p>
+        </p:txBody>
+      </p:sp>
+      <p:sp>
+        <p:nvSpPr>
+          <p:cNvPr id="3" name="Subtitle 2">
             <a:extLst>
               <a:ext uri="{FF2B5EF4-FFF2-40B4-BE49-F238E27FC236}">
-                <a16:creationId xmlns:a16="http://schemas.microsoft.com/office/drawing/2014/main" id="{D5C4F730-E41B-E282-951B-33E01D249DD3}"/>
+                <a16:creationId xmlns:a16="http://schemas.microsoft.com/office/drawing/2014/main" id="{E9078840-95FA-3A1C-278D-4EB03D022EDF}"/>
               </a:ext>
             </a:extLst>
           </p:cNvPr>
@@ -3902,85 +4518,25 @@
             <a:spLocks noGrp="1"/>
           </p:cNvSpPr>
           <p:nvPr>
-            <p:ph idx="1"/>
+            <p:ph type="subTitle" idx="1"/>
           </p:nvPr>
         </p:nvSpPr>
         <p:spPr/>
         <p:txBody>
-          <a:bodyPr>
-            <a:normAutofit/>
-          </a:bodyPr>
+          <a:bodyPr/>
           <a:lstStyle/>
           <a:p>
             <a:r>
               <a:rPr lang="en-US"/>
-              <a:t>Path Planning</a:t>
-            </a:r>
-          </a:p>
-          <a:p>
-            <a:pPr lvl="1"/>
-            <a:r>
-              <a:rPr lang="en-US"/>
-              <a:t>Visibility Graphs</a:t>
-            </a:r>
-          </a:p>
-          <a:p>
-            <a:pPr lvl="1"/>
-            <a:r>
-              <a:rPr lang="en-US"/>
-              <a:t>Latency Graphs</a:t>
-            </a:r>
-          </a:p>
-          <a:p>
-            <a:pPr lvl="1"/>
-            <a:r>
-              <a:rPr lang="en-US"/>
-              <a:t>Motion Planning</a:t>
-            </a:r>
-          </a:p>
-          <a:p>
-            <a:r>
-              <a:rPr lang="en-US"/>
-              <a:t>Automated Target Recognition</a:t>
-            </a:r>
-          </a:p>
-          <a:p>
-            <a:pPr lvl="1"/>
-            <a:r>
-              <a:rPr lang="en-US"/>
-              <a:t>SSD</a:t>
-            </a:r>
-          </a:p>
-          <a:p>
-            <a:pPr lvl="1"/>
-            <a:r>
-              <a:rPr lang="en-US"/>
-              <a:t>RTDETR</a:t>
-            </a:r>
-          </a:p>
-          <a:p>
-            <a:r>
-              <a:rPr lang="en-US"/>
-              <a:t>Smaller Projects</a:t>
-            </a:r>
-          </a:p>
-          <a:p>
-            <a:pPr lvl="1"/>
-            <a:r>
-              <a:rPr lang="en-US"/>
-              <a:t>Kalman Filter, Image Registration, Image Projection</a:t>
-            </a:r>
-            <a:br>
-              <a:rPr lang="en-US"/>
-            </a:br>
-            <a:endParaRPr lang="en-US"/>
+              <a:t>Akshay</a:t>
+            </a:r>
           </a:p>
         </p:txBody>
       </p:sp>
     </p:spTree>
     <p:extLst>
       <p:ext uri="{BB962C8B-B14F-4D97-AF65-F5344CB8AC3E}">
-        <p14:creationId xmlns:p14="http://schemas.microsoft.com/office/powerpoint/2010/main" val="1811106839"/>
+        <p14:creationId xmlns:p14="http://schemas.microsoft.com/office/powerpoint/2010/main" val="486946049"/>
       </p:ext>
     </p:extLst>
   </p:cSld>
@@ -4009,335 +4565,6 @@
       </p:grpSpPr>
       <p:sp>
         <p:nvSpPr>
-          <p:cNvPr id="2" name="Title 1">
-            <a:extLst>
-              <a:ext uri="{FF2B5EF4-FFF2-40B4-BE49-F238E27FC236}">
-                <a16:creationId xmlns:a16="http://schemas.microsoft.com/office/drawing/2014/main" id="{397CC22D-03C4-A6D5-5B58-5CF9F1F4AC98}"/>
-              </a:ext>
-            </a:extLst>
-          </p:cNvPr>
-          <p:cNvSpPr>
-            <a:spLocks noGrp="1"/>
-          </p:cNvSpPr>
-          <p:nvPr>
-            <p:ph type="title"/>
-          </p:nvPr>
-        </p:nvSpPr>
-        <p:spPr/>
-        <p:txBody>
-          <a:bodyPr/>
-          <a:lstStyle/>
-          <a:p>
-            <a:endParaRPr lang="en-US"/>
-          </a:p>
-        </p:txBody>
-      </p:sp>
-      <p:sp>
-        <p:nvSpPr>
-          <p:cNvPr id="3" name="Content Placeholder 2">
-            <a:extLst>
-              <a:ext uri="{FF2B5EF4-FFF2-40B4-BE49-F238E27FC236}">
-                <a16:creationId xmlns:a16="http://schemas.microsoft.com/office/drawing/2014/main" id="{C3DB232A-B0FE-DCA6-C502-A8BB8756E5EA}"/>
-              </a:ext>
-            </a:extLst>
-          </p:cNvPr>
-          <p:cNvSpPr>
-            <a:spLocks noGrp="1"/>
-          </p:cNvSpPr>
-          <p:nvPr>
-            <p:ph idx="1"/>
-          </p:nvPr>
-        </p:nvSpPr>
-        <p:spPr/>
-        <p:txBody>
-          <a:bodyPr/>
-          <a:lstStyle/>
-          <a:p>
-            <a:endParaRPr lang="en-US"/>
-          </a:p>
-        </p:txBody>
-      </p:sp>
-    </p:spTree>
-    <p:extLst>
-      <p:ext uri="{BB962C8B-B14F-4D97-AF65-F5344CB8AC3E}">
-        <p14:creationId xmlns:p14="http://schemas.microsoft.com/office/powerpoint/2010/main" val="3984749438"/>
-      </p:ext>
-    </p:extLst>
-  </p:cSld>
-  <p:clrMapOvr>
-    <a:masterClrMapping/>
-  </p:clrMapOvr>
-</p:sld>
-</file>
-
-<file path=ppt/slides/slide2.xml><?xml version="1.0" encoding="utf-8"?>
-<p:sld xmlns:a="http://schemas.openxmlformats.org/drawingml/2006/main" xmlns:r="http://schemas.openxmlformats.org/officeDocument/2006/relationships" xmlns:p="http://schemas.openxmlformats.org/presentationml/2006/main">
-  <p:cSld>
-    <p:spTree>
-      <p:nvGrpSpPr>
-        <p:cNvPr id="1" name=""/>
-        <p:cNvGrpSpPr/>
-        <p:nvPr/>
-      </p:nvGrpSpPr>
-      <p:grpSpPr>
-        <a:xfrm>
-          <a:off x="0" y="0"/>
-          <a:ext cx="0" cy="0"/>
-          <a:chOff x="0" y="0"/>
-          <a:chExt cx="0" cy="0"/>
-        </a:xfrm>
-      </p:grpSpPr>
-      <p:sp>
-        <p:nvSpPr>
-          <p:cNvPr id="2" name="Title 1">
-            <a:extLst>
-              <a:ext uri="{FF2B5EF4-FFF2-40B4-BE49-F238E27FC236}">
-                <a16:creationId xmlns:a16="http://schemas.microsoft.com/office/drawing/2014/main" id="{BBFACA97-ACA9-C663-D29B-190238D6FB88}"/>
-              </a:ext>
-            </a:extLst>
-          </p:cNvPr>
-          <p:cNvSpPr>
-            <a:spLocks noGrp="1"/>
-          </p:cNvSpPr>
-          <p:nvPr>
-            <p:ph type="title"/>
-          </p:nvPr>
-        </p:nvSpPr>
-        <p:spPr/>
-        <p:txBody>
-          <a:bodyPr/>
-          <a:lstStyle/>
-          <a:p>
-            <a:r>
-              <a:rPr lang="en-US"/>
-              <a:t>Path Navigation</a:t>
-            </a:r>
-          </a:p>
-        </p:txBody>
-      </p:sp>
-      <p:sp>
-        <p:nvSpPr>
-          <p:cNvPr id="3" name="Content Placeholder 2">
-            <a:extLst>
-              <a:ext uri="{FF2B5EF4-FFF2-40B4-BE49-F238E27FC236}">
-                <a16:creationId xmlns:a16="http://schemas.microsoft.com/office/drawing/2014/main" id="{BF7884AA-1CF5-28AA-1471-A05089BA4A0B}"/>
-              </a:ext>
-            </a:extLst>
-          </p:cNvPr>
-          <p:cNvSpPr>
-            <a:spLocks noGrp="1"/>
-          </p:cNvSpPr>
-          <p:nvPr>
-            <p:ph idx="1"/>
-          </p:nvPr>
-        </p:nvSpPr>
-        <p:spPr/>
-        <p:txBody>
-          <a:bodyPr/>
-          <a:lstStyle/>
-          <a:p>
-            <a:endParaRPr lang="en-US"/>
-          </a:p>
-        </p:txBody>
-      </p:sp>
-    </p:spTree>
-    <p:extLst>
-      <p:ext uri="{BB962C8B-B14F-4D97-AF65-F5344CB8AC3E}">
-        <p14:creationId xmlns:p14="http://schemas.microsoft.com/office/powerpoint/2010/main" val="3747270026"/>
-      </p:ext>
-    </p:extLst>
-  </p:cSld>
-  <p:clrMapOvr>
-    <a:masterClrMapping/>
-  </p:clrMapOvr>
-</p:sld>
-</file>
-
-<file path=ppt/slides/slide3.xml><?xml version="1.0" encoding="utf-8"?>
-<p:sld xmlns:a="http://schemas.openxmlformats.org/drawingml/2006/main" xmlns:r="http://schemas.openxmlformats.org/officeDocument/2006/relationships" xmlns:p="http://schemas.openxmlformats.org/presentationml/2006/main">
-  <p:cSld>
-    <p:spTree>
-      <p:nvGrpSpPr>
-        <p:cNvPr id="1" name=""/>
-        <p:cNvGrpSpPr/>
-        <p:nvPr/>
-      </p:nvGrpSpPr>
-      <p:grpSpPr>
-        <a:xfrm>
-          <a:off x="0" y="0"/>
-          <a:ext cx="0" cy="0"/>
-          <a:chOff x="0" y="0"/>
-          <a:chExt cx="0" cy="0"/>
-        </a:xfrm>
-      </p:grpSpPr>
-      <p:sp>
-        <p:nvSpPr>
-          <p:cNvPr id="2" name="Title 1">
-            <a:extLst>
-              <a:ext uri="{FF2B5EF4-FFF2-40B4-BE49-F238E27FC236}">
-                <a16:creationId xmlns:a16="http://schemas.microsoft.com/office/drawing/2014/main" id="{FE5AB1FA-F254-FB3B-61AC-B6796C528CA5}"/>
-              </a:ext>
-            </a:extLst>
-          </p:cNvPr>
-          <p:cNvSpPr>
-            <a:spLocks noGrp="1"/>
-          </p:cNvSpPr>
-          <p:nvPr>
-            <p:ph type="title"/>
-          </p:nvPr>
-        </p:nvSpPr>
-        <p:spPr/>
-        <p:txBody>
-          <a:bodyPr/>
-          <a:lstStyle/>
-          <a:p>
-            <a:r>
-              <a:rPr lang="en-US"/>
-              <a:t>Surveillance</a:t>
-            </a:r>
-          </a:p>
-        </p:txBody>
-      </p:sp>
-      <p:sp>
-        <p:nvSpPr>
-          <p:cNvPr id="3" name="Content Placeholder 2">
-            <a:extLst>
-              <a:ext uri="{FF2B5EF4-FFF2-40B4-BE49-F238E27FC236}">
-                <a16:creationId xmlns:a16="http://schemas.microsoft.com/office/drawing/2014/main" id="{1B961BD4-8805-B148-3007-DC607B6CB0CC}"/>
-              </a:ext>
-            </a:extLst>
-          </p:cNvPr>
-          <p:cNvSpPr>
-            <a:spLocks noGrp="1"/>
-          </p:cNvSpPr>
-          <p:nvPr>
-            <p:ph idx="1"/>
-          </p:nvPr>
-        </p:nvSpPr>
-        <p:spPr/>
-        <p:txBody>
-          <a:bodyPr/>
-          <a:lstStyle/>
-          <a:p>
-            <a:endParaRPr lang="en-US"/>
-          </a:p>
-        </p:txBody>
-      </p:sp>
-    </p:spTree>
-    <p:extLst>
-      <p:ext uri="{BB962C8B-B14F-4D97-AF65-F5344CB8AC3E}">
-        <p14:creationId xmlns:p14="http://schemas.microsoft.com/office/powerpoint/2010/main" val="2229688747"/>
-      </p:ext>
-    </p:extLst>
-  </p:cSld>
-  <p:clrMapOvr>
-    <a:masterClrMapping/>
-  </p:clrMapOvr>
-</p:sld>
-</file>
-
-<file path=ppt/slides/slide4.xml><?xml version="1.0" encoding="utf-8"?>
-<p:sld xmlns:a="http://schemas.openxmlformats.org/drawingml/2006/main" xmlns:r="http://schemas.openxmlformats.org/officeDocument/2006/relationships" xmlns:p="http://schemas.openxmlformats.org/presentationml/2006/main">
-  <p:cSld>
-    <p:spTree>
-      <p:nvGrpSpPr>
-        <p:cNvPr id="1" name=""/>
-        <p:cNvGrpSpPr/>
-        <p:nvPr/>
-      </p:nvGrpSpPr>
-      <p:grpSpPr>
-        <a:xfrm>
-          <a:off x="0" y="0"/>
-          <a:ext cx="0" cy="0"/>
-          <a:chOff x="0" y="0"/>
-          <a:chExt cx="0" cy="0"/>
-        </a:xfrm>
-      </p:grpSpPr>
-      <p:sp>
-        <p:nvSpPr>
-          <p:cNvPr id="2" name="Title 1">
-            <a:extLst>
-              <a:ext uri="{FF2B5EF4-FFF2-40B4-BE49-F238E27FC236}">
-                <a16:creationId xmlns:a16="http://schemas.microsoft.com/office/drawing/2014/main" id="{201D5570-C76C-1B64-C4FF-985506EDEB00}"/>
-              </a:ext>
-            </a:extLst>
-          </p:cNvPr>
-          <p:cNvSpPr>
-            <a:spLocks noGrp="1"/>
-          </p:cNvSpPr>
-          <p:nvPr>
-            <p:ph type="title"/>
-          </p:nvPr>
-        </p:nvSpPr>
-        <p:spPr/>
-        <p:txBody>
-          <a:bodyPr/>
-          <a:lstStyle/>
-          <a:p>
-            <a:r>
-              <a:rPr lang="en-US"/>
-              <a:t>Motion Planning with Convex Optimization</a:t>
-            </a:r>
-          </a:p>
-        </p:txBody>
-      </p:sp>
-      <p:sp>
-        <p:nvSpPr>
-          <p:cNvPr id="3" name="Content Placeholder 2">
-            <a:extLst>
-              <a:ext uri="{FF2B5EF4-FFF2-40B4-BE49-F238E27FC236}">
-                <a16:creationId xmlns:a16="http://schemas.microsoft.com/office/drawing/2014/main" id="{A3478F51-43EF-1A57-0276-F223B7D905FD}"/>
-              </a:ext>
-            </a:extLst>
-          </p:cNvPr>
-          <p:cNvSpPr>
-            <a:spLocks noGrp="1"/>
-          </p:cNvSpPr>
-          <p:nvPr>
-            <p:ph idx="1"/>
-          </p:nvPr>
-        </p:nvSpPr>
-        <p:spPr/>
-        <p:txBody>
-          <a:bodyPr/>
-          <a:lstStyle/>
-          <a:p>
-            <a:endParaRPr lang="en-US"/>
-          </a:p>
-        </p:txBody>
-      </p:sp>
-    </p:spTree>
-    <p:extLst>
-      <p:ext uri="{BB962C8B-B14F-4D97-AF65-F5344CB8AC3E}">
-        <p14:creationId xmlns:p14="http://schemas.microsoft.com/office/powerpoint/2010/main" val="1371077474"/>
-      </p:ext>
-    </p:extLst>
-  </p:cSld>
-  <p:clrMapOvr>
-    <a:masterClrMapping/>
-  </p:clrMapOvr>
-</p:sld>
-</file>
-
-<file path=ppt/slides/slide5.xml><?xml version="1.0" encoding="utf-8"?>
-<p:sld xmlns:a="http://schemas.openxmlformats.org/drawingml/2006/main" xmlns:r="http://schemas.openxmlformats.org/officeDocument/2006/relationships" xmlns:p="http://schemas.openxmlformats.org/presentationml/2006/main">
-  <p:cSld>
-    <p:spTree>
-      <p:nvGrpSpPr>
-        <p:cNvPr id="1" name=""/>
-        <p:cNvGrpSpPr/>
-        <p:nvPr/>
-      </p:nvGrpSpPr>
-      <p:grpSpPr>
-        <a:xfrm>
-          <a:off x="0" y="0"/>
-          <a:ext cx="0" cy="0"/>
-          <a:chOff x="0" y="0"/>
-          <a:chExt cx="0" cy="0"/>
-        </a:xfrm>
-      </p:grpSpPr>
-      <p:sp>
-        <p:nvSpPr>
           <p:cNvPr id="5" name="Title 4">
             <a:extLst>
               <a:ext uri="{FF2B5EF4-FFF2-40B4-BE49-F238E27FC236}">
@@ -4365,7 +4592,7 @@
         </p:spPr>
         <p:txBody>
           <a:bodyPr>
-            <a:normAutofit/>
+            <a:normAutofit fontScale="90000"/>
           </a:bodyPr>
           <a:lstStyle/>
           <a:p>
@@ -4524,7 +4751,7 @@
 </p:sld>
 </file>
 
-<file path=ppt/slides/slide6.xml><?xml version="1.0" encoding="utf-8"?>
+<file path=ppt/slides/slide11.xml><?xml version="1.0" encoding="utf-8"?>
 <p:sld xmlns:a="http://schemas.openxmlformats.org/drawingml/2006/main" xmlns:r="http://schemas.openxmlformats.org/officeDocument/2006/relationships" xmlns:p="http://schemas.openxmlformats.org/presentationml/2006/main">
   <p:cSld>
     <p:spTree>
@@ -4585,12 +4812,7 @@
             <p:ph idx="1"/>
           </p:nvPr>
         </p:nvSpPr>
-        <p:spPr>
-          <a:xfrm>
-            <a:off x="838199" y="1825625"/>
-            <a:ext cx="10515599" cy="4351338"/>
-          </a:xfrm>
-        </p:spPr>
+        <p:spPr/>
         <p:txBody>
           <a:bodyPr/>
           <a:lstStyle/>
@@ -4642,7 +4864,97 @@
 </p:sld>
 </file>
 
-<file path=ppt/slides/slide7.xml><?xml version="1.0" encoding="utf-8"?>
+<file path=ppt/slides/slide12.xml><?xml version="1.0" encoding="utf-8"?>
+<p:sld xmlns:a="http://schemas.openxmlformats.org/drawingml/2006/main" xmlns:r="http://schemas.openxmlformats.org/officeDocument/2006/relationships" xmlns:p="http://schemas.openxmlformats.org/presentationml/2006/main">
+  <p:cSld>
+    <p:spTree>
+      <p:nvGrpSpPr>
+        <p:cNvPr id="1" name=""/>
+        <p:cNvGrpSpPr/>
+        <p:nvPr/>
+      </p:nvGrpSpPr>
+      <p:grpSpPr>
+        <a:xfrm>
+          <a:off x="0" y="0"/>
+          <a:ext cx="0" cy="0"/>
+          <a:chOff x="0" y="0"/>
+          <a:chExt cx="0" cy="0"/>
+        </a:xfrm>
+      </p:grpSpPr>
+      <p:sp>
+        <p:nvSpPr>
+          <p:cNvPr id="2" name="Title 1">
+            <a:extLst>
+              <a:ext uri="{FF2B5EF4-FFF2-40B4-BE49-F238E27FC236}">
+                <a16:creationId xmlns:a16="http://schemas.microsoft.com/office/drawing/2014/main" id="{9593CEC4-CBF0-8332-9C13-A5FDC0BE861E}"/>
+              </a:ext>
+            </a:extLst>
+          </p:cNvPr>
+          <p:cNvSpPr>
+            <a:spLocks noGrp="1"/>
+          </p:cNvSpPr>
+          <p:nvPr>
+            <p:ph type="title"/>
+          </p:nvPr>
+        </p:nvSpPr>
+        <p:spPr/>
+        <p:txBody>
+          <a:bodyPr/>
+          <a:lstStyle/>
+          <a:p>
+            <a:r>
+              <a:rPr lang="en-US"/>
+              <a:t>Network Architecture:</a:t>
+            </a:r>
+            <a:br>
+              <a:rPr lang="en-US"/>
+            </a:br>
+            <a:r>
+              <a:rPr lang="en-US"/>
+              <a:t>Object Detection</a:t>
+            </a:r>
+          </a:p>
+        </p:txBody>
+      </p:sp>
+      <p:sp>
+        <p:nvSpPr>
+          <p:cNvPr id="3" name="Content Placeholder 2">
+            <a:extLst>
+              <a:ext uri="{FF2B5EF4-FFF2-40B4-BE49-F238E27FC236}">
+                <a16:creationId xmlns:a16="http://schemas.microsoft.com/office/drawing/2014/main" id="{D853A361-FE8F-DF6C-88C8-8FDDB1C4414F}"/>
+              </a:ext>
+            </a:extLst>
+          </p:cNvPr>
+          <p:cNvSpPr>
+            <a:spLocks noGrp="1"/>
+          </p:cNvSpPr>
+          <p:nvPr>
+            <p:ph idx="1"/>
+          </p:nvPr>
+        </p:nvSpPr>
+        <p:spPr/>
+        <p:txBody>
+          <a:bodyPr/>
+          <a:lstStyle/>
+          <a:p>
+            <a:endParaRPr lang="en-US"/>
+          </a:p>
+        </p:txBody>
+      </p:sp>
+    </p:spTree>
+    <p:extLst>
+      <p:ext uri="{BB962C8B-B14F-4D97-AF65-F5344CB8AC3E}">
+        <p14:creationId xmlns:p14="http://schemas.microsoft.com/office/powerpoint/2010/main" val="616644161"/>
+      </p:ext>
+    </p:extLst>
+  </p:cSld>
+  <p:clrMapOvr>
+    <a:masterClrMapping/>
+  </p:clrMapOvr>
+</p:sld>
+</file>
+
+<file path=ppt/slides/slide13.xml><?xml version="1.0" encoding="utf-8"?>
 <p:sld xmlns:a="http://schemas.openxmlformats.org/drawingml/2006/main" xmlns:r="http://schemas.openxmlformats.org/officeDocument/2006/relationships" xmlns:p="http://schemas.openxmlformats.org/presentationml/2006/main">
   <p:cSld>
     <p:spTree>
@@ -4735,6 +5047,1281 @@
 </p:sld>
 </file>
 
+<file path=ppt/slides/slide14.xml><?xml version="1.0" encoding="utf-8"?>
+<p:sld xmlns:a="http://schemas.openxmlformats.org/drawingml/2006/main" xmlns:r="http://schemas.openxmlformats.org/officeDocument/2006/relationships" xmlns:p="http://schemas.openxmlformats.org/presentationml/2006/main">
+  <p:cSld>
+    <p:spTree>
+      <p:nvGrpSpPr>
+        <p:cNvPr id="1" name=""/>
+        <p:cNvGrpSpPr/>
+        <p:nvPr/>
+      </p:nvGrpSpPr>
+      <p:grpSpPr>
+        <a:xfrm>
+          <a:off x="0" y="0"/>
+          <a:ext cx="0" cy="0"/>
+          <a:chOff x="0" y="0"/>
+          <a:chExt cx="0" cy="0"/>
+        </a:xfrm>
+      </p:grpSpPr>
+      <p:sp>
+        <p:nvSpPr>
+          <p:cNvPr id="2" name="Title 1">
+            <a:extLst>
+              <a:ext uri="{FF2B5EF4-FFF2-40B4-BE49-F238E27FC236}">
+                <a16:creationId xmlns:a16="http://schemas.microsoft.com/office/drawing/2014/main" id="{FC70CC81-D2A8-7ED3-D2B7-B59A53FD803A}"/>
+              </a:ext>
+            </a:extLst>
+          </p:cNvPr>
+          <p:cNvSpPr>
+            <a:spLocks noGrp="1"/>
+          </p:cNvSpPr>
+          <p:nvPr>
+            <p:ph type="title"/>
+          </p:nvPr>
+        </p:nvSpPr>
+        <p:spPr/>
+        <p:txBody>
+          <a:bodyPr/>
+          <a:lstStyle/>
+          <a:p>
+            <a:r>
+              <a:rPr lang="en-US"/>
+              <a:t>Network Architecture: RTDETR</a:t>
+            </a:r>
+          </a:p>
+        </p:txBody>
+      </p:sp>
+      <p:sp>
+        <p:nvSpPr>
+          <p:cNvPr id="3" name="Content Placeholder 2">
+            <a:extLst>
+              <a:ext uri="{FF2B5EF4-FFF2-40B4-BE49-F238E27FC236}">
+                <a16:creationId xmlns:a16="http://schemas.microsoft.com/office/drawing/2014/main" id="{113E4DB4-929B-50E3-E7EE-1C950C8E6B39}"/>
+              </a:ext>
+            </a:extLst>
+          </p:cNvPr>
+          <p:cNvSpPr>
+            <a:spLocks noGrp="1"/>
+          </p:cNvSpPr>
+          <p:nvPr>
+            <p:ph idx="1"/>
+          </p:nvPr>
+        </p:nvSpPr>
+        <p:spPr/>
+        <p:txBody>
+          <a:bodyPr/>
+          <a:lstStyle/>
+          <a:p>
+            <a:endParaRPr lang="en-US"/>
+          </a:p>
+        </p:txBody>
+      </p:sp>
+    </p:spTree>
+    <p:extLst>
+      <p:ext uri="{BB962C8B-B14F-4D97-AF65-F5344CB8AC3E}">
+        <p14:creationId xmlns:p14="http://schemas.microsoft.com/office/powerpoint/2010/main" val="1351897136"/>
+      </p:ext>
+    </p:extLst>
+  </p:cSld>
+  <p:clrMapOvr>
+    <a:masterClrMapping/>
+  </p:clrMapOvr>
+</p:sld>
+</file>
+
+<file path=ppt/slides/slide15.xml><?xml version="1.0" encoding="utf-8"?>
+<p:sld xmlns:a="http://schemas.openxmlformats.org/drawingml/2006/main" xmlns:r="http://schemas.openxmlformats.org/officeDocument/2006/relationships" xmlns:p="http://schemas.openxmlformats.org/presentationml/2006/main">
+  <p:cSld>
+    <p:spTree>
+      <p:nvGrpSpPr>
+        <p:cNvPr id="1" name=""/>
+        <p:cNvGrpSpPr/>
+        <p:nvPr/>
+      </p:nvGrpSpPr>
+      <p:grpSpPr>
+        <a:xfrm>
+          <a:off x="0" y="0"/>
+          <a:ext cx="0" cy="0"/>
+          <a:chOff x="0" y="0"/>
+          <a:chExt cx="0" cy="0"/>
+        </a:xfrm>
+      </p:grpSpPr>
+      <p:sp>
+        <p:nvSpPr>
+          <p:cNvPr id="2" name="Title 1">
+            <a:extLst>
+              <a:ext uri="{FF2B5EF4-FFF2-40B4-BE49-F238E27FC236}">
+                <a16:creationId xmlns:a16="http://schemas.microsoft.com/office/drawing/2014/main" id="{3A6A873E-B64D-0933-0517-9B7A3C0073FD}"/>
+              </a:ext>
+            </a:extLst>
+          </p:cNvPr>
+          <p:cNvSpPr>
+            <a:spLocks noGrp="1"/>
+          </p:cNvSpPr>
+          <p:nvPr>
+            <p:ph type="title"/>
+          </p:nvPr>
+        </p:nvSpPr>
+        <p:spPr/>
+        <p:txBody>
+          <a:bodyPr/>
+          <a:lstStyle/>
+          <a:p>
+            <a:r>
+              <a:rPr lang="en-US"/>
+              <a:t>Frontier Research</a:t>
+            </a:r>
+          </a:p>
+        </p:txBody>
+      </p:sp>
+      <p:sp>
+        <p:nvSpPr>
+          <p:cNvPr id="3" name="Content Placeholder 2">
+            <a:extLst>
+              <a:ext uri="{FF2B5EF4-FFF2-40B4-BE49-F238E27FC236}">
+                <a16:creationId xmlns:a16="http://schemas.microsoft.com/office/drawing/2014/main" id="{DAEADE80-CEC0-4099-7078-5DFC235EAFCB}"/>
+              </a:ext>
+            </a:extLst>
+          </p:cNvPr>
+          <p:cNvSpPr>
+            <a:spLocks noGrp="1"/>
+          </p:cNvSpPr>
+          <p:nvPr>
+            <p:ph idx="1"/>
+          </p:nvPr>
+        </p:nvSpPr>
+        <p:spPr>
+          <a:xfrm>
+            <a:off x="1371600" y="1428750"/>
+            <a:ext cx="4724400" cy="2216818"/>
+          </a:xfrm>
+        </p:spPr>
+        <p:txBody>
+          <a:bodyPr/>
+          <a:lstStyle/>
+          <a:p>
+            <a:r>
+              <a:rPr lang="en-US"/>
+              <a:t>Unsupervised Learning with Autoencoders</a:t>
+            </a:r>
+          </a:p>
+          <a:p>
+            <a:r>
+              <a:rPr lang="en-US"/>
+              <a:t>Fused Detection and Tracking Pipeline with RNNs</a:t>
+            </a:r>
+          </a:p>
+          <a:p>
+            <a:r>
+              <a:rPr lang="en-US"/>
+              <a:t>GANs for Data Augmentation</a:t>
+            </a:r>
+          </a:p>
+        </p:txBody>
+      </p:sp>
+    </p:spTree>
+    <p:extLst>
+      <p:ext uri="{BB962C8B-B14F-4D97-AF65-F5344CB8AC3E}">
+        <p14:creationId xmlns:p14="http://schemas.microsoft.com/office/powerpoint/2010/main" val="1655952554"/>
+      </p:ext>
+    </p:extLst>
+  </p:cSld>
+  <p:clrMapOvr>
+    <a:masterClrMapping/>
+  </p:clrMapOvr>
+</p:sld>
+</file>
+
+<file path=ppt/slides/slide16.xml><?xml version="1.0" encoding="utf-8"?>
+<p:sld xmlns:a="http://schemas.openxmlformats.org/drawingml/2006/main" xmlns:r="http://schemas.openxmlformats.org/officeDocument/2006/relationships" xmlns:p="http://schemas.openxmlformats.org/presentationml/2006/main">
+  <p:cSld>
+    <p:spTree>
+      <p:nvGrpSpPr>
+        <p:cNvPr id="1" name=""/>
+        <p:cNvGrpSpPr/>
+        <p:nvPr/>
+      </p:nvGrpSpPr>
+      <p:grpSpPr>
+        <a:xfrm>
+          <a:off x="0" y="0"/>
+          <a:ext cx="0" cy="0"/>
+          <a:chOff x="0" y="0"/>
+          <a:chExt cx="0" cy="0"/>
+        </a:xfrm>
+      </p:grpSpPr>
+      <p:sp>
+        <p:nvSpPr>
+          <p:cNvPr id="2" name="Title 1">
+            <a:extLst>
+              <a:ext uri="{FF2B5EF4-FFF2-40B4-BE49-F238E27FC236}">
+                <a16:creationId xmlns:a16="http://schemas.microsoft.com/office/drawing/2014/main" id="{303D01E3-ED19-A6D9-6FA1-CFF5A8D50ACD}"/>
+              </a:ext>
+            </a:extLst>
+          </p:cNvPr>
+          <p:cNvSpPr>
+            <a:spLocks noGrp="1"/>
+          </p:cNvSpPr>
+          <p:nvPr>
+            <p:ph type="title"/>
+          </p:nvPr>
+        </p:nvSpPr>
+        <p:spPr/>
+        <p:txBody>
+          <a:bodyPr/>
+          <a:lstStyle/>
+          <a:p>
+            <a:r>
+              <a:rPr lang="en-US"/>
+              <a:t>Smaller Projects</a:t>
+            </a:r>
+          </a:p>
+        </p:txBody>
+      </p:sp>
+      <p:sp>
+        <p:nvSpPr>
+          <p:cNvPr id="3" name="Content Placeholder 2">
+            <a:extLst>
+              <a:ext uri="{FF2B5EF4-FFF2-40B4-BE49-F238E27FC236}">
+                <a16:creationId xmlns:a16="http://schemas.microsoft.com/office/drawing/2014/main" id="{F3B92DDF-BF22-13E7-00E4-1BAFECC53B07}"/>
+              </a:ext>
+            </a:extLst>
+          </p:cNvPr>
+          <p:cNvSpPr>
+            <a:spLocks noGrp="1"/>
+          </p:cNvSpPr>
+          <p:nvPr>
+            <p:ph idx="1"/>
+          </p:nvPr>
+        </p:nvSpPr>
+        <p:spPr/>
+        <p:txBody>
+          <a:bodyPr/>
+          <a:lstStyle/>
+          <a:p>
+            <a:r>
+              <a:rPr lang="en-US"/>
+              <a:t>Image Registration</a:t>
+            </a:r>
+          </a:p>
+          <a:p>
+            <a:r>
+              <a:rPr lang="en-US"/>
+              <a:t>Image Projection</a:t>
+            </a:r>
+          </a:p>
+        </p:txBody>
+      </p:sp>
+    </p:spTree>
+    <p:extLst>
+      <p:ext uri="{BB962C8B-B14F-4D97-AF65-F5344CB8AC3E}">
+        <p14:creationId xmlns:p14="http://schemas.microsoft.com/office/powerpoint/2010/main" val="1218656254"/>
+      </p:ext>
+    </p:extLst>
+  </p:cSld>
+  <p:clrMapOvr>
+    <a:masterClrMapping/>
+  </p:clrMapOvr>
+</p:sld>
+</file>
+
+<file path=ppt/slides/slide17.xml><?xml version="1.0" encoding="utf-8"?>
+<p:sld xmlns:a="http://schemas.openxmlformats.org/drawingml/2006/main" xmlns:r="http://schemas.openxmlformats.org/officeDocument/2006/relationships" xmlns:p="http://schemas.openxmlformats.org/presentationml/2006/main">
+  <p:cSld>
+    <p:spTree>
+      <p:nvGrpSpPr>
+        <p:cNvPr id="1" name=""/>
+        <p:cNvGrpSpPr/>
+        <p:nvPr/>
+      </p:nvGrpSpPr>
+      <p:grpSpPr>
+        <a:xfrm>
+          <a:off x="0" y="0"/>
+          <a:ext cx="0" cy="0"/>
+          <a:chOff x="0" y="0"/>
+          <a:chExt cx="0" cy="0"/>
+        </a:xfrm>
+      </p:grpSpPr>
+      <p:sp>
+        <p:nvSpPr>
+          <p:cNvPr id="2" name="Title 1">
+            <a:extLst>
+              <a:ext uri="{FF2B5EF4-FFF2-40B4-BE49-F238E27FC236}">
+                <a16:creationId xmlns:a16="http://schemas.microsoft.com/office/drawing/2014/main" id="{114352E9-A540-2243-995E-8F5B2BF6BB6D}"/>
+              </a:ext>
+            </a:extLst>
+          </p:cNvPr>
+          <p:cNvSpPr>
+            <a:spLocks noGrp="1"/>
+          </p:cNvSpPr>
+          <p:nvPr>
+            <p:ph type="title"/>
+          </p:nvPr>
+        </p:nvSpPr>
+        <p:spPr/>
+        <p:txBody>
+          <a:bodyPr/>
+          <a:lstStyle/>
+          <a:p>
+            <a:r>
+              <a:rPr lang="en-US"/>
+              <a:t>Image Registration: DFT Registration</a:t>
+            </a:r>
+          </a:p>
+        </p:txBody>
+      </p:sp>
+      <p:sp>
+        <p:nvSpPr>
+          <p:cNvPr id="3" name="Content Placeholder 2">
+            <a:extLst>
+              <a:ext uri="{FF2B5EF4-FFF2-40B4-BE49-F238E27FC236}">
+                <a16:creationId xmlns:a16="http://schemas.microsoft.com/office/drawing/2014/main" id="{3D06CF4B-C539-232D-D216-65251A78B50B}"/>
+              </a:ext>
+            </a:extLst>
+          </p:cNvPr>
+          <p:cNvSpPr>
+            <a:spLocks noGrp="1"/>
+          </p:cNvSpPr>
+          <p:nvPr>
+            <p:ph idx="1"/>
+          </p:nvPr>
+        </p:nvSpPr>
+        <p:spPr/>
+        <p:txBody>
+          <a:bodyPr/>
+          <a:lstStyle/>
+          <a:p>
+            <a:r>
+              <a:rPr lang="en-US"/>
+              <a:t>Fourier Transform: alternate representation of any periodic signal</a:t>
+            </a:r>
+          </a:p>
+        </p:txBody>
+      </p:sp>
+    </p:spTree>
+    <p:extLst>
+      <p:ext uri="{BB962C8B-B14F-4D97-AF65-F5344CB8AC3E}">
+        <p14:creationId xmlns:p14="http://schemas.microsoft.com/office/powerpoint/2010/main" val="2769614058"/>
+      </p:ext>
+    </p:extLst>
+  </p:cSld>
+  <p:clrMapOvr>
+    <a:masterClrMapping/>
+  </p:clrMapOvr>
+</p:sld>
+</file>
+
+<file path=ppt/slides/slide18.xml><?xml version="1.0" encoding="utf-8"?>
+<p:sld xmlns:a="http://schemas.openxmlformats.org/drawingml/2006/main" xmlns:r="http://schemas.openxmlformats.org/officeDocument/2006/relationships" xmlns:p="http://schemas.openxmlformats.org/presentationml/2006/main">
+  <p:cSld>
+    <p:spTree>
+      <p:nvGrpSpPr>
+        <p:cNvPr id="1" name=""/>
+        <p:cNvGrpSpPr/>
+        <p:nvPr/>
+      </p:nvGrpSpPr>
+      <p:grpSpPr>
+        <a:xfrm>
+          <a:off x="0" y="0"/>
+          <a:ext cx="0" cy="0"/>
+          <a:chOff x="0" y="0"/>
+          <a:chExt cx="0" cy="0"/>
+        </a:xfrm>
+      </p:grpSpPr>
+      <p:sp>
+        <p:nvSpPr>
+          <p:cNvPr id="2" name="Title 1">
+            <a:extLst>
+              <a:ext uri="{FF2B5EF4-FFF2-40B4-BE49-F238E27FC236}">
+                <a16:creationId xmlns:a16="http://schemas.microsoft.com/office/drawing/2014/main" id="{656B0371-04F2-D064-04F5-AEDA6E3AEBDB}"/>
+              </a:ext>
+            </a:extLst>
+          </p:cNvPr>
+          <p:cNvSpPr>
+            <a:spLocks noGrp="1"/>
+          </p:cNvSpPr>
+          <p:nvPr>
+            <p:ph type="title"/>
+          </p:nvPr>
+        </p:nvSpPr>
+        <p:spPr/>
+        <p:txBody>
+          <a:bodyPr/>
+          <a:lstStyle/>
+          <a:p>
+            <a:r>
+              <a:rPr lang="en-US"/>
+              <a:t>Image Projection</a:t>
+            </a:r>
+          </a:p>
+        </p:txBody>
+      </p:sp>
+      <p:sp>
+        <p:nvSpPr>
+          <p:cNvPr id="3" name="Content Placeholder 2">
+            <a:extLst>
+              <a:ext uri="{FF2B5EF4-FFF2-40B4-BE49-F238E27FC236}">
+                <a16:creationId xmlns:a16="http://schemas.microsoft.com/office/drawing/2014/main" id="{46C19B81-9719-F3A5-7D05-8186BF339083}"/>
+              </a:ext>
+            </a:extLst>
+          </p:cNvPr>
+          <p:cNvSpPr>
+            <a:spLocks noGrp="1"/>
+          </p:cNvSpPr>
+          <p:nvPr>
+            <p:ph idx="1"/>
+          </p:nvPr>
+        </p:nvSpPr>
+        <p:spPr/>
+        <p:txBody>
+          <a:bodyPr/>
+          <a:lstStyle/>
+          <a:p>
+            <a:r>
+              <a:rPr lang="en-US"/>
+              <a:t>Camera lens have roughly four parameters</a:t>
+            </a:r>
+          </a:p>
+          <a:p>
+            <a:pPr lvl="1"/>
+            <a:r>
+              <a:rPr lang="en-US"/>
+              <a:t>Image Center</a:t>
+            </a:r>
+          </a:p>
+          <a:p>
+            <a:pPr lvl="1"/>
+            <a:r>
+              <a:rPr lang="en-US"/>
+              <a:t>Focal Length</a:t>
+            </a:r>
+          </a:p>
+          <a:p>
+            <a:pPr lvl="1"/>
+            <a:r>
+              <a:rPr lang="en-US"/>
+              <a:t>Radial Distortion Coefficient</a:t>
+            </a:r>
+          </a:p>
+          <a:p>
+            <a:pPr lvl="1"/>
+            <a:r>
+              <a:rPr lang="en-US"/>
+              <a:t>Tangential Distortion Coefficient</a:t>
+            </a:r>
+          </a:p>
+        </p:txBody>
+      </p:sp>
+    </p:spTree>
+    <p:extLst>
+      <p:ext uri="{BB962C8B-B14F-4D97-AF65-F5344CB8AC3E}">
+        <p14:creationId xmlns:p14="http://schemas.microsoft.com/office/powerpoint/2010/main" val="1340222655"/>
+      </p:ext>
+    </p:extLst>
+  </p:cSld>
+  <p:clrMapOvr>
+    <a:masterClrMapping/>
+  </p:clrMapOvr>
+</p:sld>
+</file>
+
+<file path=ppt/slides/slide2.xml><?xml version="1.0" encoding="utf-8"?>
+<p:sld xmlns:a="http://schemas.openxmlformats.org/drawingml/2006/main" xmlns:r="http://schemas.openxmlformats.org/officeDocument/2006/relationships" xmlns:p="http://schemas.openxmlformats.org/presentationml/2006/main">
+  <p:cSld>
+    <p:spTree>
+      <p:nvGrpSpPr>
+        <p:cNvPr id="1" name=""/>
+        <p:cNvGrpSpPr/>
+        <p:nvPr/>
+      </p:nvGrpSpPr>
+      <p:grpSpPr>
+        <a:xfrm>
+          <a:off x="0" y="0"/>
+          <a:ext cx="0" cy="0"/>
+          <a:chOff x="0" y="0"/>
+          <a:chExt cx="0" cy="0"/>
+        </a:xfrm>
+      </p:grpSpPr>
+      <p:sp>
+        <p:nvSpPr>
+          <p:cNvPr id="2" name="Title 1">
+            <a:extLst>
+              <a:ext uri="{FF2B5EF4-FFF2-40B4-BE49-F238E27FC236}">
+                <a16:creationId xmlns:a16="http://schemas.microsoft.com/office/drawing/2014/main" id="{4F4D18FC-AC77-697F-624E-2342010FEEAC}"/>
+              </a:ext>
+            </a:extLst>
+          </p:cNvPr>
+          <p:cNvSpPr>
+            <a:spLocks noGrp="1"/>
+          </p:cNvSpPr>
+          <p:nvPr>
+            <p:ph type="title"/>
+          </p:nvPr>
+        </p:nvSpPr>
+        <p:spPr/>
+        <p:txBody>
+          <a:bodyPr/>
+          <a:lstStyle/>
+          <a:p>
+            <a:r>
+              <a:rPr lang="en-US"/>
+              <a:t>Career</a:t>
+            </a:r>
+          </a:p>
+        </p:txBody>
+      </p:sp>
+      <p:sp>
+        <p:nvSpPr>
+          <p:cNvPr id="3" name="Content Placeholder 2">
+            <a:extLst>
+              <a:ext uri="{FF2B5EF4-FFF2-40B4-BE49-F238E27FC236}">
+                <a16:creationId xmlns:a16="http://schemas.microsoft.com/office/drawing/2014/main" id="{75A7BB79-4B59-E646-673F-912327A3A5DB}"/>
+              </a:ext>
+            </a:extLst>
+          </p:cNvPr>
+          <p:cNvSpPr>
+            <a:spLocks noGrp="1"/>
+          </p:cNvSpPr>
+          <p:nvPr>
+            <p:ph idx="1"/>
+          </p:nvPr>
+        </p:nvSpPr>
+        <p:spPr>
+          <a:xfrm>
+            <a:off x="838200" y="1825625"/>
+            <a:ext cx="10515600" cy="4872630"/>
+          </a:xfrm>
+        </p:spPr>
+        <p:txBody>
+          <a:bodyPr>
+            <a:normAutofit/>
+          </a:bodyPr>
+          <a:lstStyle/>
+          <a:p>
+            <a:r>
+              <a:rPr lang="en-US"/>
+              <a:t>Finished college in '22</a:t>
+            </a:r>
+          </a:p>
+          <a:p>
+            <a:pPr lvl="1"/>
+            <a:r>
+              <a:rPr lang="en-US"/>
+              <a:t>Learned Computer Vision, Deep Learning Basics</a:t>
+            </a:r>
+          </a:p>
+          <a:p>
+            <a:r>
+              <a:rPr lang="en-US"/>
+              <a:t>Worked IRAD for 2 years</a:t>
+            </a:r>
+          </a:p>
+          <a:p>
+            <a:pPr lvl="1"/>
+            <a:r>
+              <a:rPr lang="en-US"/>
+              <a:t>Path Planning</a:t>
+            </a:r>
+          </a:p>
+          <a:p>
+            <a:pPr lvl="2"/>
+            <a:r>
+              <a:rPr lang="en-US"/>
+              <a:t>Navigation</a:t>
+            </a:r>
+          </a:p>
+          <a:p>
+            <a:pPr lvl="2"/>
+            <a:r>
+              <a:rPr lang="en-US"/>
+              <a:t>Surveillance</a:t>
+            </a:r>
+          </a:p>
+          <a:p>
+            <a:pPr lvl="2"/>
+            <a:r>
+              <a:rPr lang="en-US"/>
+              <a:t>Theoretical Motion Planning</a:t>
+            </a:r>
+          </a:p>
+          <a:p>
+            <a:pPr lvl="1"/>
+            <a:r>
+              <a:rPr lang="en-US"/>
+              <a:t>ATR</a:t>
+            </a:r>
+          </a:p>
+          <a:p>
+            <a:pPr lvl="2"/>
+            <a:r>
+              <a:rPr lang="en-US"/>
+              <a:t>SSD</a:t>
+            </a:r>
+          </a:p>
+          <a:p>
+            <a:pPr lvl="2"/>
+            <a:r>
+              <a:rPr lang="en-US"/>
+              <a:t>RTDETR</a:t>
+            </a:r>
+          </a:p>
+        </p:txBody>
+      </p:sp>
+    </p:spTree>
+    <p:extLst>
+      <p:ext uri="{BB962C8B-B14F-4D97-AF65-F5344CB8AC3E}">
+        <p14:creationId xmlns:p14="http://schemas.microsoft.com/office/powerpoint/2010/main" val="44873737"/>
+      </p:ext>
+    </p:extLst>
+  </p:cSld>
+  <p:clrMapOvr>
+    <a:masterClrMapping/>
+  </p:clrMapOvr>
+</p:sld>
+</file>
+
+<file path=ppt/slides/slide3.xml><?xml version="1.0" encoding="utf-8"?>
+<p:sld xmlns:a="http://schemas.openxmlformats.org/drawingml/2006/main" xmlns:r="http://schemas.openxmlformats.org/officeDocument/2006/relationships" xmlns:p="http://schemas.openxmlformats.org/presentationml/2006/main">
+  <p:cSld>
+    <p:spTree>
+      <p:nvGrpSpPr>
+        <p:cNvPr id="1" name=""/>
+        <p:cNvGrpSpPr/>
+        <p:nvPr/>
+      </p:nvGrpSpPr>
+      <p:grpSpPr>
+        <a:xfrm>
+          <a:off x="0" y="0"/>
+          <a:ext cx="0" cy="0"/>
+          <a:chOff x="0" y="0"/>
+          <a:chExt cx="0" cy="0"/>
+        </a:xfrm>
+      </p:grpSpPr>
+      <p:sp>
+        <p:nvSpPr>
+          <p:cNvPr id="6" name="TextBox 5">
+            <a:extLst>
+              <a:ext uri="{FF2B5EF4-FFF2-40B4-BE49-F238E27FC236}">
+                <a16:creationId xmlns:a16="http://schemas.microsoft.com/office/drawing/2014/main" id="{E3726C57-88AC-EE68-1DDD-26322D4B8DEC}"/>
+              </a:ext>
+            </a:extLst>
+          </p:cNvPr>
+          <p:cNvSpPr txBox="1"/>
+          <p:nvPr/>
+        </p:nvSpPr>
+        <p:spPr>
+          <a:xfrm>
+            <a:off x="1768354" y="509134"/>
+            <a:ext cx="9408983" cy="646331"/>
+          </a:xfrm>
+          <a:prstGeom prst="rect">
+            <a:avLst/>
+          </a:prstGeom>
+          <a:noFill/>
+        </p:spPr>
+        <p:txBody>
+          <a:bodyPr wrap="square" rtlCol="0">
+            <a:spAutoFit/>
+          </a:bodyPr>
+          <a:lstStyle/>
+          <a:p>
+            <a:r>
+              <a:rPr lang="en-US" sz="3600"/>
+              <a:t>Close the Algorithm Gap against Anduril</a:t>
+            </a:r>
+          </a:p>
+        </p:txBody>
+      </p:sp>
+      <p:pic>
+        <p:nvPicPr>
+          <p:cNvPr id="10" name="Picture 9">
+            <a:extLst>
+              <a:ext uri="{FF2B5EF4-FFF2-40B4-BE49-F238E27FC236}">
+                <a16:creationId xmlns:a16="http://schemas.microsoft.com/office/drawing/2014/main" id="{7418989D-EB25-A607-3483-6A9436F8AE07}"/>
+              </a:ext>
+            </a:extLst>
+          </p:cNvPr>
+          <p:cNvPicPr>
+            <a:picLocks noChangeAspect="1"/>
+          </p:cNvPicPr>
+          <p:nvPr/>
+        </p:nvPicPr>
+        <p:blipFill>
+          <a:blip r:embed="rId2"/>
+          <a:stretch>
+            <a:fillRect/>
+          </a:stretch>
+        </p:blipFill>
+        <p:spPr>
+          <a:xfrm>
+            <a:off x="8990156" y="3272311"/>
+            <a:ext cx="2895972" cy="3453485"/>
+          </a:xfrm>
+          <a:prstGeom prst="rect">
+            <a:avLst/>
+          </a:prstGeom>
+        </p:spPr>
+      </p:pic>
+      <p:pic>
+        <p:nvPicPr>
+          <p:cNvPr id="12" name="Picture 11">
+            <a:extLst>
+              <a:ext uri="{FF2B5EF4-FFF2-40B4-BE49-F238E27FC236}">
+                <a16:creationId xmlns:a16="http://schemas.microsoft.com/office/drawing/2014/main" id="{D3CF0511-ABD2-BE2C-B46B-8B3C9F54A75C}"/>
+              </a:ext>
+            </a:extLst>
+          </p:cNvPr>
+          <p:cNvPicPr>
+            <a:picLocks noChangeAspect="1"/>
+          </p:cNvPicPr>
+          <p:nvPr/>
+        </p:nvPicPr>
+        <p:blipFill>
+          <a:blip r:embed="rId3"/>
+          <a:stretch>
+            <a:fillRect/>
+          </a:stretch>
+        </p:blipFill>
+        <p:spPr>
+          <a:xfrm>
+            <a:off x="5684902" y="3327394"/>
+            <a:ext cx="3011537" cy="3343317"/>
+          </a:xfrm>
+          <a:prstGeom prst="rect">
+            <a:avLst/>
+          </a:prstGeom>
+        </p:spPr>
+      </p:pic>
+      <p:sp>
+        <p:nvSpPr>
+          <p:cNvPr id="13" name="TextBox 12">
+            <a:extLst>
+              <a:ext uri="{FF2B5EF4-FFF2-40B4-BE49-F238E27FC236}">
+                <a16:creationId xmlns:a16="http://schemas.microsoft.com/office/drawing/2014/main" id="{F52AAE22-999D-4443-66BC-2D65185AF5E6}"/>
+              </a:ext>
+            </a:extLst>
+          </p:cNvPr>
+          <p:cNvSpPr txBox="1"/>
+          <p:nvPr/>
+        </p:nvSpPr>
+        <p:spPr>
+          <a:xfrm>
+            <a:off x="967609" y="1702650"/>
+            <a:ext cx="5012675" cy="2554545"/>
+          </a:xfrm>
+          <a:prstGeom prst="rect">
+            <a:avLst/>
+          </a:prstGeom>
+          <a:noFill/>
+        </p:spPr>
+        <p:txBody>
+          <a:bodyPr wrap="square" rtlCol="0">
+            <a:spAutoFit/>
+          </a:bodyPr>
+          <a:lstStyle/>
+          <a:p>
+            <a:r>
+              <a:rPr lang="en-US" sz="3200"/>
+              <a:t>Capabilities:</a:t>
+            </a:r>
+          </a:p>
+          <a:p>
+            <a:pPr marL="457200" indent="-457200">
+              <a:buFont typeface="Arial" panose="020B0604020202020204" pitchFamily="34" charset="0"/>
+              <a:buChar char="•"/>
+            </a:pPr>
+            <a:r>
+              <a:rPr lang="en-US" sz="3200"/>
+              <a:t>Sensor Fusion</a:t>
+            </a:r>
+          </a:p>
+          <a:p>
+            <a:pPr marL="457200" indent="-457200">
+              <a:buFont typeface="Arial" panose="020B0604020202020204" pitchFamily="34" charset="0"/>
+              <a:buChar char="•"/>
+            </a:pPr>
+            <a:r>
+              <a:rPr lang="en-US" sz="3200"/>
+              <a:t>EO Data Pipelines</a:t>
+            </a:r>
+          </a:p>
+          <a:p>
+            <a:endParaRPr lang="en-US" sz="3200"/>
+          </a:p>
+          <a:p>
+            <a:endParaRPr lang="en-US" sz="3200"/>
+          </a:p>
+        </p:txBody>
+      </p:sp>
+      <p:sp>
+        <p:nvSpPr>
+          <p:cNvPr id="14" name="TextBox 13">
+            <a:extLst>
+              <a:ext uri="{FF2B5EF4-FFF2-40B4-BE49-F238E27FC236}">
+                <a16:creationId xmlns:a16="http://schemas.microsoft.com/office/drawing/2014/main" id="{0A755B32-B9D8-E747-1E6F-9A402083CCC0}"/>
+              </a:ext>
+            </a:extLst>
+          </p:cNvPr>
+          <p:cNvSpPr txBox="1"/>
+          <p:nvPr/>
+        </p:nvSpPr>
+        <p:spPr>
+          <a:xfrm>
+            <a:off x="8337696" y="2395147"/>
+            <a:ext cx="2748709" cy="584775"/>
+          </a:xfrm>
+          <a:prstGeom prst="rect">
+            <a:avLst/>
+          </a:prstGeom>
+          <a:noFill/>
+        </p:spPr>
+        <p:txBody>
+          <a:bodyPr wrap="square" rtlCol="0">
+            <a:spAutoFit/>
+          </a:bodyPr>
+          <a:lstStyle/>
+          <a:p>
+            <a:r>
+              <a:rPr lang="en-US" sz="3200"/>
+              <a:t>Fury</a:t>
+            </a:r>
+          </a:p>
+        </p:txBody>
+      </p:sp>
+      <p:pic>
+        <p:nvPicPr>
+          <p:cNvPr id="18" name="Picture 17">
+            <a:extLst>
+              <a:ext uri="{FF2B5EF4-FFF2-40B4-BE49-F238E27FC236}">
+                <a16:creationId xmlns:a16="http://schemas.microsoft.com/office/drawing/2014/main" id="{25EBA92A-FBF3-7D6C-B96E-5FC7A1428B18}"/>
+              </a:ext>
+            </a:extLst>
+          </p:cNvPr>
+          <p:cNvPicPr>
+            <a:picLocks noChangeAspect="1"/>
+          </p:cNvPicPr>
+          <p:nvPr/>
+        </p:nvPicPr>
+        <p:blipFill>
+          <a:blip r:embed="rId4"/>
+          <a:stretch>
+            <a:fillRect/>
+          </a:stretch>
+        </p:blipFill>
+        <p:spPr>
+          <a:xfrm>
+            <a:off x="192506" y="3871215"/>
+            <a:ext cx="5012675" cy="2568267"/>
+          </a:xfrm>
+          <a:prstGeom prst="rect">
+            <a:avLst/>
+          </a:prstGeom>
+        </p:spPr>
+      </p:pic>
+      <p:sp>
+        <p:nvSpPr>
+          <p:cNvPr id="21" name="TextBox 20">
+            <a:extLst>
+              <a:ext uri="{FF2B5EF4-FFF2-40B4-BE49-F238E27FC236}">
+                <a16:creationId xmlns:a16="http://schemas.microsoft.com/office/drawing/2014/main" id="{ED51DE0C-147D-1C6F-9B90-2153AE7B108E}"/>
+              </a:ext>
+            </a:extLst>
+          </p:cNvPr>
+          <p:cNvSpPr txBox="1"/>
+          <p:nvPr/>
+        </p:nvSpPr>
+        <p:spPr>
+          <a:xfrm>
+            <a:off x="1383632" y="6425760"/>
+            <a:ext cx="1197764" cy="369332"/>
+          </a:xfrm>
+          <a:prstGeom prst="rect">
+            <a:avLst/>
+          </a:prstGeom>
+          <a:noFill/>
+        </p:spPr>
+        <p:txBody>
+          <a:bodyPr wrap="none" rtlCol="0">
+            <a:spAutoFit/>
+          </a:bodyPr>
+          <a:lstStyle/>
+          <a:p>
+            <a:r>
+              <a:rPr lang="en-US"/>
+              <a:t>Barracuda</a:t>
+            </a:r>
+          </a:p>
+        </p:txBody>
+      </p:sp>
+    </p:spTree>
+    <p:extLst>
+      <p:ext uri="{BB962C8B-B14F-4D97-AF65-F5344CB8AC3E}">
+        <p14:creationId xmlns:p14="http://schemas.microsoft.com/office/powerpoint/2010/main" val="521839495"/>
+      </p:ext>
+    </p:extLst>
+  </p:cSld>
+  <p:clrMapOvr>
+    <a:masterClrMapping/>
+  </p:clrMapOvr>
+</p:sld>
+</file>
+
+<file path=ppt/slides/slide4.xml><?xml version="1.0" encoding="utf-8"?>
+<p:sld xmlns:a="http://schemas.openxmlformats.org/drawingml/2006/main" xmlns:r="http://schemas.openxmlformats.org/officeDocument/2006/relationships" xmlns:p="http://schemas.openxmlformats.org/presentationml/2006/main">
+  <p:cSld>
+    <p:spTree>
+      <p:nvGrpSpPr>
+        <p:cNvPr id="1" name=""/>
+        <p:cNvGrpSpPr/>
+        <p:nvPr/>
+      </p:nvGrpSpPr>
+      <p:grpSpPr>
+        <a:xfrm>
+          <a:off x="0" y="0"/>
+          <a:ext cx="0" cy="0"/>
+          <a:chOff x="0" y="0"/>
+          <a:chExt cx="0" cy="0"/>
+        </a:xfrm>
+      </p:grpSpPr>
+      <p:sp>
+        <p:nvSpPr>
+          <p:cNvPr id="2" name="Title 1">
+            <a:extLst>
+              <a:ext uri="{FF2B5EF4-FFF2-40B4-BE49-F238E27FC236}">
+                <a16:creationId xmlns:a16="http://schemas.microsoft.com/office/drawing/2014/main" id="{BBFACA97-ACA9-C663-D29B-190238D6FB88}"/>
+              </a:ext>
+            </a:extLst>
+          </p:cNvPr>
+          <p:cNvSpPr>
+            <a:spLocks noGrp="1"/>
+          </p:cNvSpPr>
+          <p:nvPr>
+            <p:ph type="title"/>
+          </p:nvPr>
+        </p:nvSpPr>
+        <p:spPr/>
+        <p:txBody>
+          <a:bodyPr/>
+          <a:lstStyle/>
+          <a:p>
+            <a:r>
+              <a:rPr lang="en-US"/>
+              <a:t>Path Navigation: Visibility Graphs</a:t>
+            </a:r>
+          </a:p>
+        </p:txBody>
+      </p:sp>
+      <p:sp>
+        <p:nvSpPr>
+          <p:cNvPr id="3" name="Content Placeholder 2">
+            <a:extLst>
+              <a:ext uri="{FF2B5EF4-FFF2-40B4-BE49-F238E27FC236}">
+                <a16:creationId xmlns:a16="http://schemas.microsoft.com/office/drawing/2014/main" id="{BF7884AA-1CF5-28AA-1471-A05089BA4A0B}"/>
+              </a:ext>
+            </a:extLst>
+          </p:cNvPr>
+          <p:cNvSpPr>
+            <a:spLocks noGrp="1"/>
+          </p:cNvSpPr>
+          <p:nvPr>
+            <p:ph idx="1"/>
+          </p:nvPr>
+        </p:nvSpPr>
+        <p:spPr>
+          <a:xfrm>
+            <a:off x="838200" y="1825625"/>
+            <a:ext cx="4681251" cy="4351338"/>
+          </a:xfrm>
+        </p:spPr>
+        <p:txBody>
+          <a:bodyPr/>
+          <a:lstStyle/>
+          <a:p>
+            <a:r>
+              <a:rPr lang="en-US"/>
+              <a:t>"Implement A* search for path planning"</a:t>
+            </a:r>
+          </a:p>
+        </p:txBody>
+      </p:sp>
+    </p:spTree>
+    <p:extLst>
+      <p:ext uri="{BB962C8B-B14F-4D97-AF65-F5344CB8AC3E}">
+        <p14:creationId xmlns:p14="http://schemas.microsoft.com/office/powerpoint/2010/main" val="3747270026"/>
+      </p:ext>
+    </p:extLst>
+  </p:cSld>
+  <p:clrMapOvr>
+    <a:masterClrMapping/>
+  </p:clrMapOvr>
+</p:sld>
+</file>
+
+<file path=ppt/slides/slide5.xml><?xml version="1.0" encoding="utf-8"?>
+<p:sld xmlns:a="http://schemas.openxmlformats.org/drawingml/2006/main" xmlns:r="http://schemas.openxmlformats.org/officeDocument/2006/relationships" xmlns:p="http://schemas.openxmlformats.org/presentationml/2006/main">
+  <p:cSld>
+    <p:spTree>
+      <p:nvGrpSpPr>
+        <p:cNvPr id="1" name=""/>
+        <p:cNvGrpSpPr/>
+        <p:nvPr/>
+      </p:nvGrpSpPr>
+      <p:grpSpPr>
+        <a:xfrm>
+          <a:off x="0" y="0"/>
+          <a:ext cx="0" cy="0"/>
+          <a:chOff x="0" y="0"/>
+          <a:chExt cx="0" cy="0"/>
+        </a:xfrm>
+      </p:grpSpPr>
+      <p:sp>
+        <p:nvSpPr>
+          <p:cNvPr id="2" name="Title 1">
+            <a:extLst>
+              <a:ext uri="{FF2B5EF4-FFF2-40B4-BE49-F238E27FC236}">
+                <a16:creationId xmlns:a16="http://schemas.microsoft.com/office/drawing/2014/main" id="{FE5AB1FA-F254-FB3B-61AC-B6796C528CA5}"/>
+              </a:ext>
+            </a:extLst>
+          </p:cNvPr>
+          <p:cNvSpPr>
+            <a:spLocks noGrp="1"/>
+          </p:cNvSpPr>
+          <p:nvPr>
+            <p:ph type="title"/>
+          </p:nvPr>
+        </p:nvSpPr>
+        <p:spPr/>
+        <p:txBody>
+          <a:bodyPr/>
+          <a:lstStyle/>
+          <a:p>
+            <a:r>
+              <a:rPr lang="en-US"/>
+              <a:t>Surveillance: Latency Graphs</a:t>
+            </a:r>
+          </a:p>
+        </p:txBody>
+      </p:sp>
+      <p:sp>
+        <p:nvSpPr>
+          <p:cNvPr id="3" name="Content Placeholder 2">
+            <a:extLst>
+              <a:ext uri="{FF2B5EF4-FFF2-40B4-BE49-F238E27FC236}">
+                <a16:creationId xmlns:a16="http://schemas.microsoft.com/office/drawing/2014/main" id="{1B961BD4-8805-B148-3007-DC607B6CB0CC}"/>
+              </a:ext>
+            </a:extLst>
+          </p:cNvPr>
+          <p:cNvSpPr>
+            <a:spLocks noGrp="1"/>
+          </p:cNvSpPr>
+          <p:nvPr>
+            <p:ph idx="1"/>
+          </p:nvPr>
+        </p:nvSpPr>
+        <p:spPr>
+          <a:xfrm>
+            <a:off x="838200" y="1825625"/>
+            <a:ext cx="5257800" cy="4351338"/>
+          </a:xfrm>
+        </p:spPr>
+        <p:txBody>
+          <a:bodyPr/>
+          <a:lstStyle/>
+          <a:p>
+            <a:r>
+              <a:rPr lang="en-US"/>
+              <a:t>"Do research on surveillance algorithms"</a:t>
+            </a:r>
+          </a:p>
+        </p:txBody>
+      </p:sp>
+    </p:spTree>
+    <p:extLst>
+      <p:ext uri="{BB962C8B-B14F-4D97-AF65-F5344CB8AC3E}">
+        <p14:creationId xmlns:p14="http://schemas.microsoft.com/office/powerpoint/2010/main" val="2229688747"/>
+      </p:ext>
+    </p:extLst>
+  </p:cSld>
+  <p:clrMapOvr>
+    <a:masterClrMapping/>
+  </p:clrMapOvr>
+</p:sld>
+</file>
+
+<file path=ppt/slides/slide6.xml><?xml version="1.0" encoding="utf-8"?>
+<p:sld xmlns:a="http://schemas.openxmlformats.org/drawingml/2006/main" xmlns:r="http://schemas.openxmlformats.org/officeDocument/2006/relationships" xmlns:p="http://schemas.openxmlformats.org/presentationml/2006/main">
+  <p:cSld>
+    <p:spTree>
+      <p:nvGrpSpPr>
+        <p:cNvPr id="1" name=""/>
+        <p:cNvGrpSpPr/>
+        <p:nvPr/>
+      </p:nvGrpSpPr>
+      <p:grpSpPr>
+        <a:xfrm>
+          <a:off x="0" y="0"/>
+          <a:ext cx="0" cy="0"/>
+          <a:chOff x="0" y="0"/>
+          <a:chExt cx="0" cy="0"/>
+        </a:xfrm>
+      </p:grpSpPr>
+      <p:sp>
+        <p:nvSpPr>
+          <p:cNvPr id="2" name="Title 1">
+            <a:extLst>
+              <a:ext uri="{FF2B5EF4-FFF2-40B4-BE49-F238E27FC236}">
+                <a16:creationId xmlns:a16="http://schemas.microsoft.com/office/drawing/2014/main" id="{201D5570-C76C-1B64-C4FF-985506EDEB00}"/>
+              </a:ext>
+            </a:extLst>
+          </p:cNvPr>
+          <p:cNvSpPr>
+            <a:spLocks noGrp="1"/>
+          </p:cNvSpPr>
+          <p:nvPr>
+            <p:ph type="title"/>
+          </p:nvPr>
+        </p:nvSpPr>
+        <p:spPr/>
+        <p:txBody>
+          <a:bodyPr/>
+          <a:lstStyle/>
+          <a:p>
+            <a:r>
+              <a:rPr lang="en-US"/>
+              <a:t>Motion Planning with Bezier Curves</a:t>
+            </a:r>
+          </a:p>
+        </p:txBody>
+      </p:sp>
+      <p:sp>
+        <p:nvSpPr>
+          <p:cNvPr id="3" name="Content Placeholder 2">
+            <a:extLst>
+              <a:ext uri="{FF2B5EF4-FFF2-40B4-BE49-F238E27FC236}">
+                <a16:creationId xmlns:a16="http://schemas.microsoft.com/office/drawing/2014/main" id="{A3478F51-43EF-1A57-0276-F223B7D905FD}"/>
+              </a:ext>
+            </a:extLst>
+          </p:cNvPr>
+          <p:cNvSpPr>
+            <a:spLocks noGrp="1"/>
+          </p:cNvSpPr>
+          <p:nvPr>
+            <p:ph idx="1"/>
+          </p:nvPr>
+        </p:nvSpPr>
+        <p:spPr>
+          <a:xfrm>
+            <a:off x="838200" y="1825625"/>
+            <a:ext cx="4923622" cy="4351338"/>
+          </a:xfrm>
+        </p:spPr>
+        <p:txBody>
+          <a:bodyPr/>
+          <a:lstStyle/>
+          <a:p>
+            <a:r>
+              <a:rPr lang="en-US"/>
+              <a:t>"Implement this paper from MIT"</a:t>
+            </a:r>
+          </a:p>
+        </p:txBody>
+      </p:sp>
+    </p:spTree>
+    <p:extLst>
+      <p:ext uri="{BB962C8B-B14F-4D97-AF65-F5344CB8AC3E}">
+        <p14:creationId xmlns:p14="http://schemas.microsoft.com/office/powerpoint/2010/main" val="1371077474"/>
+      </p:ext>
+    </p:extLst>
+  </p:cSld>
+  <p:clrMapOvr>
+    <a:masterClrMapping/>
+  </p:clrMapOvr>
+</p:sld>
+</file>
+
+<file path=ppt/slides/slide7.xml><?xml version="1.0" encoding="utf-8"?>
+<p:sld xmlns:a="http://schemas.openxmlformats.org/drawingml/2006/main" xmlns:r="http://schemas.openxmlformats.org/officeDocument/2006/relationships" xmlns:p="http://schemas.openxmlformats.org/presentationml/2006/main">
+  <p:cSld>
+    <p:spTree>
+      <p:nvGrpSpPr>
+        <p:cNvPr id="1" name=""/>
+        <p:cNvGrpSpPr/>
+        <p:nvPr/>
+      </p:nvGrpSpPr>
+      <p:grpSpPr>
+        <a:xfrm>
+          <a:off x="0" y="0"/>
+          <a:ext cx="0" cy="0"/>
+          <a:chOff x="0" y="0"/>
+          <a:chExt cx="0" cy="0"/>
+        </a:xfrm>
+      </p:grpSpPr>
+      <p:sp>
+        <p:nvSpPr>
+          <p:cNvPr id="2" name="Title 1">
+            <a:extLst>
+              <a:ext uri="{FF2B5EF4-FFF2-40B4-BE49-F238E27FC236}">
+                <a16:creationId xmlns:a16="http://schemas.microsoft.com/office/drawing/2014/main" id="{77E750F1-C33F-DA90-6AEB-FA77A63B4879}"/>
+              </a:ext>
+            </a:extLst>
+          </p:cNvPr>
+          <p:cNvSpPr>
+            <a:spLocks noGrp="1"/>
+          </p:cNvSpPr>
+          <p:nvPr>
+            <p:ph type="title"/>
+          </p:nvPr>
+        </p:nvSpPr>
+        <p:spPr/>
+        <p:txBody>
+          <a:bodyPr/>
+          <a:lstStyle/>
+          <a:p>
+            <a:r>
+              <a:rPr lang="en-US"/>
+              <a:t>What are Bezier Curves?</a:t>
+            </a:r>
+          </a:p>
+        </p:txBody>
+      </p:sp>
+      <p:sp>
+        <p:nvSpPr>
+          <p:cNvPr id="3" name="Content Placeholder 2">
+            <a:extLst>
+              <a:ext uri="{FF2B5EF4-FFF2-40B4-BE49-F238E27FC236}">
+                <a16:creationId xmlns:a16="http://schemas.microsoft.com/office/drawing/2014/main" id="{31EBD9F4-B37F-80AF-8BD2-065634951494}"/>
+              </a:ext>
+            </a:extLst>
+          </p:cNvPr>
+          <p:cNvSpPr>
+            <a:spLocks noGrp="1"/>
+          </p:cNvSpPr>
+          <p:nvPr>
+            <p:ph idx="1"/>
+          </p:nvPr>
+        </p:nvSpPr>
+        <p:spPr/>
+        <p:txBody>
+          <a:bodyPr/>
+          <a:lstStyle/>
+          <a:p>
+            <a:endParaRPr lang="en-US"/>
+          </a:p>
+        </p:txBody>
+      </p:sp>
+    </p:spTree>
+    <p:extLst>
+      <p:ext uri="{BB962C8B-B14F-4D97-AF65-F5344CB8AC3E}">
+        <p14:creationId xmlns:p14="http://schemas.microsoft.com/office/powerpoint/2010/main" val="942950333"/>
+      </p:ext>
+    </p:extLst>
+  </p:cSld>
+  <p:clrMapOvr>
+    <a:masterClrMapping/>
+  </p:clrMapOvr>
+</p:sld>
+</file>
+
 <file path=ppt/slides/slide8.xml><?xml version="1.0" encoding="utf-8"?>
 <p:sld xmlns:a="http://schemas.openxmlformats.org/drawingml/2006/main" xmlns:r="http://schemas.openxmlformats.org/officeDocument/2006/relationships" xmlns:p="http://schemas.openxmlformats.org/presentationml/2006/main">
   <p:cSld>
@@ -4757,7 +6344,7 @@
           <p:cNvPr id="2" name="Title 1">
             <a:extLst>
               <a:ext uri="{FF2B5EF4-FFF2-40B4-BE49-F238E27FC236}">
-                <a16:creationId xmlns:a16="http://schemas.microsoft.com/office/drawing/2014/main" id="{FC70CC81-D2A8-7ED3-D2B7-B59A53FD803A}"/>
+                <a16:creationId xmlns:a16="http://schemas.microsoft.com/office/drawing/2014/main" id="{76A0D185-93E7-3AD7-7F5F-00A1C5CF4CF2}"/>
               </a:ext>
             </a:extLst>
           </p:cNvPr>
@@ -4775,7 +6362,7 @@
           <a:p>
             <a:r>
               <a:rPr lang="en-US"/>
-              <a:t>Network Architecture: RTDETR</a:t>
+              <a:t>Bezier Curves for Motion Planning</a:t>
             </a:r>
           </a:p>
         </p:txBody>
@@ -4785,7 +6372,7 @@
           <p:cNvPr id="3" name="Content Placeholder 2">
             <a:extLst>
               <a:ext uri="{FF2B5EF4-FFF2-40B4-BE49-F238E27FC236}">
-                <a16:creationId xmlns:a16="http://schemas.microsoft.com/office/drawing/2014/main" id="{113E4DB4-929B-50E3-E7EE-1C950C8E6B39}"/>
+                <a16:creationId xmlns:a16="http://schemas.microsoft.com/office/drawing/2014/main" id="{B8508333-3A89-0FFF-57FF-8340766A9463}"/>
               </a:ext>
             </a:extLst>
           </p:cNvPr>
@@ -4808,7 +6395,7 @@
     </p:spTree>
     <p:extLst>
       <p:ext uri="{BB962C8B-B14F-4D97-AF65-F5344CB8AC3E}">
-        <p14:creationId xmlns:p14="http://schemas.microsoft.com/office/powerpoint/2010/main" val="1351897136"/>
+        <p14:creationId xmlns:p14="http://schemas.microsoft.com/office/powerpoint/2010/main" val="2220192396"/>
       </p:ext>
     </p:extLst>
   </p:cSld>
@@ -4840,7 +6427,7 @@
           <p:cNvPr id="2" name="Title 1">
             <a:extLst>
               <a:ext uri="{FF2B5EF4-FFF2-40B4-BE49-F238E27FC236}">
-                <a16:creationId xmlns:a16="http://schemas.microsoft.com/office/drawing/2014/main" id="{81388670-A98A-59FC-26BB-49B2D66EC279}"/>
+                <a16:creationId xmlns:a16="http://schemas.microsoft.com/office/drawing/2014/main" id="{A203FB13-5D58-D401-89F6-3A3E0D3533E2}"/>
               </a:ext>
             </a:extLst>
           </p:cNvPr>
@@ -4858,7 +6445,7 @@
           <a:p>
             <a:r>
               <a:rPr lang="en-US"/>
-              <a:t>Tooling</a:t>
+              <a:t>Frontier Research</a:t>
             </a:r>
           </a:p>
         </p:txBody>
@@ -4868,7 +6455,7 @@
           <p:cNvPr id="3" name="Content Placeholder 2">
             <a:extLst>
               <a:ext uri="{FF2B5EF4-FFF2-40B4-BE49-F238E27FC236}">
-                <a16:creationId xmlns:a16="http://schemas.microsoft.com/office/drawing/2014/main" id="{53F314FA-ABF0-8DB4-F237-166A526C04D9}"/>
+                <a16:creationId xmlns:a16="http://schemas.microsoft.com/office/drawing/2014/main" id="{4A382323-F0FA-918D-90F1-053A165F76BB}"/>
               </a:ext>
             </a:extLst>
           </p:cNvPr>
@@ -4884,33 +6471,6 @@
           <a:bodyPr/>
           <a:lstStyle/>
           <a:p>
-            <a:r>
-              <a:rPr lang="en-US"/>
-              <a:t>COCO</a:t>
-            </a:r>
-          </a:p>
-          <a:p>
-            <a:r>
-              <a:rPr lang="en-US"/>
-              <a:t>torchvision</a:t>
-            </a:r>
-          </a:p>
-          <a:p>
-            <a:r>
-              <a:rPr lang="en-US"/>
-              <a:t>torch-lightning</a:t>
-            </a:r>
-          </a:p>
-          <a:p>
-            <a:r>
-              <a:rPr lang="en-US"/>
-              <a:t>Ultralytics</a:t>
-            </a:r>
-          </a:p>
-          <a:p>
-            <a:endParaRPr lang="en-US"/>
-          </a:p>
-          <a:p>
             <a:endParaRPr lang="en-US"/>
           </a:p>
         </p:txBody>
@@ -4918,7 +6478,7 @@
     </p:spTree>
     <p:extLst>
       <p:ext uri="{BB962C8B-B14F-4D97-AF65-F5344CB8AC3E}">
-        <p14:creationId xmlns:p14="http://schemas.microsoft.com/office/powerpoint/2010/main" val="2304288353"/>
+        <p14:creationId xmlns:p14="http://schemas.microsoft.com/office/powerpoint/2010/main" val="3147801682"/>
       </p:ext>
     </p:extLst>
   </p:cSld>
@@ -4929,9 +6489,9 @@
 </file>
 
 <file path=ppt/theme/theme1.xml><?xml version="1.0" encoding="utf-8"?>
-<a:theme xmlns:a="http://schemas.openxmlformats.org/drawingml/2006/main" name="Office Theme">
+<a:theme xmlns:a="http://schemas.openxmlformats.org/drawingml/2006/main" name="Crop">
   <a:themeElements>
-    <a:clrScheme name="Office">
+    <a:clrScheme name="Crop">
       <a:dk1>
         <a:sysClr val="windowText" lastClr="000000"/>
       </a:dk1>
@@ -4939,100 +6499,48 @@
         <a:sysClr val="window" lastClr="FFFFFF"/>
       </a:lt1>
       <a:dk2>
-        <a:srgbClr val="0E2841"/>
+        <a:srgbClr val="191B0E"/>
       </a:dk2>
       <a:lt2>
-        <a:srgbClr val="E8E8E8"/>
+        <a:srgbClr val="EFEDE3"/>
       </a:lt2>
       <a:accent1>
-        <a:srgbClr val="156082"/>
+        <a:srgbClr val="8C8D86"/>
       </a:accent1>
       <a:accent2>
-        <a:srgbClr val="E97132"/>
+        <a:srgbClr val="E6C069"/>
       </a:accent2>
       <a:accent3>
-        <a:srgbClr val="196B24"/>
+        <a:srgbClr val="897B61"/>
       </a:accent3>
       <a:accent4>
-        <a:srgbClr val="0F9ED5"/>
+        <a:srgbClr val="8DAB8E"/>
       </a:accent4>
       <a:accent5>
-        <a:srgbClr val="A02B93"/>
+        <a:srgbClr val="77A2BB"/>
       </a:accent5>
       <a:accent6>
-        <a:srgbClr val="4EA72E"/>
+        <a:srgbClr val="E28394"/>
       </a:accent6>
       <a:hlink>
-        <a:srgbClr val="467886"/>
+        <a:srgbClr val="77A2BB"/>
       </a:hlink>
       <a:folHlink>
-        <a:srgbClr val="96607D"/>
+        <a:srgbClr val="957A99"/>
       </a:folHlink>
     </a:clrScheme>
-    <a:fontScheme name="Office">
+    <a:fontScheme name="Crop">
       <a:majorFont>
-        <a:latin typeface="Aptos Display" panose="02110004020202020204"/>
+        <a:latin typeface="Franklin Gothic Book" panose="020B0503020102020204"/>
         <a:ea typeface=""/>
         <a:cs typeface=""/>
-        <a:font script="Jpan" typeface="游ゴシック Light"/>
-        <a:font script="Hang" typeface="맑은 고딕"/>
-        <a:font script="Hans" typeface="等线 Light"/>
-        <a:font script="Hant" typeface="新細明體"/>
-        <a:font script="Arab" typeface="Times New Roman"/>
-        <a:font script="Hebr" typeface="Times New Roman"/>
-        <a:font script="Thai" typeface="Angsana New"/>
-        <a:font script="Ethi" typeface="Nyala"/>
-        <a:font script="Beng" typeface="Vrinda"/>
-        <a:font script="Gujr" typeface="Shruti"/>
-        <a:font script="Khmr" typeface="MoolBoran"/>
-        <a:font script="Knda" typeface="Tunga"/>
-        <a:font script="Guru" typeface="Raavi"/>
-        <a:font script="Cans" typeface="Euphemia"/>
-        <a:font script="Cher" typeface="Plantagenet Cherokee"/>
-        <a:font script="Yiii" typeface="Microsoft Yi Baiti"/>
-        <a:font script="Tibt" typeface="Microsoft Himalaya"/>
-        <a:font script="Thaa" typeface="MV Boli"/>
-        <a:font script="Deva" typeface="Mangal"/>
-        <a:font script="Telu" typeface="Gautami"/>
-        <a:font script="Taml" typeface="Latha"/>
-        <a:font script="Syrc" typeface="Estrangelo Edessa"/>
-        <a:font script="Orya" typeface="Kalinga"/>
-        <a:font script="Mlym" typeface="Kartika"/>
-        <a:font script="Laoo" typeface="DokChampa"/>
-        <a:font script="Sinh" typeface="Iskoola Pota"/>
-        <a:font script="Mong" typeface="Mongolian Baiti"/>
-        <a:font script="Viet" typeface="Times New Roman"/>
-        <a:font script="Uigh" typeface="Microsoft Uighur"/>
-        <a:font script="Geor" typeface="Sylfaen"/>
-        <a:font script="Armn" typeface="Arial"/>
-        <a:font script="Bugi" typeface="Leelawadee UI"/>
-        <a:font script="Bopo" typeface="Microsoft JhengHei"/>
-        <a:font script="Java" typeface="Javanese Text"/>
-        <a:font script="Lisu" typeface="Segoe UI"/>
-        <a:font script="Mymr" typeface="Myanmar Text"/>
-        <a:font script="Nkoo" typeface="Ebrima"/>
-        <a:font script="Olck" typeface="Nirmala UI"/>
-        <a:font script="Osma" typeface="Ebrima"/>
-        <a:font script="Phag" typeface="Phagspa"/>
-        <a:font script="Syrn" typeface="Estrangelo Edessa"/>
-        <a:font script="Syrj" typeface="Estrangelo Edessa"/>
-        <a:font script="Syre" typeface="Estrangelo Edessa"/>
-        <a:font script="Sora" typeface="Nirmala UI"/>
-        <a:font script="Tale" typeface="Microsoft Tai Le"/>
-        <a:font script="Talu" typeface="Microsoft New Tai Lue"/>
-        <a:font script="Tfng" typeface="Ebrima"/>
-      </a:majorFont>
-      <a:minorFont>
-        <a:latin typeface="Aptos" panose="02110004020202020204"/>
-        <a:ea typeface=""/>
-        <a:cs typeface=""/>
-        <a:font script="Jpan" typeface="游ゴシック"/>
-        <a:font script="Hang" typeface="맑은 고딕"/>
-        <a:font script="Hans" typeface="等线"/>
-        <a:font script="Hant" typeface="新細明體"/>
-        <a:font script="Arab" typeface="Arial"/>
-        <a:font script="Hebr" typeface="Arial"/>
-        <a:font script="Thai" typeface="Cordia New"/>
+        <a:font script="Jpan" typeface="メイリオ"/>
+        <a:font script="Hang" typeface="돋움"/>
+        <a:font script="Hans" typeface="华文楷体"/>
+        <a:font script="Hant" typeface="微軟正黑體"/>
+        <a:font script="Arab" typeface="Tahoma"/>
+        <a:font script="Hebr" typeface="Aharoni"/>
+        <a:font script="Thai" typeface="LilyUPC"/>
         <a:font script="Ethi" typeface="Nyala"/>
         <a:font script="Beng" typeface="Vrinda"/>
         <a:font script="Gujr" typeface="Shruti"/>
@@ -5053,29 +6561,47 @@
         <a:font script="Laoo" typeface="DokChampa"/>
         <a:font script="Sinh" typeface="Iskoola Pota"/>
         <a:font script="Mong" typeface="Mongolian Baiti"/>
-        <a:font script="Viet" typeface="Arial"/>
+        <a:font script="Viet" typeface="Tahoma"/>
         <a:font script="Uigh" typeface="Microsoft Uighur"/>
         <a:font script="Geor" typeface="Sylfaen"/>
-        <a:font script="Armn" typeface="Arial"/>
-        <a:font script="Bugi" typeface="Leelawadee UI"/>
-        <a:font script="Bopo" typeface="Microsoft JhengHei"/>
-        <a:font script="Java" typeface="Javanese Text"/>
-        <a:font script="Lisu" typeface="Segoe UI"/>
-        <a:font script="Mymr" typeface="Myanmar Text"/>
-        <a:font script="Nkoo" typeface="Ebrima"/>
-        <a:font script="Olck" typeface="Nirmala UI"/>
-        <a:font script="Osma" typeface="Ebrima"/>
-        <a:font script="Phag" typeface="Phagspa"/>
-        <a:font script="Syrn" typeface="Estrangelo Edessa"/>
-        <a:font script="Syrj" typeface="Estrangelo Edessa"/>
-        <a:font script="Syre" typeface="Estrangelo Edessa"/>
-        <a:font script="Sora" typeface="Nirmala UI"/>
-        <a:font script="Tale" typeface="Microsoft Tai Le"/>
-        <a:font script="Talu" typeface="Microsoft New Tai Lue"/>
-        <a:font script="Tfng" typeface="Ebrima"/>
+      </a:majorFont>
+      <a:minorFont>
+        <a:latin typeface="Franklin Gothic Book" panose="020B0503020102020204"/>
+        <a:ea typeface=""/>
+        <a:cs typeface=""/>
+        <a:font script="Jpan" typeface="メイリオ"/>
+        <a:font script="Hang" typeface="돋움"/>
+        <a:font script="Hans" typeface="华文楷体"/>
+        <a:font script="Hant" typeface="微軟正黑體"/>
+        <a:font script="Arab" typeface="Tahoma"/>
+        <a:font script="Hebr" typeface="Aharoni"/>
+        <a:font script="Thai" typeface="LilyUPC"/>
+        <a:font script="Ethi" typeface="Nyala"/>
+        <a:font script="Beng" typeface="Vrinda"/>
+        <a:font script="Gujr" typeface="Shruti"/>
+        <a:font script="Khmr" typeface="DaunPenh"/>
+        <a:font script="Knda" typeface="Tunga"/>
+        <a:font script="Guru" typeface="Raavi"/>
+        <a:font script="Cans" typeface="Euphemia"/>
+        <a:font script="Cher" typeface="Plantagenet Cherokee"/>
+        <a:font script="Yiii" typeface="Microsoft Yi Baiti"/>
+        <a:font script="Tibt" typeface="Microsoft Himalaya"/>
+        <a:font script="Thaa" typeface="MV Boli"/>
+        <a:font script="Deva" typeface="Mangal"/>
+        <a:font script="Telu" typeface="Gautami"/>
+        <a:font script="Taml" typeface="Latha"/>
+        <a:font script="Syrc" typeface="Estrangelo Edessa"/>
+        <a:font script="Orya" typeface="Kalinga"/>
+        <a:font script="Mlym" typeface="Kartika"/>
+        <a:font script="Laoo" typeface="DokChampa"/>
+        <a:font script="Sinh" typeface="Iskoola Pota"/>
+        <a:font script="Mong" typeface="Mongolian Baiti"/>
+        <a:font script="Viet" typeface="Tahoma"/>
+        <a:font script="Uigh" typeface="Microsoft Uighur"/>
+        <a:font script="Geor" typeface="Sylfaen"/>
       </a:minorFont>
     </a:fontScheme>
-    <a:fmtScheme name="Office">
+    <a:fmtScheme name="Crop">
       <a:fillStyleLst>
         <a:solidFill>
           <a:schemeClr val="phClr"/>
@@ -5084,23 +6610,23 @@
           <a:gsLst>
             <a:gs pos="0">
               <a:schemeClr val="phClr">
+                <a:tint val="67000"/>
+                <a:satMod val="105000"/>
                 <a:lumMod val="110000"/>
-                <a:satMod val="105000"/>
-                <a:tint val="67000"/>
               </a:schemeClr>
             </a:gs>
             <a:gs pos="50000">
               <a:schemeClr val="phClr">
+                <a:tint val="73000"/>
+                <a:satMod val="103000"/>
                 <a:lumMod val="105000"/>
-                <a:satMod val="103000"/>
-                <a:tint val="73000"/>
               </a:schemeClr>
             </a:gs>
             <a:gs pos="100000">
               <a:schemeClr val="phClr">
+                <a:tint val="81000"/>
+                <a:satMod val="109000"/>
                 <a:lumMod val="105000"/>
-                <a:satMod val="109000"/>
-                <a:tint val="81000"/>
               </a:schemeClr>
             </a:gs>
           </a:gsLst>
@@ -5110,23 +6636,23 @@
           <a:gsLst>
             <a:gs pos="0">
               <a:schemeClr val="phClr">
+                <a:tint val="94000"/>
                 <a:satMod val="103000"/>
                 <a:lumMod val="102000"/>
-                <a:tint val="94000"/>
               </a:schemeClr>
             </a:gs>
             <a:gs pos="50000">
               <a:schemeClr val="phClr">
+                <a:shade val="100000"/>
                 <a:satMod val="110000"/>
                 <a:lumMod val="100000"/>
-                <a:shade val="100000"/>
               </a:schemeClr>
             </a:gs>
             <a:gs pos="100000">
               <a:schemeClr val="phClr">
+                <a:shade val="78000"/>
+                <a:satMod val="120000"/>
                 <a:lumMod val="99000"/>
-                <a:satMod val="120000"/>
-                <a:shade val="78000"/>
               </a:schemeClr>
             </a:gs>
           </a:gsLst>
@@ -5134,26 +6660,23 @@
         </a:gradFill>
       </a:fillStyleLst>
       <a:lnStyleLst>
-        <a:ln w="12700" cap="flat" cmpd="sng" algn="ctr">
+        <a:ln w="6350" cap="flat" cmpd="sng" algn="in">
           <a:solidFill>
             <a:schemeClr val="phClr"/>
           </a:solidFill>
           <a:prstDash val="solid"/>
-          <a:miter lim="800000"/>
         </a:ln>
-        <a:ln w="19050" cap="flat" cmpd="sng" algn="ctr">
+        <a:ln w="34925" cap="flat" cmpd="sng" algn="in">
           <a:solidFill>
             <a:schemeClr val="phClr"/>
           </a:solidFill>
           <a:prstDash val="solid"/>
-          <a:miter lim="800000"/>
         </a:ln>
-        <a:ln w="25400" cap="flat" cmpd="sng" algn="ctr">
+        <a:ln w="19050" cap="flat" cmpd="sng" algn="in">
           <a:solidFill>
             <a:schemeClr val="phClr"/>
           </a:solidFill>
           <a:prstDash val="solid"/>
-          <a:miter lim="800000"/>
         </a:ln>
       </a:lnStyleLst>
       <a:effectStyleLst>
@@ -5167,7 +6690,7 @@
           <a:effectLst>
             <a:outerShdw blurRad="57150" dist="19050" dir="5400000" algn="ctr" rotWithShape="0">
               <a:srgbClr val="000000">
-                <a:alpha val="63000"/>
+                <a:alpha val="35000"/>
               </a:srgbClr>
             </a:outerShdw>
           </a:effectLst>
@@ -5188,16 +6711,16 @@
             <a:gs pos="0">
               <a:schemeClr val="phClr">
                 <a:tint val="93000"/>
+                <a:shade val="98000"/>
                 <a:satMod val="150000"/>
-                <a:shade val="98000"/>
                 <a:lumMod val="102000"/>
               </a:schemeClr>
             </a:gs>
             <a:gs pos="50000">
               <a:schemeClr val="phClr">
                 <a:tint val="98000"/>
+                <a:shade val="90000"/>
                 <a:satMod val="130000"/>
-                <a:shade val="90000"/>
                 <a:lumMod val="103000"/>
               </a:schemeClr>
             </a:gs>
@@ -5213,31 +6736,11 @@
       </a:bgFillStyleLst>
     </a:fmtScheme>
   </a:themeElements>
-  <a:objectDefaults>
-    <a:lnDef>
-      <a:spPr/>
-      <a:bodyPr/>
-      <a:lstStyle/>
-      <a:style>
-        <a:lnRef idx="2">
-          <a:schemeClr val="accent1"/>
-        </a:lnRef>
-        <a:fillRef idx="0">
-          <a:schemeClr val="accent1"/>
-        </a:fillRef>
-        <a:effectRef idx="1">
-          <a:schemeClr val="accent1"/>
-        </a:effectRef>
-        <a:fontRef idx="minor">
-          <a:schemeClr val="tx1"/>
-        </a:fontRef>
-      </a:style>
-    </a:lnDef>
-  </a:objectDefaults>
+  <a:objectDefaults/>
   <a:extraClrSchemeLst/>
   <a:extLst>
     <a:ext uri="{05A4C25C-085E-4340-85A3-A5531E510DB2}">
-      <thm15:themeFamily xmlns:thm15="http://schemas.microsoft.com/office/thememl/2012/main" name="Office Theme" id="{2E142A2C-CD16-42D6-873A-C26D2A0506FA}" vid="{1BDDFF52-6CD6-40A5-AB3C-68EB2F1E4D0A}"/>
+      <thm15:themeFamily xmlns:thm15="http://schemas.microsoft.com/office/thememl/2012/main" name="Crop" id="{EC9488ED-E761-4D60-9AC4-764D1FE2C171}" vid="{CE19780C-D67D-4C13-9DE9-A52BC3BA51B4}"/>
     </a:ext>
   </a:extLst>
 </a:theme>
